--- a/H5.pptx
+++ b/H5.pptx
@@ -6,6 +6,7 @@
   </p:sldMasterIdLst>
   <p:sldIdLst>
     <p:sldId id="256" r:id="rId2"/>
+    <p:sldId id="257" r:id="rId3"/>
   </p:sldIdLst>
   <p:sldSz cx="12192000" cy="6858000"/>
   <p:notesSz cx="6858000" cy="9144000"/>
@@ -104,6 +105,11 @@
       </a:defRPr>
     </a:lvl9pPr>
   </p:defaultTextStyle>
+  <p:extLst>
+    <p:ext uri="{EFAFB233-063F-42B5-8137-9DF3F51BA10A}">
+      <p15:sldGuideLst xmlns:p15="http://schemas.microsoft.com/office/powerpoint/2012/main"/>
+    </p:ext>
+  </p:extLst>
 </p:presentation>
 </file>
 
@@ -7980,6 +7986,68 @@
 </p:sld>
 </file>
 
+<file path=ppt/slides/slide2.xml><?xml version="1.0" encoding="utf-8"?>
+<p:sld xmlns:a="http://schemas.openxmlformats.org/drawingml/2006/main" xmlns:r="http://schemas.openxmlformats.org/officeDocument/2006/relationships" xmlns:p="http://schemas.openxmlformats.org/presentationml/2006/main">
+  <p:cSld>
+    <p:spTree>
+      <p:nvGrpSpPr>
+        <p:cNvPr id="1" name=""/>
+        <p:cNvGrpSpPr/>
+        <p:nvPr/>
+      </p:nvGrpSpPr>
+      <p:grpSpPr>
+        <a:xfrm>
+          <a:off x="0" y="0"/>
+          <a:ext cx="0" cy="0"/>
+          <a:chOff x="0" y="0"/>
+          <a:chExt cx="0" cy="0"/>
+        </a:xfrm>
+      </p:grpSpPr>
+      <p:pic>
+        <p:nvPicPr>
+          <p:cNvPr id="4" name="Afbeelding 3"/>
+          <p:cNvPicPr>
+            <a:picLocks noChangeAspect="1"/>
+          </p:cNvPicPr>
+          <p:nvPr/>
+        </p:nvPicPr>
+        <p:blipFill>
+          <a:blip r:embed="rId2" cstate="print"/>
+          <a:srcRect/>
+          <a:stretch>
+            <a:fillRect/>
+          </a:stretch>
+        </p:blipFill>
+        <p:spPr bwMode="auto">
+          <a:xfrm>
+            <a:off x="279237" y="1306286"/>
+            <a:ext cx="11434829" cy="4073784"/>
+          </a:xfrm>
+          <a:prstGeom prst="rect">
+            <a:avLst/>
+          </a:prstGeom>
+          <a:noFill/>
+          <a:ln w="9525">
+            <a:noFill/>
+            <a:miter lim="800000"/>
+            <a:headEnd/>
+            <a:tailEnd/>
+          </a:ln>
+        </p:spPr>
+      </p:pic>
+    </p:spTree>
+    <p:extLst>
+      <p:ext uri="{BB962C8B-B14F-4D97-AF65-F5344CB8AC3E}">
+        <p14:creationId xmlns:p14="http://schemas.microsoft.com/office/powerpoint/2010/main" val="1299950704"/>
+      </p:ext>
+    </p:extLst>
+  </p:cSld>
+  <p:clrMapOvr>
+    <a:masterClrMapping/>
+  </p:clrMapOvr>
+</p:sld>
+</file>
+
 <file path=ppt/theme/theme1.xml><?xml version="1.0" encoding="utf-8"?>
 <a:theme xmlns:a="http://schemas.openxmlformats.org/drawingml/2006/main" name="Kantoorthema">
   <a:themeElements>

--- a/H5.pptx
+++ b/H5.pptx
@@ -7,6 +7,8 @@
   <p:sldIdLst>
     <p:sldId id="256" r:id="rId2"/>
     <p:sldId id="257" r:id="rId3"/>
+    <p:sldId id="258" r:id="rId4"/>
+    <p:sldId id="259" r:id="rId5"/>
   </p:sldIdLst>
   <p:sldSz cx="12192000" cy="6858000"/>
   <p:notesSz cx="6858000" cy="9144000"/>
@@ -8048,6 +8050,5823 @@
 </p:sld>
 </file>
 
+<file path=ppt/slides/slide3.xml><?xml version="1.0" encoding="utf-8"?>
+<p:sld xmlns:a="http://schemas.openxmlformats.org/drawingml/2006/main" xmlns:r="http://schemas.openxmlformats.org/officeDocument/2006/relationships" xmlns:p="http://schemas.openxmlformats.org/presentationml/2006/main">
+  <p:cSld>
+    <p:spTree>
+      <p:nvGrpSpPr>
+        <p:cNvPr id="1" name=""/>
+        <p:cNvGrpSpPr/>
+        <p:nvPr/>
+      </p:nvGrpSpPr>
+      <p:grpSpPr>
+        <a:xfrm>
+          <a:off x="0" y="0"/>
+          <a:ext cx="0" cy="0"/>
+          <a:chOff x="0" y="0"/>
+          <a:chExt cx="0" cy="0"/>
+        </a:xfrm>
+      </p:grpSpPr>
+      <p:pic>
+        <p:nvPicPr>
+          <p:cNvPr id="4" name="Afbeelding 3"/>
+          <p:cNvPicPr>
+            <a:picLocks noChangeAspect="1"/>
+          </p:cNvPicPr>
+          <p:nvPr/>
+        </p:nvPicPr>
+        <p:blipFill>
+          <a:blip r:embed="rId2" cstate="print">
+            <a:extLst>
+              <a:ext uri="{28A0092B-C50C-407E-A947-70E740481C1C}">
+                <a14:useLocalDpi xmlns:a14="http://schemas.microsoft.com/office/drawing/2010/main" val="0"/>
+              </a:ext>
+            </a:extLst>
+          </a:blip>
+          <a:srcRect/>
+          <a:stretch>
+            <a:fillRect/>
+          </a:stretch>
+        </p:blipFill>
+        <p:spPr bwMode="auto">
+          <a:xfrm>
+            <a:off x="6510530" y="1759609"/>
+            <a:ext cx="4620889" cy="3215889"/>
+          </a:xfrm>
+          <a:prstGeom prst="rect">
+            <a:avLst/>
+          </a:prstGeom>
+          <a:noFill/>
+          <a:ln>
+            <a:noFill/>
+          </a:ln>
+        </p:spPr>
+      </p:pic>
+      <p:pic>
+        <p:nvPicPr>
+          <p:cNvPr id="5" name="Afbeelding 4" descr="http://www.flowmeters.nl/files/image/45/Meetprincipe%20Wet%20van%20Faraday.png"/>
+          <p:cNvPicPr>
+            <a:picLocks noChangeAspect="1"/>
+          </p:cNvPicPr>
+          <p:nvPr/>
+        </p:nvPicPr>
+        <p:blipFill>
+          <a:blip r:embed="rId3" cstate="print"/>
+          <a:srcRect/>
+          <a:stretch>
+            <a:fillRect/>
+          </a:stretch>
+        </p:blipFill>
+        <p:spPr bwMode="auto">
+          <a:xfrm>
+            <a:off x="501423" y="2009387"/>
+            <a:ext cx="5370222" cy="2966111"/>
+          </a:xfrm>
+          <a:prstGeom prst="rect">
+            <a:avLst/>
+          </a:prstGeom>
+          <a:noFill/>
+          <a:ln w="9525">
+            <a:noFill/>
+            <a:miter lim="800000"/>
+            <a:headEnd/>
+            <a:tailEnd/>
+          </a:ln>
+        </p:spPr>
+      </p:pic>
+    </p:spTree>
+    <p:extLst>
+      <p:ext uri="{BB962C8B-B14F-4D97-AF65-F5344CB8AC3E}">
+        <p14:creationId xmlns:p14="http://schemas.microsoft.com/office/powerpoint/2010/main" val="2341210051"/>
+      </p:ext>
+    </p:extLst>
+  </p:cSld>
+  <p:clrMapOvr>
+    <a:masterClrMapping/>
+  </p:clrMapOvr>
+</p:sld>
+</file>
+
+<file path=ppt/slides/slide4.xml><?xml version="1.0" encoding="utf-8"?>
+<p:sld xmlns:a="http://schemas.openxmlformats.org/drawingml/2006/main" xmlns:r="http://schemas.openxmlformats.org/officeDocument/2006/relationships" xmlns:p="http://schemas.openxmlformats.org/presentationml/2006/main">
+  <p:cSld>
+    <p:spTree>
+      <p:nvGrpSpPr>
+        <p:cNvPr id="1" name=""/>
+        <p:cNvGrpSpPr/>
+        <p:nvPr/>
+      </p:nvGrpSpPr>
+      <p:grpSpPr>
+        <a:xfrm>
+          <a:off x="0" y="0"/>
+          <a:ext cx="0" cy="0"/>
+          <a:chOff x="0" y="0"/>
+          <a:chExt cx="0" cy="0"/>
+        </a:xfrm>
+      </p:grpSpPr>
+      <p:grpSp>
+        <p:nvGrpSpPr>
+          <p:cNvPr id="91" name="Group 594"/>
+          <p:cNvGrpSpPr>
+            <a:grpSpLocks noChangeAspect="1"/>
+          </p:cNvGrpSpPr>
+          <p:nvPr/>
+        </p:nvGrpSpPr>
+        <p:grpSpPr bwMode="auto">
+          <a:xfrm>
+            <a:off x="1852877" y="1594476"/>
+            <a:ext cx="2927402" cy="3060000"/>
+            <a:chOff x="3467" y="3943"/>
+            <a:chExt cx="2561" cy="2677"/>
+          </a:xfrm>
+        </p:grpSpPr>
+        <p:grpSp>
+          <p:nvGrpSpPr>
+            <p:cNvPr id="176" name="Group 508"/>
+            <p:cNvGrpSpPr>
+              <a:grpSpLocks/>
+            </p:cNvGrpSpPr>
+            <p:nvPr/>
+          </p:nvGrpSpPr>
+          <p:grpSpPr bwMode="auto">
+            <a:xfrm>
+              <a:off x="3467" y="3943"/>
+              <a:ext cx="501" cy="547"/>
+              <a:chOff x="7849" y="12045"/>
+              <a:chExt cx="501" cy="547"/>
+            </a:xfrm>
+          </p:grpSpPr>
+          <p:grpSp>
+            <p:nvGrpSpPr>
+              <p:cNvPr id="252" name="Group 509"/>
+              <p:cNvGrpSpPr>
+                <a:grpSpLocks/>
+              </p:cNvGrpSpPr>
+              <p:nvPr/>
+            </p:nvGrpSpPr>
+            <p:grpSpPr bwMode="auto">
+              <a:xfrm>
+                <a:off x="7920" y="12137"/>
+                <a:ext cx="353" cy="373"/>
+                <a:chOff x="6060" y="12195"/>
+                <a:chExt cx="330" cy="330"/>
+              </a:xfrm>
+            </p:grpSpPr>
+            <p:cxnSp>
+              <p:nvCxnSpPr>
+                <p:cNvPr id="254" name="AutoShape 510"/>
+                <p:cNvCxnSpPr>
+                  <a:cxnSpLocks noChangeShapeType="1"/>
+                </p:cNvCxnSpPr>
+                <p:nvPr/>
+              </p:nvCxnSpPr>
+              <p:spPr bwMode="auto">
+                <a:xfrm>
+                  <a:off x="6060" y="12195"/>
+                  <a:ext cx="330" cy="330"/>
+                </a:xfrm>
+                <a:prstGeom prst="straightConnector1">
+                  <a:avLst/>
+                </a:prstGeom>
+                <a:noFill/>
+                <a:ln w="31750">
+                  <a:solidFill>
+                    <a:schemeClr val="dk1">
+                      <a:lumMod val="100000"/>
+                      <a:lumOff val="0"/>
+                    </a:schemeClr>
+                  </a:solidFill>
+                  <a:round/>
+                  <a:headEnd/>
+                  <a:tailEnd/>
+                </a:ln>
+                <a:effectLst/>
+                <a:extLst>
+                  <a:ext uri="{909E8E84-426E-40DD-AFC4-6F175D3DCCD1}">
+                    <a14:hiddenFill xmlns:a14="http://schemas.microsoft.com/office/drawing/2010/main">
+                      <a:noFill/>
+                    </a14:hiddenFill>
+                  </a:ext>
+                  <a:ext uri="{AF507438-7753-43E0-B8FC-AC1667EBCBE1}">
+                    <a14:hiddenEffects xmlns:a14="http://schemas.microsoft.com/office/drawing/2010/main">
+                      <a:effectLst>
+                        <a:outerShdw dist="35921" dir="2700000" algn="ctr" rotWithShape="0">
+                          <a:srgbClr val="868686"/>
+                        </a:outerShdw>
+                      </a:effectLst>
+                    </a14:hiddenEffects>
+                  </a:ext>
+                </a:extLst>
+              </p:spPr>
+            </p:cxnSp>
+            <p:cxnSp>
+              <p:nvCxnSpPr>
+                <p:cNvPr id="255" name="AutoShape 511"/>
+                <p:cNvCxnSpPr>
+                  <a:cxnSpLocks noChangeShapeType="1"/>
+                </p:cNvCxnSpPr>
+                <p:nvPr/>
+              </p:nvCxnSpPr>
+              <p:spPr bwMode="auto">
+                <a:xfrm rot="-5400000">
+                  <a:off x="6060" y="12195"/>
+                  <a:ext cx="330" cy="330"/>
+                </a:xfrm>
+                <a:prstGeom prst="straightConnector1">
+                  <a:avLst/>
+                </a:prstGeom>
+                <a:noFill/>
+                <a:ln w="31750">
+                  <a:solidFill>
+                    <a:schemeClr val="dk1">
+                      <a:lumMod val="100000"/>
+                      <a:lumOff val="0"/>
+                    </a:schemeClr>
+                  </a:solidFill>
+                  <a:round/>
+                  <a:headEnd/>
+                  <a:tailEnd/>
+                </a:ln>
+                <a:effectLst/>
+                <a:extLst>
+                  <a:ext uri="{909E8E84-426E-40DD-AFC4-6F175D3DCCD1}">
+                    <a14:hiddenFill xmlns:a14="http://schemas.microsoft.com/office/drawing/2010/main">
+                      <a:noFill/>
+                    </a14:hiddenFill>
+                  </a:ext>
+                  <a:ext uri="{AF507438-7753-43E0-B8FC-AC1667EBCBE1}">
+                    <a14:hiddenEffects xmlns:a14="http://schemas.microsoft.com/office/drawing/2010/main">
+                      <a:effectLst>
+                        <a:outerShdw dist="35921" dir="2700000" algn="ctr" rotWithShape="0">
+                          <a:srgbClr val="868686"/>
+                        </a:outerShdw>
+                      </a:effectLst>
+                    </a14:hiddenEffects>
+                  </a:ext>
+                </a:extLst>
+              </p:spPr>
+            </p:cxnSp>
+          </p:grpSp>
+          <p:sp>
+            <p:nvSpPr>
+              <p:cNvPr id="253" name="Oval 512"/>
+              <p:cNvSpPr>
+                <a:spLocks noChangeArrowheads="1"/>
+              </p:cNvSpPr>
+              <p:nvPr/>
+            </p:nvSpPr>
+            <p:spPr bwMode="auto">
+              <a:xfrm>
+                <a:off x="7849" y="12045"/>
+                <a:ext cx="501" cy="547"/>
+              </a:xfrm>
+              <a:prstGeom prst="ellipse">
+                <a:avLst/>
+              </a:prstGeom>
+              <a:noFill/>
+              <a:ln w="28575">
+                <a:solidFill>
+                  <a:srgbClr val="000000"/>
+                </a:solidFill>
+                <a:round/>
+                <a:headEnd/>
+                <a:tailEnd/>
+              </a:ln>
+              <a:extLst>
+                <a:ext uri="{909E8E84-426E-40DD-AFC4-6F175D3DCCD1}">
+                  <a14:hiddenFill xmlns:a14="http://schemas.microsoft.com/office/drawing/2010/main">
+                    <a:solidFill>
+                      <a:srgbClr val="FFFFFF"/>
+                    </a:solidFill>
+                  </a14:hiddenFill>
+                </a:ext>
+              </a:extLst>
+            </p:spPr>
+            <p:txBody>
+              <a:bodyPr rot="0" vert="horz" wrap="square" lIns="91440" tIns="45720" rIns="91440" bIns="45720" anchor="t" anchorCtr="0" upright="1">
+                <a:noAutofit/>
+              </a:bodyPr>
+              <a:lstStyle/>
+              <a:p>
+                <a:endParaRPr lang="nl-BE"/>
+              </a:p>
+            </p:txBody>
+          </p:sp>
+        </p:grpSp>
+        <p:grpSp>
+          <p:nvGrpSpPr>
+            <p:cNvPr id="177" name="Group 513"/>
+            <p:cNvGrpSpPr>
+              <a:grpSpLocks/>
+            </p:cNvGrpSpPr>
+            <p:nvPr/>
+          </p:nvGrpSpPr>
+          <p:grpSpPr bwMode="auto">
+            <a:xfrm>
+              <a:off x="4165" y="3943"/>
+              <a:ext cx="501" cy="547"/>
+              <a:chOff x="7849" y="12045"/>
+              <a:chExt cx="501" cy="547"/>
+            </a:xfrm>
+          </p:grpSpPr>
+          <p:grpSp>
+            <p:nvGrpSpPr>
+              <p:cNvPr id="248" name="Group 514"/>
+              <p:cNvGrpSpPr>
+                <a:grpSpLocks/>
+              </p:cNvGrpSpPr>
+              <p:nvPr/>
+            </p:nvGrpSpPr>
+            <p:grpSpPr bwMode="auto">
+              <a:xfrm>
+                <a:off x="7920" y="12137"/>
+                <a:ext cx="353" cy="373"/>
+                <a:chOff x="6060" y="12195"/>
+                <a:chExt cx="330" cy="330"/>
+              </a:xfrm>
+            </p:grpSpPr>
+            <p:cxnSp>
+              <p:nvCxnSpPr>
+                <p:cNvPr id="250" name="AutoShape 515"/>
+                <p:cNvCxnSpPr>
+                  <a:cxnSpLocks noChangeShapeType="1"/>
+                </p:cNvCxnSpPr>
+                <p:nvPr/>
+              </p:nvCxnSpPr>
+              <p:spPr bwMode="auto">
+                <a:xfrm>
+                  <a:off x="6060" y="12195"/>
+                  <a:ext cx="330" cy="330"/>
+                </a:xfrm>
+                <a:prstGeom prst="straightConnector1">
+                  <a:avLst/>
+                </a:prstGeom>
+                <a:noFill/>
+                <a:ln w="31750">
+                  <a:solidFill>
+                    <a:schemeClr val="dk1">
+                      <a:lumMod val="100000"/>
+                      <a:lumOff val="0"/>
+                    </a:schemeClr>
+                  </a:solidFill>
+                  <a:round/>
+                  <a:headEnd/>
+                  <a:tailEnd/>
+                </a:ln>
+                <a:effectLst/>
+                <a:extLst>
+                  <a:ext uri="{909E8E84-426E-40DD-AFC4-6F175D3DCCD1}">
+                    <a14:hiddenFill xmlns:a14="http://schemas.microsoft.com/office/drawing/2010/main">
+                      <a:noFill/>
+                    </a14:hiddenFill>
+                  </a:ext>
+                  <a:ext uri="{AF507438-7753-43E0-B8FC-AC1667EBCBE1}">
+                    <a14:hiddenEffects xmlns:a14="http://schemas.microsoft.com/office/drawing/2010/main">
+                      <a:effectLst>
+                        <a:outerShdw dist="35921" dir="2700000" algn="ctr" rotWithShape="0">
+                          <a:srgbClr val="868686"/>
+                        </a:outerShdw>
+                      </a:effectLst>
+                    </a14:hiddenEffects>
+                  </a:ext>
+                </a:extLst>
+              </p:spPr>
+            </p:cxnSp>
+            <p:cxnSp>
+              <p:nvCxnSpPr>
+                <p:cNvPr id="251" name="AutoShape 516"/>
+                <p:cNvCxnSpPr>
+                  <a:cxnSpLocks noChangeShapeType="1"/>
+                </p:cNvCxnSpPr>
+                <p:nvPr/>
+              </p:nvCxnSpPr>
+              <p:spPr bwMode="auto">
+                <a:xfrm rot="-5400000">
+                  <a:off x="6060" y="12195"/>
+                  <a:ext cx="330" cy="330"/>
+                </a:xfrm>
+                <a:prstGeom prst="straightConnector1">
+                  <a:avLst/>
+                </a:prstGeom>
+                <a:noFill/>
+                <a:ln w="31750">
+                  <a:solidFill>
+                    <a:schemeClr val="dk1">
+                      <a:lumMod val="100000"/>
+                      <a:lumOff val="0"/>
+                    </a:schemeClr>
+                  </a:solidFill>
+                  <a:round/>
+                  <a:headEnd/>
+                  <a:tailEnd/>
+                </a:ln>
+                <a:effectLst/>
+                <a:extLst>
+                  <a:ext uri="{909E8E84-426E-40DD-AFC4-6F175D3DCCD1}">
+                    <a14:hiddenFill xmlns:a14="http://schemas.microsoft.com/office/drawing/2010/main">
+                      <a:noFill/>
+                    </a14:hiddenFill>
+                  </a:ext>
+                  <a:ext uri="{AF507438-7753-43E0-B8FC-AC1667EBCBE1}">
+                    <a14:hiddenEffects xmlns:a14="http://schemas.microsoft.com/office/drawing/2010/main">
+                      <a:effectLst>
+                        <a:outerShdw dist="35921" dir="2700000" algn="ctr" rotWithShape="0">
+                          <a:srgbClr val="868686"/>
+                        </a:outerShdw>
+                      </a:effectLst>
+                    </a14:hiddenEffects>
+                  </a:ext>
+                </a:extLst>
+              </p:spPr>
+            </p:cxnSp>
+          </p:grpSp>
+          <p:sp>
+            <p:nvSpPr>
+              <p:cNvPr id="249" name="Oval 517"/>
+              <p:cNvSpPr>
+                <a:spLocks noChangeArrowheads="1"/>
+              </p:cNvSpPr>
+              <p:nvPr/>
+            </p:nvSpPr>
+            <p:spPr bwMode="auto">
+              <a:xfrm>
+                <a:off x="7849" y="12045"/>
+                <a:ext cx="501" cy="547"/>
+              </a:xfrm>
+              <a:prstGeom prst="ellipse">
+                <a:avLst/>
+              </a:prstGeom>
+              <a:noFill/>
+              <a:ln w="28575">
+                <a:solidFill>
+                  <a:srgbClr val="000000"/>
+                </a:solidFill>
+                <a:round/>
+                <a:headEnd/>
+                <a:tailEnd/>
+              </a:ln>
+              <a:extLst>
+                <a:ext uri="{909E8E84-426E-40DD-AFC4-6F175D3DCCD1}">
+                  <a14:hiddenFill xmlns:a14="http://schemas.microsoft.com/office/drawing/2010/main">
+                    <a:solidFill>
+                      <a:srgbClr val="FFFFFF"/>
+                    </a:solidFill>
+                  </a14:hiddenFill>
+                </a:ext>
+              </a:extLst>
+            </p:spPr>
+            <p:txBody>
+              <a:bodyPr rot="0" vert="horz" wrap="square" lIns="91440" tIns="45720" rIns="91440" bIns="45720" anchor="t" anchorCtr="0" upright="1">
+                <a:noAutofit/>
+              </a:bodyPr>
+              <a:lstStyle/>
+              <a:p>
+                <a:endParaRPr lang="nl-BE"/>
+              </a:p>
+            </p:txBody>
+          </p:sp>
+        </p:grpSp>
+        <p:grpSp>
+          <p:nvGrpSpPr>
+            <p:cNvPr id="178" name="Group 518"/>
+            <p:cNvGrpSpPr>
+              <a:grpSpLocks/>
+            </p:cNvGrpSpPr>
+            <p:nvPr/>
+          </p:nvGrpSpPr>
+          <p:grpSpPr bwMode="auto">
+            <a:xfrm>
+              <a:off x="4842" y="3943"/>
+              <a:ext cx="501" cy="547"/>
+              <a:chOff x="7849" y="12045"/>
+              <a:chExt cx="501" cy="547"/>
+            </a:xfrm>
+          </p:grpSpPr>
+          <p:grpSp>
+            <p:nvGrpSpPr>
+              <p:cNvPr id="244" name="Group 519"/>
+              <p:cNvGrpSpPr>
+                <a:grpSpLocks/>
+              </p:cNvGrpSpPr>
+              <p:nvPr/>
+            </p:nvGrpSpPr>
+            <p:grpSpPr bwMode="auto">
+              <a:xfrm>
+                <a:off x="7920" y="12137"/>
+                <a:ext cx="353" cy="373"/>
+                <a:chOff x="6060" y="12195"/>
+                <a:chExt cx="330" cy="330"/>
+              </a:xfrm>
+            </p:grpSpPr>
+            <p:cxnSp>
+              <p:nvCxnSpPr>
+                <p:cNvPr id="246" name="AutoShape 520"/>
+                <p:cNvCxnSpPr>
+                  <a:cxnSpLocks noChangeShapeType="1"/>
+                </p:cNvCxnSpPr>
+                <p:nvPr/>
+              </p:nvCxnSpPr>
+              <p:spPr bwMode="auto">
+                <a:xfrm>
+                  <a:off x="6060" y="12195"/>
+                  <a:ext cx="330" cy="330"/>
+                </a:xfrm>
+                <a:prstGeom prst="straightConnector1">
+                  <a:avLst/>
+                </a:prstGeom>
+                <a:noFill/>
+                <a:ln w="31750">
+                  <a:solidFill>
+                    <a:schemeClr val="dk1">
+                      <a:lumMod val="100000"/>
+                      <a:lumOff val="0"/>
+                    </a:schemeClr>
+                  </a:solidFill>
+                  <a:round/>
+                  <a:headEnd/>
+                  <a:tailEnd/>
+                </a:ln>
+                <a:effectLst/>
+                <a:extLst>
+                  <a:ext uri="{909E8E84-426E-40DD-AFC4-6F175D3DCCD1}">
+                    <a14:hiddenFill xmlns:a14="http://schemas.microsoft.com/office/drawing/2010/main">
+                      <a:noFill/>
+                    </a14:hiddenFill>
+                  </a:ext>
+                  <a:ext uri="{AF507438-7753-43E0-B8FC-AC1667EBCBE1}">
+                    <a14:hiddenEffects xmlns:a14="http://schemas.microsoft.com/office/drawing/2010/main">
+                      <a:effectLst>
+                        <a:outerShdw dist="35921" dir="2700000" algn="ctr" rotWithShape="0">
+                          <a:srgbClr val="868686"/>
+                        </a:outerShdw>
+                      </a:effectLst>
+                    </a14:hiddenEffects>
+                  </a:ext>
+                </a:extLst>
+              </p:spPr>
+            </p:cxnSp>
+            <p:cxnSp>
+              <p:nvCxnSpPr>
+                <p:cNvPr id="247" name="AutoShape 521"/>
+                <p:cNvCxnSpPr>
+                  <a:cxnSpLocks noChangeShapeType="1"/>
+                </p:cNvCxnSpPr>
+                <p:nvPr/>
+              </p:nvCxnSpPr>
+              <p:spPr bwMode="auto">
+                <a:xfrm rot="-5400000">
+                  <a:off x="6060" y="12195"/>
+                  <a:ext cx="330" cy="330"/>
+                </a:xfrm>
+                <a:prstGeom prst="straightConnector1">
+                  <a:avLst/>
+                </a:prstGeom>
+                <a:noFill/>
+                <a:ln w="31750">
+                  <a:solidFill>
+                    <a:schemeClr val="dk1">
+                      <a:lumMod val="100000"/>
+                      <a:lumOff val="0"/>
+                    </a:schemeClr>
+                  </a:solidFill>
+                  <a:round/>
+                  <a:headEnd/>
+                  <a:tailEnd/>
+                </a:ln>
+                <a:effectLst/>
+                <a:extLst>
+                  <a:ext uri="{909E8E84-426E-40DD-AFC4-6F175D3DCCD1}">
+                    <a14:hiddenFill xmlns:a14="http://schemas.microsoft.com/office/drawing/2010/main">
+                      <a:noFill/>
+                    </a14:hiddenFill>
+                  </a:ext>
+                  <a:ext uri="{AF507438-7753-43E0-B8FC-AC1667EBCBE1}">
+                    <a14:hiddenEffects xmlns:a14="http://schemas.microsoft.com/office/drawing/2010/main">
+                      <a:effectLst>
+                        <a:outerShdw dist="35921" dir="2700000" algn="ctr" rotWithShape="0">
+                          <a:srgbClr val="868686"/>
+                        </a:outerShdw>
+                      </a:effectLst>
+                    </a14:hiddenEffects>
+                  </a:ext>
+                </a:extLst>
+              </p:spPr>
+            </p:cxnSp>
+          </p:grpSp>
+          <p:sp>
+            <p:nvSpPr>
+              <p:cNvPr id="245" name="Oval 522"/>
+              <p:cNvSpPr>
+                <a:spLocks noChangeArrowheads="1"/>
+              </p:cNvSpPr>
+              <p:nvPr/>
+            </p:nvSpPr>
+            <p:spPr bwMode="auto">
+              <a:xfrm>
+                <a:off x="7849" y="12045"/>
+                <a:ext cx="501" cy="547"/>
+              </a:xfrm>
+              <a:prstGeom prst="ellipse">
+                <a:avLst/>
+              </a:prstGeom>
+              <a:noFill/>
+              <a:ln w="28575">
+                <a:solidFill>
+                  <a:srgbClr val="000000"/>
+                </a:solidFill>
+                <a:round/>
+                <a:headEnd/>
+                <a:tailEnd/>
+              </a:ln>
+              <a:extLst>
+                <a:ext uri="{909E8E84-426E-40DD-AFC4-6F175D3DCCD1}">
+                  <a14:hiddenFill xmlns:a14="http://schemas.microsoft.com/office/drawing/2010/main">
+                    <a:solidFill>
+                      <a:srgbClr val="FFFFFF"/>
+                    </a:solidFill>
+                  </a14:hiddenFill>
+                </a:ext>
+              </a:extLst>
+            </p:spPr>
+            <p:txBody>
+              <a:bodyPr rot="0" vert="horz" wrap="square" lIns="91440" tIns="45720" rIns="91440" bIns="45720" anchor="t" anchorCtr="0" upright="1">
+                <a:noAutofit/>
+              </a:bodyPr>
+              <a:lstStyle/>
+              <a:p>
+                <a:endParaRPr lang="nl-BE"/>
+              </a:p>
+            </p:txBody>
+          </p:sp>
+        </p:grpSp>
+        <p:grpSp>
+          <p:nvGrpSpPr>
+            <p:cNvPr id="179" name="Group 523"/>
+            <p:cNvGrpSpPr>
+              <a:grpSpLocks/>
+            </p:cNvGrpSpPr>
+            <p:nvPr/>
+          </p:nvGrpSpPr>
+          <p:grpSpPr bwMode="auto">
+            <a:xfrm>
+              <a:off x="5527" y="3943"/>
+              <a:ext cx="501" cy="547"/>
+              <a:chOff x="7849" y="12045"/>
+              <a:chExt cx="501" cy="547"/>
+            </a:xfrm>
+          </p:grpSpPr>
+          <p:grpSp>
+            <p:nvGrpSpPr>
+              <p:cNvPr id="240" name="Group 524"/>
+              <p:cNvGrpSpPr>
+                <a:grpSpLocks/>
+              </p:cNvGrpSpPr>
+              <p:nvPr/>
+            </p:nvGrpSpPr>
+            <p:grpSpPr bwMode="auto">
+              <a:xfrm>
+                <a:off x="7920" y="12137"/>
+                <a:ext cx="353" cy="373"/>
+                <a:chOff x="6060" y="12195"/>
+                <a:chExt cx="330" cy="330"/>
+              </a:xfrm>
+            </p:grpSpPr>
+            <p:cxnSp>
+              <p:nvCxnSpPr>
+                <p:cNvPr id="242" name="AutoShape 525"/>
+                <p:cNvCxnSpPr>
+                  <a:cxnSpLocks noChangeShapeType="1"/>
+                </p:cNvCxnSpPr>
+                <p:nvPr/>
+              </p:nvCxnSpPr>
+              <p:spPr bwMode="auto">
+                <a:xfrm>
+                  <a:off x="6060" y="12195"/>
+                  <a:ext cx="330" cy="330"/>
+                </a:xfrm>
+                <a:prstGeom prst="straightConnector1">
+                  <a:avLst/>
+                </a:prstGeom>
+                <a:noFill/>
+                <a:ln w="31750">
+                  <a:solidFill>
+                    <a:schemeClr val="dk1">
+                      <a:lumMod val="100000"/>
+                      <a:lumOff val="0"/>
+                    </a:schemeClr>
+                  </a:solidFill>
+                  <a:round/>
+                  <a:headEnd/>
+                  <a:tailEnd/>
+                </a:ln>
+                <a:effectLst/>
+                <a:extLst>
+                  <a:ext uri="{909E8E84-426E-40DD-AFC4-6F175D3DCCD1}">
+                    <a14:hiddenFill xmlns:a14="http://schemas.microsoft.com/office/drawing/2010/main">
+                      <a:noFill/>
+                    </a14:hiddenFill>
+                  </a:ext>
+                  <a:ext uri="{AF507438-7753-43E0-B8FC-AC1667EBCBE1}">
+                    <a14:hiddenEffects xmlns:a14="http://schemas.microsoft.com/office/drawing/2010/main">
+                      <a:effectLst>
+                        <a:outerShdw dist="35921" dir="2700000" algn="ctr" rotWithShape="0">
+                          <a:srgbClr val="868686"/>
+                        </a:outerShdw>
+                      </a:effectLst>
+                    </a14:hiddenEffects>
+                  </a:ext>
+                </a:extLst>
+              </p:spPr>
+            </p:cxnSp>
+            <p:cxnSp>
+              <p:nvCxnSpPr>
+                <p:cNvPr id="243" name="AutoShape 526"/>
+                <p:cNvCxnSpPr>
+                  <a:cxnSpLocks noChangeShapeType="1"/>
+                </p:cNvCxnSpPr>
+                <p:nvPr/>
+              </p:nvCxnSpPr>
+              <p:spPr bwMode="auto">
+                <a:xfrm rot="-5400000">
+                  <a:off x="6060" y="12195"/>
+                  <a:ext cx="330" cy="330"/>
+                </a:xfrm>
+                <a:prstGeom prst="straightConnector1">
+                  <a:avLst/>
+                </a:prstGeom>
+                <a:noFill/>
+                <a:ln w="31750">
+                  <a:solidFill>
+                    <a:schemeClr val="dk1">
+                      <a:lumMod val="100000"/>
+                      <a:lumOff val="0"/>
+                    </a:schemeClr>
+                  </a:solidFill>
+                  <a:round/>
+                  <a:headEnd/>
+                  <a:tailEnd/>
+                </a:ln>
+                <a:effectLst/>
+                <a:extLst>
+                  <a:ext uri="{909E8E84-426E-40DD-AFC4-6F175D3DCCD1}">
+                    <a14:hiddenFill xmlns:a14="http://schemas.microsoft.com/office/drawing/2010/main">
+                      <a:noFill/>
+                    </a14:hiddenFill>
+                  </a:ext>
+                  <a:ext uri="{AF507438-7753-43E0-B8FC-AC1667EBCBE1}">
+                    <a14:hiddenEffects xmlns:a14="http://schemas.microsoft.com/office/drawing/2010/main">
+                      <a:effectLst>
+                        <a:outerShdw dist="35921" dir="2700000" algn="ctr" rotWithShape="0">
+                          <a:srgbClr val="868686"/>
+                        </a:outerShdw>
+                      </a:effectLst>
+                    </a14:hiddenEffects>
+                  </a:ext>
+                </a:extLst>
+              </p:spPr>
+            </p:cxnSp>
+          </p:grpSp>
+          <p:sp>
+            <p:nvSpPr>
+              <p:cNvPr id="241" name="Oval 527"/>
+              <p:cNvSpPr>
+                <a:spLocks noChangeArrowheads="1"/>
+              </p:cNvSpPr>
+              <p:nvPr/>
+            </p:nvSpPr>
+            <p:spPr bwMode="auto">
+              <a:xfrm>
+                <a:off x="7849" y="12045"/>
+                <a:ext cx="501" cy="547"/>
+              </a:xfrm>
+              <a:prstGeom prst="ellipse">
+                <a:avLst/>
+              </a:prstGeom>
+              <a:noFill/>
+              <a:ln w="28575">
+                <a:solidFill>
+                  <a:srgbClr val="000000"/>
+                </a:solidFill>
+                <a:round/>
+                <a:headEnd/>
+                <a:tailEnd/>
+              </a:ln>
+              <a:extLst>
+                <a:ext uri="{909E8E84-426E-40DD-AFC4-6F175D3DCCD1}">
+                  <a14:hiddenFill xmlns:a14="http://schemas.microsoft.com/office/drawing/2010/main">
+                    <a:solidFill>
+                      <a:srgbClr val="FFFFFF"/>
+                    </a:solidFill>
+                  </a14:hiddenFill>
+                </a:ext>
+              </a:extLst>
+            </p:spPr>
+            <p:txBody>
+              <a:bodyPr rot="0" vert="horz" wrap="square" lIns="91440" tIns="45720" rIns="91440" bIns="45720" anchor="t" anchorCtr="0" upright="1">
+                <a:noAutofit/>
+              </a:bodyPr>
+              <a:lstStyle/>
+              <a:p>
+                <a:endParaRPr lang="nl-BE"/>
+              </a:p>
+            </p:txBody>
+          </p:sp>
+        </p:grpSp>
+        <p:grpSp>
+          <p:nvGrpSpPr>
+            <p:cNvPr id="180" name="Group 533"/>
+            <p:cNvGrpSpPr>
+              <a:grpSpLocks/>
+            </p:cNvGrpSpPr>
+            <p:nvPr/>
+          </p:nvGrpSpPr>
+          <p:grpSpPr bwMode="auto">
+            <a:xfrm>
+              <a:off x="3467" y="4630"/>
+              <a:ext cx="501" cy="547"/>
+              <a:chOff x="7849" y="12045"/>
+              <a:chExt cx="501" cy="547"/>
+            </a:xfrm>
+          </p:grpSpPr>
+          <p:grpSp>
+            <p:nvGrpSpPr>
+              <p:cNvPr id="236" name="Group 534"/>
+              <p:cNvGrpSpPr>
+                <a:grpSpLocks/>
+              </p:cNvGrpSpPr>
+              <p:nvPr/>
+            </p:nvGrpSpPr>
+            <p:grpSpPr bwMode="auto">
+              <a:xfrm>
+                <a:off x="7920" y="12137"/>
+                <a:ext cx="353" cy="373"/>
+                <a:chOff x="6060" y="12195"/>
+                <a:chExt cx="330" cy="330"/>
+              </a:xfrm>
+            </p:grpSpPr>
+            <p:cxnSp>
+              <p:nvCxnSpPr>
+                <p:cNvPr id="238" name="AutoShape 535"/>
+                <p:cNvCxnSpPr>
+                  <a:cxnSpLocks noChangeShapeType="1"/>
+                </p:cNvCxnSpPr>
+                <p:nvPr/>
+              </p:nvCxnSpPr>
+              <p:spPr bwMode="auto">
+                <a:xfrm>
+                  <a:off x="6060" y="12195"/>
+                  <a:ext cx="330" cy="330"/>
+                </a:xfrm>
+                <a:prstGeom prst="straightConnector1">
+                  <a:avLst/>
+                </a:prstGeom>
+                <a:noFill/>
+                <a:ln w="31750">
+                  <a:solidFill>
+                    <a:schemeClr val="dk1">
+                      <a:lumMod val="100000"/>
+                      <a:lumOff val="0"/>
+                    </a:schemeClr>
+                  </a:solidFill>
+                  <a:round/>
+                  <a:headEnd/>
+                  <a:tailEnd/>
+                </a:ln>
+                <a:effectLst/>
+                <a:extLst>
+                  <a:ext uri="{909E8E84-426E-40DD-AFC4-6F175D3DCCD1}">
+                    <a14:hiddenFill xmlns:a14="http://schemas.microsoft.com/office/drawing/2010/main">
+                      <a:noFill/>
+                    </a14:hiddenFill>
+                  </a:ext>
+                  <a:ext uri="{AF507438-7753-43E0-B8FC-AC1667EBCBE1}">
+                    <a14:hiddenEffects xmlns:a14="http://schemas.microsoft.com/office/drawing/2010/main">
+                      <a:effectLst>
+                        <a:outerShdw dist="35921" dir="2700000" algn="ctr" rotWithShape="0">
+                          <a:srgbClr val="868686"/>
+                        </a:outerShdw>
+                      </a:effectLst>
+                    </a14:hiddenEffects>
+                  </a:ext>
+                </a:extLst>
+              </p:spPr>
+            </p:cxnSp>
+            <p:cxnSp>
+              <p:nvCxnSpPr>
+                <p:cNvPr id="239" name="AutoShape 536"/>
+                <p:cNvCxnSpPr>
+                  <a:cxnSpLocks noChangeShapeType="1"/>
+                </p:cNvCxnSpPr>
+                <p:nvPr/>
+              </p:nvCxnSpPr>
+              <p:spPr bwMode="auto">
+                <a:xfrm rot="-5400000">
+                  <a:off x="6060" y="12195"/>
+                  <a:ext cx="330" cy="330"/>
+                </a:xfrm>
+                <a:prstGeom prst="straightConnector1">
+                  <a:avLst/>
+                </a:prstGeom>
+                <a:noFill/>
+                <a:ln w="31750">
+                  <a:solidFill>
+                    <a:schemeClr val="dk1">
+                      <a:lumMod val="100000"/>
+                      <a:lumOff val="0"/>
+                    </a:schemeClr>
+                  </a:solidFill>
+                  <a:round/>
+                  <a:headEnd/>
+                  <a:tailEnd/>
+                </a:ln>
+                <a:effectLst/>
+                <a:extLst>
+                  <a:ext uri="{909E8E84-426E-40DD-AFC4-6F175D3DCCD1}">
+                    <a14:hiddenFill xmlns:a14="http://schemas.microsoft.com/office/drawing/2010/main">
+                      <a:noFill/>
+                    </a14:hiddenFill>
+                  </a:ext>
+                  <a:ext uri="{AF507438-7753-43E0-B8FC-AC1667EBCBE1}">
+                    <a14:hiddenEffects xmlns:a14="http://schemas.microsoft.com/office/drawing/2010/main">
+                      <a:effectLst>
+                        <a:outerShdw dist="35921" dir="2700000" algn="ctr" rotWithShape="0">
+                          <a:srgbClr val="868686"/>
+                        </a:outerShdw>
+                      </a:effectLst>
+                    </a14:hiddenEffects>
+                  </a:ext>
+                </a:extLst>
+              </p:spPr>
+            </p:cxnSp>
+          </p:grpSp>
+          <p:sp>
+            <p:nvSpPr>
+              <p:cNvPr id="237" name="Oval 537"/>
+              <p:cNvSpPr>
+                <a:spLocks noChangeArrowheads="1"/>
+              </p:cNvSpPr>
+              <p:nvPr/>
+            </p:nvSpPr>
+            <p:spPr bwMode="auto">
+              <a:xfrm>
+                <a:off x="7849" y="12045"/>
+                <a:ext cx="501" cy="547"/>
+              </a:xfrm>
+              <a:prstGeom prst="ellipse">
+                <a:avLst/>
+              </a:prstGeom>
+              <a:noFill/>
+              <a:ln w="28575">
+                <a:solidFill>
+                  <a:srgbClr val="000000"/>
+                </a:solidFill>
+                <a:round/>
+                <a:headEnd/>
+                <a:tailEnd/>
+              </a:ln>
+              <a:extLst>
+                <a:ext uri="{909E8E84-426E-40DD-AFC4-6F175D3DCCD1}">
+                  <a14:hiddenFill xmlns:a14="http://schemas.microsoft.com/office/drawing/2010/main">
+                    <a:solidFill>
+                      <a:srgbClr val="FFFFFF"/>
+                    </a:solidFill>
+                  </a14:hiddenFill>
+                </a:ext>
+              </a:extLst>
+            </p:spPr>
+            <p:txBody>
+              <a:bodyPr rot="0" vert="horz" wrap="square" lIns="91440" tIns="45720" rIns="91440" bIns="45720" anchor="t" anchorCtr="0" upright="1">
+                <a:noAutofit/>
+              </a:bodyPr>
+              <a:lstStyle/>
+              <a:p>
+                <a:endParaRPr lang="nl-BE"/>
+              </a:p>
+            </p:txBody>
+          </p:sp>
+        </p:grpSp>
+        <p:grpSp>
+          <p:nvGrpSpPr>
+            <p:cNvPr id="181" name="Group 538"/>
+            <p:cNvGrpSpPr>
+              <a:grpSpLocks/>
+            </p:cNvGrpSpPr>
+            <p:nvPr/>
+          </p:nvGrpSpPr>
+          <p:grpSpPr bwMode="auto">
+            <a:xfrm>
+              <a:off x="4165" y="4630"/>
+              <a:ext cx="501" cy="547"/>
+              <a:chOff x="7849" y="12045"/>
+              <a:chExt cx="501" cy="547"/>
+            </a:xfrm>
+          </p:grpSpPr>
+          <p:grpSp>
+            <p:nvGrpSpPr>
+              <p:cNvPr id="232" name="Group 539"/>
+              <p:cNvGrpSpPr>
+                <a:grpSpLocks/>
+              </p:cNvGrpSpPr>
+              <p:nvPr/>
+            </p:nvGrpSpPr>
+            <p:grpSpPr bwMode="auto">
+              <a:xfrm>
+                <a:off x="7920" y="12137"/>
+                <a:ext cx="353" cy="373"/>
+                <a:chOff x="6060" y="12195"/>
+                <a:chExt cx="330" cy="330"/>
+              </a:xfrm>
+            </p:grpSpPr>
+            <p:cxnSp>
+              <p:nvCxnSpPr>
+                <p:cNvPr id="234" name="AutoShape 540"/>
+                <p:cNvCxnSpPr>
+                  <a:cxnSpLocks noChangeShapeType="1"/>
+                </p:cNvCxnSpPr>
+                <p:nvPr/>
+              </p:nvCxnSpPr>
+              <p:spPr bwMode="auto">
+                <a:xfrm>
+                  <a:off x="6060" y="12195"/>
+                  <a:ext cx="330" cy="330"/>
+                </a:xfrm>
+                <a:prstGeom prst="straightConnector1">
+                  <a:avLst/>
+                </a:prstGeom>
+                <a:noFill/>
+                <a:ln w="31750">
+                  <a:solidFill>
+                    <a:schemeClr val="dk1">
+                      <a:lumMod val="100000"/>
+                      <a:lumOff val="0"/>
+                    </a:schemeClr>
+                  </a:solidFill>
+                  <a:round/>
+                  <a:headEnd/>
+                  <a:tailEnd/>
+                </a:ln>
+                <a:effectLst/>
+                <a:extLst>
+                  <a:ext uri="{909E8E84-426E-40DD-AFC4-6F175D3DCCD1}">
+                    <a14:hiddenFill xmlns:a14="http://schemas.microsoft.com/office/drawing/2010/main">
+                      <a:noFill/>
+                    </a14:hiddenFill>
+                  </a:ext>
+                  <a:ext uri="{AF507438-7753-43E0-B8FC-AC1667EBCBE1}">
+                    <a14:hiddenEffects xmlns:a14="http://schemas.microsoft.com/office/drawing/2010/main">
+                      <a:effectLst>
+                        <a:outerShdw dist="35921" dir="2700000" algn="ctr" rotWithShape="0">
+                          <a:srgbClr val="868686"/>
+                        </a:outerShdw>
+                      </a:effectLst>
+                    </a14:hiddenEffects>
+                  </a:ext>
+                </a:extLst>
+              </p:spPr>
+            </p:cxnSp>
+            <p:cxnSp>
+              <p:nvCxnSpPr>
+                <p:cNvPr id="235" name="AutoShape 541"/>
+                <p:cNvCxnSpPr>
+                  <a:cxnSpLocks noChangeShapeType="1"/>
+                </p:cNvCxnSpPr>
+                <p:nvPr/>
+              </p:nvCxnSpPr>
+              <p:spPr bwMode="auto">
+                <a:xfrm rot="-5400000">
+                  <a:off x="6060" y="12195"/>
+                  <a:ext cx="330" cy="330"/>
+                </a:xfrm>
+                <a:prstGeom prst="straightConnector1">
+                  <a:avLst/>
+                </a:prstGeom>
+                <a:noFill/>
+                <a:ln w="31750">
+                  <a:solidFill>
+                    <a:schemeClr val="dk1">
+                      <a:lumMod val="100000"/>
+                      <a:lumOff val="0"/>
+                    </a:schemeClr>
+                  </a:solidFill>
+                  <a:round/>
+                  <a:headEnd/>
+                  <a:tailEnd/>
+                </a:ln>
+                <a:effectLst/>
+                <a:extLst>
+                  <a:ext uri="{909E8E84-426E-40DD-AFC4-6F175D3DCCD1}">
+                    <a14:hiddenFill xmlns:a14="http://schemas.microsoft.com/office/drawing/2010/main">
+                      <a:noFill/>
+                    </a14:hiddenFill>
+                  </a:ext>
+                  <a:ext uri="{AF507438-7753-43E0-B8FC-AC1667EBCBE1}">
+                    <a14:hiddenEffects xmlns:a14="http://schemas.microsoft.com/office/drawing/2010/main">
+                      <a:effectLst>
+                        <a:outerShdw dist="35921" dir="2700000" algn="ctr" rotWithShape="0">
+                          <a:srgbClr val="868686"/>
+                        </a:outerShdw>
+                      </a:effectLst>
+                    </a14:hiddenEffects>
+                  </a:ext>
+                </a:extLst>
+              </p:spPr>
+            </p:cxnSp>
+          </p:grpSp>
+          <p:sp>
+            <p:nvSpPr>
+              <p:cNvPr id="233" name="Oval 542"/>
+              <p:cNvSpPr>
+                <a:spLocks noChangeArrowheads="1"/>
+              </p:cNvSpPr>
+              <p:nvPr/>
+            </p:nvSpPr>
+            <p:spPr bwMode="auto">
+              <a:xfrm>
+                <a:off x="7849" y="12045"/>
+                <a:ext cx="501" cy="547"/>
+              </a:xfrm>
+              <a:prstGeom prst="ellipse">
+                <a:avLst/>
+              </a:prstGeom>
+              <a:noFill/>
+              <a:ln w="28575">
+                <a:solidFill>
+                  <a:srgbClr val="000000"/>
+                </a:solidFill>
+                <a:round/>
+                <a:headEnd/>
+                <a:tailEnd/>
+              </a:ln>
+              <a:extLst>
+                <a:ext uri="{909E8E84-426E-40DD-AFC4-6F175D3DCCD1}">
+                  <a14:hiddenFill xmlns:a14="http://schemas.microsoft.com/office/drawing/2010/main">
+                    <a:solidFill>
+                      <a:srgbClr val="FFFFFF"/>
+                    </a:solidFill>
+                  </a14:hiddenFill>
+                </a:ext>
+              </a:extLst>
+            </p:spPr>
+            <p:txBody>
+              <a:bodyPr rot="0" vert="horz" wrap="square" lIns="91440" tIns="45720" rIns="91440" bIns="45720" anchor="t" anchorCtr="0" upright="1">
+                <a:noAutofit/>
+              </a:bodyPr>
+              <a:lstStyle/>
+              <a:p>
+                <a:endParaRPr lang="nl-BE"/>
+              </a:p>
+            </p:txBody>
+          </p:sp>
+        </p:grpSp>
+        <p:grpSp>
+          <p:nvGrpSpPr>
+            <p:cNvPr id="182" name="Group 543"/>
+            <p:cNvGrpSpPr>
+              <a:grpSpLocks/>
+            </p:cNvGrpSpPr>
+            <p:nvPr/>
+          </p:nvGrpSpPr>
+          <p:grpSpPr bwMode="auto">
+            <a:xfrm>
+              <a:off x="4842" y="4630"/>
+              <a:ext cx="501" cy="547"/>
+              <a:chOff x="7849" y="12045"/>
+              <a:chExt cx="501" cy="547"/>
+            </a:xfrm>
+          </p:grpSpPr>
+          <p:grpSp>
+            <p:nvGrpSpPr>
+              <p:cNvPr id="228" name="Group 544"/>
+              <p:cNvGrpSpPr>
+                <a:grpSpLocks/>
+              </p:cNvGrpSpPr>
+              <p:nvPr/>
+            </p:nvGrpSpPr>
+            <p:grpSpPr bwMode="auto">
+              <a:xfrm>
+                <a:off x="7920" y="12137"/>
+                <a:ext cx="353" cy="373"/>
+                <a:chOff x="6060" y="12195"/>
+                <a:chExt cx="330" cy="330"/>
+              </a:xfrm>
+            </p:grpSpPr>
+            <p:cxnSp>
+              <p:nvCxnSpPr>
+                <p:cNvPr id="230" name="AutoShape 545"/>
+                <p:cNvCxnSpPr>
+                  <a:cxnSpLocks noChangeShapeType="1"/>
+                </p:cNvCxnSpPr>
+                <p:nvPr/>
+              </p:nvCxnSpPr>
+              <p:spPr bwMode="auto">
+                <a:xfrm>
+                  <a:off x="6060" y="12195"/>
+                  <a:ext cx="330" cy="330"/>
+                </a:xfrm>
+                <a:prstGeom prst="straightConnector1">
+                  <a:avLst/>
+                </a:prstGeom>
+                <a:noFill/>
+                <a:ln w="31750">
+                  <a:solidFill>
+                    <a:schemeClr val="dk1">
+                      <a:lumMod val="100000"/>
+                      <a:lumOff val="0"/>
+                    </a:schemeClr>
+                  </a:solidFill>
+                  <a:round/>
+                  <a:headEnd/>
+                  <a:tailEnd/>
+                </a:ln>
+                <a:effectLst/>
+                <a:extLst>
+                  <a:ext uri="{909E8E84-426E-40DD-AFC4-6F175D3DCCD1}">
+                    <a14:hiddenFill xmlns:a14="http://schemas.microsoft.com/office/drawing/2010/main">
+                      <a:noFill/>
+                    </a14:hiddenFill>
+                  </a:ext>
+                  <a:ext uri="{AF507438-7753-43E0-B8FC-AC1667EBCBE1}">
+                    <a14:hiddenEffects xmlns:a14="http://schemas.microsoft.com/office/drawing/2010/main">
+                      <a:effectLst>
+                        <a:outerShdw dist="35921" dir="2700000" algn="ctr" rotWithShape="0">
+                          <a:srgbClr val="868686"/>
+                        </a:outerShdw>
+                      </a:effectLst>
+                    </a14:hiddenEffects>
+                  </a:ext>
+                </a:extLst>
+              </p:spPr>
+            </p:cxnSp>
+            <p:cxnSp>
+              <p:nvCxnSpPr>
+                <p:cNvPr id="231" name="AutoShape 546"/>
+                <p:cNvCxnSpPr>
+                  <a:cxnSpLocks noChangeShapeType="1"/>
+                </p:cNvCxnSpPr>
+                <p:nvPr/>
+              </p:nvCxnSpPr>
+              <p:spPr bwMode="auto">
+                <a:xfrm rot="-5400000">
+                  <a:off x="6060" y="12195"/>
+                  <a:ext cx="330" cy="330"/>
+                </a:xfrm>
+                <a:prstGeom prst="straightConnector1">
+                  <a:avLst/>
+                </a:prstGeom>
+                <a:noFill/>
+                <a:ln w="31750">
+                  <a:solidFill>
+                    <a:schemeClr val="dk1">
+                      <a:lumMod val="100000"/>
+                      <a:lumOff val="0"/>
+                    </a:schemeClr>
+                  </a:solidFill>
+                  <a:round/>
+                  <a:headEnd/>
+                  <a:tailEnd/>
+                </a:ln>
+                <a:effectLst/>
+                <a:extLst>
+                  <a:ext uri="{909E8E84-426E-40DD-AFC4-6F175D3DCCD1}">
+                    <a14:hiddenFill xmlns:a14="http://schemas.microsoft.com/office/drawing/2010/main">
+                      <a:noFill/>
+                    </a14:hiddenFill>
+                  </a:ext>
+                  <a:ext uri="{AF507438-7753-43E0-B8FC-AC1667EBCBE1}">
+                    <a14:hiddenEffects xmlns:a14="http://schemas.microsoft.com/office/drawing/2010/main">
+                      <a:effectLst>
+                        <a:outerShdw dist="35921" dir="2700000" algn="ctr" rotWithShape="0">
+                          <a:srgbClr val="868686"/>
+                        </a:outerShdw>
+                      </a:effectLst>
+                    </a14:hiddenEffects>
+                  </a:ext>
+                </a:extLst>
+              </p:spPr>
+            </p:cxnSp>
+          </p:grpSp>
+          <p:sp>
+            <p:nvSpPr>
+              <p:cNvPr id="229" name="Oval 547"/>
+              <p:cNvSpPr>
+                <a:spLocks noChangeArrowheads="1"/>
+              </p:cNvSpPr>
+              <p:nvPr/>
+            </p:nvSpPr>
+            <p:spPr bwMode="auto">
+              <a:xfrm>
+                <a:off x="7849" y="12045"/>
+                <a:ext cx="501" cy="547"/>
+              </a:xfrm>
+              <a:prstGeom prst="ellipse">
+                <a:avLst/>
+              </a:prstGeom>
+              <a:noFill/>
+              <a:ln w="28575">
+                <a:solidFill>
+                  <a:srgbClr val="000000"/>
+                </a:solidFill>
+                <a:round/>
+                <a:headEnd/>
+                <a:tailEnd/>
+              </a:ln>
+              <a:extLst>
+                <a:ext uri="{909E8E84-426E-40DD-AFC4-6F175D3DCCD1}">
+                  <a14:hiddenFill xmlns:a14="http://schemas.microsoft.com/office/drawing/2010/main">
+                    <a:solidFill>
+                      <a:srgbClr val="FFFFFF"/>
+                    </a:solidFill>
+                  </a14:hiddenFill>
+                </a:ext>
+              </a:extLst>
+            </p:spPr>
+            <p:txBody>
+              <a:bodyPr rot="0" vert="horz" wrap="square" lIns="91440" tIns="45720" rIns="91440" bIns="45720" anchor="t" anchorCtr="0" upright="1">
+                <a:noAutofit/>
+              </a:bodyPr>
+              <a:lstStyle/>
+              <a:p>
+                <a:endParaRPr lang="nl-BE"/>
+              </a:p>
+            </p:txBody>
+          </p:sp>
+        </p:grpSp>
+        <p:grpSp>
+          <p:nvGrpSpPr>
+            <p:cNvPr id="183" name="Group 548"/>
+            <p:cNvGrpSpPr>
+              <a:grpSpLocks/>
+            </p:cNvGrpSpPr>
+            <p:nvPr/>
+          </p:nvGrpSpPr>
+          <p:grpSpPr bwMode="auto">
+            <a:xfrm>
+              <a:off x="5527" y="4630"/>
+              <a:ext cx="501" cy="547"/>
+              <a:chOff x="7849" y="12045"/>
+              <a:chExt cx="501" cy="547"/>
+            </a:xfrm>
+          </p:grpSpPr>
+          <p:grpSp>
+            <p:nvGrpSpPr>
+              <p:cNvPr id="224" name="Group 549"/>
+              <p:cNvGrpSpPr>
+                <a:grpSpLocks/>
+              </p:cNvGrpSpPr>
+              <p:nvPr/>
+            </p:nvGrpSpPr>
+            <p:grpSpPr bwMode="auto">
+              <a:xfrm>
+                <a:off x="7920" y="12137"/>
+                <a:ext cx="353" cy="373"/>
+                <a:chOff x="6060" y="12195"/>
+                <a:chExt cx="330" cy="330"/>
+              </a:xfrm>
+            </p:grpSpPr>
+            <p:cxnSp>
+              <p:nvCxnSpPr>
+                <p:cNvPr id="226" name="AutoShape 550"/>
+                <p:cNvCxnSpPr>
+                  <a:cxnSpLocks noChangeShapeType="1"/>
+                </p:cNvCxnSpPr>
+                <p:nvPr/>
+              </p:nvCxnSpPr>
+              <p:spPr bwMode="auto">
+                <a:xfrm>
+                  <a:off x="6060" y="12195"/>
+                  <a:ext cx="330" cy="330"/>
+                </a:xfrm>
+                <a:prstGeom prst="straightConnector1">
+                  <a:avLst/>
+                </a:prstGeom>
+                <a:noFill/>
+                <a:ln w="31750">
+                  <a:solidFill>
+                    <a:schemeClr val="dk1">
+                      <a:lumMod val="100000"/>
+                      <a:lumOff val="0"/>
+                    </a:schemeClr>
+                  </a:solidFill>
+                  <a:round/>
+                  <a:headEnd/>
+                  <a:tailEnd/>
+                </a:ln>
+                <a:effectLst/>
+                <a:extLst>
+                  <a:ext uri="{909E8E84-426E-40DD-AFC4-6F175D3DCCD1}">
+                    <a14:hiddenFill xmlns:a14="http://schemas.microsoft.com/office/drawing/2010/main">
+                      <a:noFill/>
+                    </a14:hiddenFill>
+                  </a:ext>
+                  <a:ext uri="{AF507438-7753-43E0-B8FC-AC1667EBCBE1}">
+                    <a14:hiddenEffects xmlns:a14="http://schemas.microsoft.com/office/drawing/2010/main">
+                      <a:effectLst>
+                        <a:outerShdw dist="35921" dir="2700000" algn="ctr" rotWithShape="0">
+                          <a:srgbClr val="868686"/>
+                        </a:outerShdw>
+                      </a:effectLst>
+                    </a14:hiddenEffects>
+                  </a:ext>
+                </a:extLst>
+              </p:spPr>
+            </p:cxnSp>
+            <p:cxnSp>
+              <p:nvCxnSpPr>
+                <p:cNvPr id="227" name="AutoShape 551"/>
+                <p:cNvCxnSpPr>
+                  <a:cxnSpLocks noChangeShapeType="1"/>
+                </p:cNvCxnSpPr>
+                <p:nvPr/>
+              </p:nvCxnSpPr>
+              <p:spPr bwMode="auto">
+                <a:xfrm rot="-5400000">
+                  <a:off x="6060" y="12195"/>
+                  <a:ext cx="330" cy="330"/>
+                </a:xfrm>
+                <a:prstGeom prst="straightConnector1">
+                  <a:avLst/>
+                </a:prstGeom>
+                <a:noFill/>
+                <a:ln w="31750">
+                  <a:solidFill>
+                    <a:schemeClr val="dk1">
+                      <a:lumMod val="100000"/>
+                      <a:lumOff val="0"/>
+                    </a:schemeClr>
+                  </a:solidFill>
+                  <a:round/>
+                  <a:headEnd/>
+                  <a:tailEnd/>
+                </a:ln>
+                <a:effectLst/>
+                <a:extLst>
+                  <a:ext uri="{909E8E84-426E-40DD-AFC4-6F175D3DCCD1}">
+                    <a14:hiddenFill xmlns:a14="http://schemas.microsoft.com/office/drawing/2010/main">
+                      <a:noFill/>
+                    </a14:hiddenFill>
+                  </a:ext>
+                  <a:ext uri="{AF507438-7753-43E0-B8FC-AC1667EBCBE1}">
+                    <a14:hiddenEffects xmlns:a14="http://schemas.microsoft.com/office/drawing/2010/main">
+                      <a:effectLst>
+                        <a:outerShdw dist="35921" dir="2700000" algn="ctr" rotWithShape="0">
+                          <a:srgbClr val="868686"/>
+                        </a:outerShdw>
+                      </a:effectLst>
+                    </a14:hiddenEffects>
+                  </a:ext>
+                </a:extLst>
+              </p:spPr>
+            </p:cxnSp>
+          </p:grpSp>
+          <p:sp>
+            <p:nvSpPr>
+              <p:cNvPr id="225" name="Oval 552"/>
+              <p:cNvSpPr>
+                <a:spLocks noChangeArrowheads="1"/>
+              </p:cNvSpPr>
+              <p:nvPr/>
+            </p:nvSpPr>
+            <p:spPr bwMode="auto">
+              <a:xfrm>
+                <a:off x="7849" y="12045"/>
+                <a:ext cx="501" cy="547"/>
+              </a:xfrm>
+              <a:prstGeom prst="ellipse">
+                <a:avLst/>
+              </a:prstGeom>
+              <a:noFill/>
+              <a:ln w="28575">
+                <a:solidFill>
+                  <a:srgbClr val="000000"/>
+                </a:solidFill>
+                <a:round/>
+                <a:headEnd/>
+                <a:tailEnd/>
+              </a:ln>
+              <a:extLst>
+                <a:ext uri="{909E8E84-426E-40DD-AFC4-6F175D3DCCD1}">
+                  <a14:hiddenFill xmlns:a14="http://schemas.microsoft.com/office/drawing/2010/main">
+                    <a:solidFill>
+                      <a:srgbClr val="FFFFFF"/>
+                    </a:solidFill>
+                  </a14:hiddenFill>
+                </a:ext>
+              </a:extLst>
+            </p:spPr>
+            <p:txBody>
+              <a:bodyPr rot="0" vert="horz" wrap="square" lIns="91440" tIns="45720" rIns="91440" bIns="45720" anchor="t" anchorCtr="0" upright="1">
+                <a:noAutofit/>
+              </a:bodyPr>
+              <a:lstStyle/>
+              <a:p>
+                <a:endParaRPr lang="nl-BE"/>
+              </a:p>
+            </p:txBody>
+          </p:sp>
+        </p:grpSp>
+        <p:grpSp>
+          <p:nvGrpSpPr>
+            <p:cNvPr id="184" name="Group 553"/>
+            <p:cNvGrpSpPr>
+              <a:grpSpLocks/>
+            </p:cNvGrpSpPr>
+            <p:nvPr/>
+          </p:nvGrpSpPr>
+          <p:grpSpPr bwMode="auto">
+            <a:xfrm>
+              <a:off x="3467" y="5336"/>
+              <a:ext cx="501" cy="547"/>
+              <a:chOff x="7849" y="12045"/>
+              <a:chExt cx="501" cy="547"/>
+            </a:xfrm>
+          </p:grpSpPr>
+          <p:grpSp>
+            <p:nvGrpSpPr>
+              <p:cNvPr id="220" name="Group 554"/>
+              <p:cNvGrpSpPr>
+                <a:grpSpLocks/>
+              </p:cNvGrpSpPr>
+              <p:nvPr/>
+            </p:nvGrpSpPr>
+            <p:grpSpPr bwMode="auto">
+              <a:xfrm>
+                <a:off x="7920" y="12137"/>
+                <a:ext cx="353" cy="373"/>
+                <a:chOff x="6060" y="12195"/>
+                <a:chExt cx="330" cy="330"/>
+              </a:xfrm>
+            </p:grpSpPr>
+            <p:cxnSp>
+              <p:nvCxnSpPr>
+                <p:cNvPr id="222" name="AutoShape 555"/>
+                <p:cNvCxnSpPr>
+                  <a:cxnSpLocks noChangeShapeType="1"/>
+                </p:cNvCxnSpPr>
+                <p:nvPr/>
+              </p:nvCxnSpPr>
+              <p:spPr bwMode="auto">
+                <a:xfrm>
+                  <a:off x="6060" y="12195"/>
+                  <a:ext cx="330" cy="330"/>
+                </a:xfrm>
+                <a:prstGeom prst="straightConnector1">
+                  <a:avLst/>
+                </a:prstGeom>
+                <a:noFill/>
+                <a:ln w="31750">
+                  <a:solidFill>
+                    <a:schemeClr val="dk1">
+                      <a:lumMod val="100000"/>
+                      <a:lumOff val="0"/>
+                    </a:schemeClr>
+                  </a:solidFill>
+                  <a:round/>
+                  <a:headEnd/>
+                  <a:tailEnd/>
+                </a:ln>
+                <a:effectLst/>
+                <a:extLst>
+                  <a:ext uri="{909E8E84-426E-40DD-AFC4-6F175D3DCCD1}">
+                    <a14:hiddenFill xmlns:a14="http://schemas.microsoft.com/office/drawing/2010/main">
+                      <a:noFill/>
+                    </a14:hiddenFill>
+                  </a:ext>
+                  <a:ext uri="{AF507438-7753-43E0-B8FC-AC1667EBCBE1}">
+                    <a14:hiddenEffects xmlns:a14="http://schemas.microsoft.com/office/drawing/2010/main">
+                      <a:effectLst>
+                        <a:outerShdw dist="35921" dir="2700000" algn="ctr" rotWithShape="0">
+                          <a:srgbClr val="868686"/>
+                        </a:outerShdw>
+                      </a:effectLst>
+                    </a14:hiddenEffects>
+                  </a:ext>
+                </a:extLst>
+              </p:spPr>
+            </p:cxnSp>
+            <p:cxnSp>
+              <p:nvCxnSpPr>
+                <p:cNvPr id="223" name="AutoShape 556"/>
+                <p:cNvCxnSpPr>
+                  <a:cxnSpLocks noChangeShapeType="1"/>
+                </p:cNvCxnSpPr>
+                <p:nvPr/>
+              </p:nvCxnSpPr>
+              <p:spPr bwMode="auto">
+                <a:xfrm rot="-5400000">
+                  <a:off x="6060" y="12195"/>
+                  <a:ext cx="330" cy="330"/>
+                </a:xfrm>
+                <a:prstGeom prst="straightConnector1">
+                  <a:avLst/>
+                </a:prstGeom>
+                <a:noFill/>
+                <a:ln w="31750">
+                  <a:solidFill>
+                    <a:schemeClr val="dk1">
+                      <a:lumMod val="100000"/>
+                      <a:lumOff val="0"/>
+                    </a:schemeClr>
+                  </a:solidFill>
+                  <a:round/>
+                  <a:headEnd/>
+                  <a:tailEnd/>
+                </a:ln>
+                <a:effectLst/>
+                <a:extLst>
+                  <a:ext uri="{909E8E84-426E-40DD-AFC4-6F175D3DCCD1}">
+                    <a14:hiddenFill xmlns:a14="http://schemas.microsoft.com/office/drawing/2010/main">
+                      <a:noFill/>
+                    </a14:hiddenFill>
+                  </a:ext>
+                  <a:ext uri="{AF507438-7753-43E0-B8FC-AC1667EBCBE1}">
+                    <a14:hiddenEffects xmlns:a14="http://schemas.microsoft.com/office/drawing/2010/main">
+                      <a:effectLst>
+                        <a:outerShdw dist="35921" dir="2700000" algn="ctr" rotWithShape="0">
+                          <a:srgbClr val="868686"/>
+                        </a:outerShdw>
+                      </a:effectLst>
+                    </a14:hiddenEffects>
+                  </a:ext>
+                </a:extLst>
+              </p:spPr>
+            </p:cxnSp>
+          </p:grpSp>
+          <p:sp>
+            <p:nvSpPr>
+              <p:cNvPr id="221" name="Oval 557"/>
+              <p:cNvSpPr>
+                <a:spLocks noChangeArrowheads="1"/>
+              </p:cNvSpPr>
+              <p:nvPr/>
+            </p:nvSpPr>
+            <p:spPr bwMode="auto">
+              <a:xfrm>
+                <a:off x="7849" y="12045"/>
+                <a:ext cx="501" cy="547"/>
+              </a:xfrm>
+              <a:prstGeom prst="ellipse">
+                <a:avLst/>
+              </a:prstGeom>
+              <a:noFill/>
+              <a:ln w="28575">
+                <a:solidFill>
+                  <a:srgbClr val="000000"/>
+                </a:solidFill>
+                <a:round/>
+                <a:headEnd/>
+                <a:tailEnd/>
+              </a:ln>
+              <a:extLst>
+                <a:ext uri="{909E8E84-426E-40DD-AFC4-6F175D3DCCD1}">
+                  <a14:hiddenFill xmlns:a14="http://schemas.microsoft.com/office/drawing/2010/main">
+                    <a:solidFill>
+                      <a:srgbClr val="FFFFFF"/>
+                    </a:solidFill>
+                  </a14:hiddenFill>
+                </a:ext>
+              </a:extLst>
+            </p:spPr>
+            <p:txBody>
+              <a:bodyPr rot="0" vert="horz" wrap="square" lIns="91440" tIns="45720" rIns="91440" bIns="45720" anchor="t" anchorCtr="0" upright="1">
+                <a:noAutofit/>
+              </a:bodyPr>
+              <a:lstStyle/>
+              <a:p>
+                <a:endParaRPr lang="nl-BE"/>
+              </a:p>
+            </p:txBody>
+          </p:sp>
+        </p:grpSp>
+        <p:grpSp>
+          <p:nvGrpSpPr>
+            <p:cNvPr id="185" name="Group 558"/>
+            <p:cNvGrpSpPr>
+              <a:grpSpLocks/>
+            </p:cNvGrpSpPr>
+            <p:nvPr/>
+          </p:nvGrpSpPr>
+          <p:grpSpPr bwMode="auto">
+            <a:xfrm>
+              <a:off x="4165" y="5336"/>
+              <a:ext cx="501" cy="547"/>
+              <a:chOff x="7849" y="12045"/>
+              <a:chExt cx="501" cy="547"/>
+            </a:xfrm>
+          </p:grpSpPr>
+          <p:grpSp>
+            <p:nvGrpSpPr>
+              <p:cNvPr id="216" name="Group 559"/>
+              <p:cNvGrpSpPr>
+                <a:grpSpLocks/>
+              </p:cNvGrpSpPr>
+              <p:nvPr/>
+            </p:nvGrpSpPr>
+            <p:grpSpPr bwMode="auto">
+              <a:xfrm>
+                <a:off x="7920" y="12137"/>
+                <a:ext cx="353" cy="373"/>
+                <a:chOff x="6060" y="12195"/>
+                <a:chExt cx="330" cy="330"/>
+              </a:xfrm>
+            </p:grpSpPr>
+            <p:cxnSp>
+              <p:nvCxnSpPr>
+                <p:cNvPr id="218" name="AutoShape 560"/>
+                <p:cNvCxnSpPr>
+                  <a:cxnSpLocks noChangeShapeType="1"/>
+                </p:cNvCxnSpPr>
+                <p:nvPr/>
+              </p:nvCxnSpPr>
+              <p:spPr bwMode="auto">
+                <a:xfrm>
+                  <a:off x="6060" y="12195"/>
+                  <a:ext cx="330" cy="330"/>
+                </a:xfrm>
+                <a:prstGeom prst="straightConnector1">
+                  <a:avLst/>
+                </a:prstGeom>
+                <a:noFill/>
+                <a:ln w="31750">
+                  <a:solidFill>
+                    <a:schemeClr val="dk1">
+                      <a:lumMod val="100000"/>
+                      <a:lumOff val="0"/>
+                    </a:schemeClr>
+                  </a:solidFill>
+                  <a:round/>
+                  <a:headEnd/>
+                  <a:tailEnd/>
+                </a:ln>
+                <a:effectLst/>
+                <a:extLst>
+                  <a:ext uri="{909E8E84-426E-40DD-AFC4-6F175D3DCCD1}">
+                    <a14:hiddenFill xmlns:a14="http://schemas.microsoft.com/office/drawing/2010/main">
+                      <a:noFill/>
+                    </a14:hiddenFill>
+                  </a:ext>
+                  <a:ext uri="{AF507438-7753-43E0-B8FC-AC1667EBCBE1}">
+                    <a14:hiddenEffects xmlns:a14="http://schemas.microsoft.com/office/drawing/2010/main">
+                      <a:effectLst>
+                        <a:outerShdw dist="35921" dir="2700000" algn="ctr" rotWithShape="0">
+                          <a:srgbClr val="868686"/>
+                        </a:outerShdw>
+                      </a:effectLst>
+                    </a14:hiddenEffects>
+                  </a:ext>
+                </a:extLst>
+              </p:spPr>
+            </p:cxnSp>
+            <p:cxnSp>
+              <p:nvCxnSpPr>
+                <p:cNvPr id="219" name="AutoShape 561"/>
+                <p:cNvCxnSpPr>
+                  <a:cxnSpLocks noChangeShapeType="1"/>
+                </p:cNvCxnSpPr>
+                <p:nvPr/>
+              </p:nvCxnSpPr>
+              <p:spPr bwMode="auto">
+                <a:xfrm rot="-5400000">
+                  <a:off x="6060" y="12195"/>
+                  <a:ext cx="330" cy="330"/>
+                </a:xfrm>
+                <a:prstGeom prst="straightConnector1">
+                  <a:avLst/>
+                </a:prstGeom>
+                <a:noFill/>
+                <a:ln w="31750">
+                  <a:solidFill>
+                    <a:schemeClr val="dk1">
+                      <a:lumMod val="100000"/>
+                      <a:lumOff val="0"/>
+                    </a:schemeClr>
+                  </a:solidFill>
+                  <a:round/>
+                  <a:headEnd/>
+                  <a:tailEnd/>
+                </a:ln>
+                <a:effectLst/>
+                <a:extLst>
+                  <a:ext uri="{909E8E84-426E-40DD-AFC4-6F175D3DCCD1}">
+                    <a14:hiddenFill xmlns:a14="http://schemas.microsoft.com/office/drawing/2010/main">
+                      <a:noFill/>
+                    </a14:hiddenFill>
+                  </a:ext>
+                  <a:ext uri="{AF507438-7753-43E0-B8FC-AC1667EBCBE1}">
+                    <a14:hiddenEffects xmlns:a14="http://schemas.microsoft.com/office/drawing/2010/main">
+                      <a:effectLst>
+                        <a:outerShdw dist="35921" dir="2700000" algn="ctr" rotWithShape="0">
+                          <a:srgbClr val="868686"/>
+                        </a:outerShdw>
+                      </a:effectLst>
+                    </a14:hiddenEffects>
+                  </a:ext>
+                </a:extLst>
+              </p:spPr>
+            </p:cxnSp>
+          </p:grpSp>
+          <p:sp>
+            <p:nvSpPr>
+              <p:cNvPr id="217" name="Oval 562"/>
+              <p:cNvSpPr>
+                <a:spLocks noChangeArrowheads="1"/>
+              </p:cNvSpPr>
+              <p:nvPr/>
+            </p:nvSpPr>
+            <p:spPr bwMode="auto">
+              <a:xfrm>
+                <a:off x="7849" y="12045"/>
+                <a:ext cx="501" cy="547"/>
+              </a:xfrm>
+              <a:prstGeom prst="ellipse">
+                <a:avLst/>
+              </a:prstGeom>
+              <a:noFill/>
+              <a:ln w="28575">
+                <a:solidFill>
+                  <a:srgbClr val="000000"/>
+                </a:solidFill>
+                <a:round/>
+                <a:headEnd/>
+                <a:tailEnd/>
+              </a:ln>
+              <a:extLst>
+                <a:ext uri="{909E8E84-426E-40DD-AFC4-6F175D3DCCD1}">
+                  <a14:hiddenFill xmlns:a14="http://schemas.microsoft.com/office/drawing/2010/main">
+                    <a:solidFill>
+                      <a:srgbClr val="FFFFFF"/>
+                    </a:solidFill>
+                  </a14:hiddenFill>
+                </a:ext>
+              </a:extLst>
+            </p:spPr>
+            <p:txBody>
+              <a:bodyPr rot="0" vert="horz" wrap="square" lIns="91440" tIns="45720" rIns="91440" bIns="45720" anchor="t" anchorCtr="0" upright="1">
+                <a:noAutofit/>
+              </a:bodyPr>
+              <a:lstStyle/>
+              <a:p>
+                <a:endParaRPr lang="nl-BE"/>
+              </a:p>
+            </p:txBody>
+          </p:sp>
+        </p:grpSp>
+        <p:grpSp>
+          <p:nvGrpSpPr>
+            <p:cNvPr id="186" name="Group 563"/>
+            <p:cNvGrpSpPr>
+              <a:grpSpLocks/>
+            </p:cNvGrpSpPr>
+            <p:nvPr/>
+          </p:nvGrpSpPr>
+          <p:grpSpPr bwMode="auto">
+            <a:xfrm>
+              <a:off x="4842" y="5336"/>
+              <a:ext cx="501" cy="547"/>
+              <a:chOff x="7849" y="12045"/>
+              <a:chExt cx="501" cy="547"/>
+            </a:xfrm>
+          </p:grpSpPr>
+          <p:grpSp>
+            <p:nvGrpSpPr>
+              <p:cNvPr id="212" name="Group 564"/>
+              <p:cNvGrpSpPr>
+                <a:grpSpLocks/>
+              </p:cNvGrpSpPr>
+              <p:nvPr/>
+            </p:nvGrpSpPr>
+            <p:grpSpPr bwMode="auto">
+              <a:xfrm>
+                <a:off x="7920" y="12137"/>
+                <a:ext cx="353" cy="373"/>
+                <a:chOff x="6060" y="12195"/>
+                <a:chExt cx="330" cy="330"/>
+              </a:xfrm>
+            </p:grpSpPr>
+            <p:cxnSp>
+              <p:nvCxnSpPr>
+                <p:cNvPr id="214" name="AutoShape 565"/>
+                <p:cNvCxnSpPr>
+                  <a:cxnSpLocks noChangeShapeType="1"/>
+                </p:cNvCxnSpPr>
+                <p:nvPr/>
+              </p:nvCxnSpPr>
+              <p:spPr bwMode="auto">
+                <a:xfrm>
+                  <a:off x="6060" y="12195"/>
+                  <a:ext cx="330" cy="330"/>
+                </a:xfrm>
+                <a:prstGeom prst="straightConnector1">
+                  <a:avLst/>
+                </a:prstGeom>
+                <a:noFill/>
+                <a:ln w="31750">
+                  <a:solidFill>
+                    <a:schemeClr val="dk1">
+                      <a:lumMod val="100000"/>
+                      <a:lumOff val="0"/>
+                    </a:schemeClr>
+                  </a:solidFill>
+                  <a:round/>
+                  <a:headEnd/>
+                  <a:tailEnd/>
+                </a:ln>
+                <a:effectLst/>
+                <a:extLst>
+                  <a:ext uri="{909E8E84-426E-40DD-AFC4-6F175D3DCCD1}">
+                    <a14:hiddenFill xmlns:a14="http://schemas.microsoft.com/office/drawing/2010/main">
+                      <a:noFill/>
+                    </a14:hiddenFill>
+                  </a:ext>
+                  <a:ext uri="{AF507438-7753-43E0-B8FC-AC1667EBCBE1}">
+                    <a14:hiddenEffects xmlns:a14="http://schemas.microsoft.com/office/drawing/2010/main">
+                      <a:effectLst>
+                        <a:outerShdw dist="35921" dir="2700000" algn="ctr" rotWithShape="0">
+                          <a:srgbClr val="868686"/>
+                        </a:outerShdw>
+                      </a:effectLst>
+                    </a14:hiddenEffects>
+                  </a:ext>
+                </a:extLst>
+              </p:spPr>
+            </p:cxnSp>
+            <p:cxnSp>
+              <p:nvCxnSpPr>
+                <p:cNvPr id="215" name="AutoShape 566"/>
+                <p:cNvCxnSpPr>
+                  <a:cxnSpLocks noChangeShapeType="1"/>
+                </p:cNvCxnSpPr>
+                <p:nvPr/>
+              </p:nvCxnSpPr>
+              <p:spPr bwMode="auto">
+                <a:xfrm rot="-5400000">
+                  <a:off x="6060" y="12195"/>
+                  <a:ext cx="330" cy="330"/>
+                </a:xfrm>
+                <a:prstGeom prst="straightConnector1">
+                  <a:avLst/>
+                </a:prstGeom>
+                <a:noFill/>
+                <a:ln w="31750">
+                  <a:solidFill>
+                    <a:schemeClr val="dk1">
+                      <a:lumMod val="100000"/>
+                      <a:lumOff val="0"/>
+                    </a:schemeClr>
+                  </a:solidFill>
+                  <a:round/>
+                  <a:headEnd/>
+                  <a:tailEnd/>
+                </a:ln>
+                <a:effectLst/>
+                <a:extLst>
+                  <a:ext uri="{909E8E84-426E-40DD-AFC4-6F175D3DCCD1}">
+                    <a14:hiddenFill xmlns:a14="http://schemas.microsoft.com/office/drawing/2010/main">
+                      <a:noFill/>
+                    </a14:hiddenFill>
+                  </a:ext>
+                  <a:ext uri="{AF507438-7753-43E0-B8FC-AC1667EBCBE1}">
+                    <a14:hiddenEffects xmlns:a14="http://schemas.microsoft.com/office/drawing/2010/main">
+                      <a:effectLst>
+                        <a:outerShdw dist="35921" dir="2700000" algn="ctr" rotWithShape="0">
+                          <a:srgbClr val="868686"/>
+                        </a:outerShdw>
+                      </a:effectLst>
+                    </a14:hiddenEffects>
+                  </a:ext>
+                </a:extLst>
+              </p:spPr>
+            </p:cxnSp>
+          </p:grpSp>
+          <p:sp>
+            <p:nvSpPr>
+              <p:cNvPr id="213" name="Oval 567"/>
+              <p:cNvSpPr>
+                <a:spLocks noChangeArrowheads="1"/>
+              </p:cNvSpPr>
+              <p:nvPr/>
+            </p:nvSpPr>
+            <p:spPr bwMode="auto">
+              <a:xfrm>
+                <a:off x="7849" y="12045"/>
+                <a:ext cx="501" cy="547"/>
+              </a:xfrm>
+              <a:prstGeom prst="ellipse">
+                <a:avLst/>
+              </a:prstGeom>
+              <a:noFill/>
+              <a:ln w="28575">
+                <a:solidFill>
+                  <a:srgbClr val="000000"/>
+                </a:solidFill>
+                <a:round/>
+                <a:headEnd/>
+                <a:tailEnd/>
+              </a:ln>
+              <a:extLst>
+                <a:ext uri="{909E8E84-426E-40DD-AFC4-6F175D3DCCD1}">
+                  <a14:hiddenFill xmlns:a14="http://schemas.microsoft.com/office/drawing/2010/main">
+                    <a:solidFill>
+                      <a:srgbClr val="FFFFFF"/>
+                    </a:solidFill>
+                  </a14:hiddenFill>
+                </a:ext>
+              </a:extLst>
+            </p:spPr>
+            <p:txBody>
+              <a:bodyPr rot="0" vert="horz" wrap="square" lIns="91440" tIns="45720" rIns="91440" bIns="45720" anchor="t" anchorCtr="0" upright="1">
+                <a:noAutofit/>
+              </a:bodyPr>
+              <a:lstStyle/>
+              <a:p>
+                <a:endParaRPr lang="nl-BE"/>
+              </a:p>
+            </p:txBody>
+          </p:sp>
+        </p:grpSp>
+        <p:grpSp>
+          <p:nvGrpSpPr>
+            <p:cNvPr id="187" name="Group 568"/>
+            <p:cNvGrpSpPr>
+              <a:grpSpLocks/>
+            </p:cNvGrpSpPr>
+            <p:nvPr/>
+          </p:nvGrpSpPr>
+          <p:grpSpPr bwMode="auto">
+            <a:xfrm>
+              <a:off x="5527" y="5336"/>
+              <a:ext cx="501" cy="547"/>
+              <a:chOff x="7849" y="12045"/>
+              <a:chExt cx="501" cy="547"/>
+            </a:xfrm>
+          </p:grpSpPr>
+          <p:grpSp>
+            <p:nvGrpSpPr>
+              <p:cNvPr id="208" name="Group 569"/>
+              <p:cNvGrpSpPr>
+                <a:grpSpLocks/>
+              </p:cNvGrpSpPr>
+              <p:nvPr/>
+            </p:nvGrpSpPr>
+            <p:grpSpPr bwMode="auto">
+              <a:xfrm>
+                <a:off x="7920" y="12137"/>
+                <a:ext cx="353" cy="373"/>
+                <a:chOff x="6060" y="12195"/>
+                <a:chExt cx="330" cy="330"/>
+              </a:xfrm>
+            </p:grpSpPr>
+            <p:cxnSp>
+              <p:nvCxnSpPr>
+                <p:cNvPr id="210" name="AutoShape 570"/>
+                <p:cNvCxnSpPr>
+                  <a:cxnSpLocks noChangeShapeType="1"/>
+                </p:cNvCxnSpPr>
+                <p:nvPr/>
+              </p:nvCxnSpPr>
+              <p:spPr bwMode="auto">
+                <a:xfrm>
+                  <a:off x="6060" y="12195"/>
+                  <a:ext cx="330" cy="330"/>
+                </a:xfrm>
+                <a:prstGeom prst="straightConnector1">
+                  <a:avLst/>
+                </a:prstGeom>
+                <a:noFill/>
+                <a:ln w="31750">
+                  <a:solidFill>
+                    <a:schemeClr val="dk1">
+                      <a:lumMod val="100000"/>
+                      <a:lumOff val="0"/>
+                    </a:schemeClr>
+                  </a:solidFill>
+                  <a:round/>
+                  <a:headEnd/>
+                  <a:tailEnd/>
+                </a:ln>
+                <a:effectLst/>
+                <a:extLst>
+                  <a:ext uri="{909E8E84-426E-40DD-AFC4-6F175D3DCCD1}">
+                    <a14:hiddenFill xmlns:a14="http://schemas.microsoft.com/office/drawing/2010/main">
+                      <a:noFill/>
+                    </a14:hiddenFill>
+                  </a:ext>
+                  <a:ext uri="{AF507438-7753-43E0-B8FC-AC1667EBCBE1}">
+                    <a14:hiddenEffects xmlns:a14="http://schemas.microsoft.com/office/drawing/2010/main">
+                      <a:effectLst>
+                        <a:outerShdw dist="35921" dir="2700000" algn="ctr" rotWithShape="0">
+                          <a:srgbClr val="868686"/>
+                        </a:outerShdw>
+                      </a:effectLst>
+                    </a14:hiddenEffects>
+                  </a:ext>
+                </a:extLst>
+              </p:spPr>
+            </p:cxnSp>
+            <p:cxnSp>
+              <p:nvCxnSpPr>
+                <p:cNvPr id="211" name="AutoShape 571"/>
+                <p:cNvCxnSpPr>
+                  <a:cxnSpLocks noChangeShapeType="1"/>
+                </p:cNvCxnSpPr>
+                <p:nvPr/>
+              </p:nvCxnSpPr>
+              <p:spPr bwMode="auto">
+                <a:xfrm rot="-5400000">
+                  <a:off x="6060" y="12195"/>
+                  <a:ext cx="330" cy="330"/>
+                </a:xfrm>
+                <a:prstGeom prst="straightConnector1">
+                  <a:avLst/>
+                </a:prstGeom>
+                <a:noFill/>
+                <a:ln w="31750">
+                  <a:solidFill>
+                    <a:schemeClr val="dk1">
+                      <a:lumMod val="100000"/>
+                      <a:lumOff val="0"/>
+                    </a:schemeClr>
+                  </a:solidFill>
+                  <a:round/>
+                  <a:headEnd/>
+                  <a:tailEnd/>
+                </a:ln>
+                <a:effectLst/>
+                <a:extLst>
+                  <a:ext uri="{909E8E84-426E-40DD-AFC4-6F175D3DCCD1}">
+                    <a14:hiddenFill xmlns:a14="http://schemas.microsoft.com/office/drawing/2010/main">
+                      <a:noFill/>
+                    </a14:hiddenFill>
+                  </a:ext>
+                  <a:ext uri="{AF507438-7753-43E0-B8FC-AC1667EBCBE1}">
+                    <a14:hiddenEffects xmlns:a14="http://schemas.microsoft.com/office/drawing/2010/main">
+                      <a:effectLst>
+                        <a:outerShdw dist="35921" dir="2700000" algn="ctr" rotWithShape="0">
+                          <a:srgbClr val="868686"/>
+                        </a:outerShdw>
+                      </a:effectLst>
+                    </a14:hiddenEffects>
+                  </a:ext>
+                </a:extLst>
+              </p:spPr>
+            </p:cxnSp>
+          </p:grpSp>
+          <p:sp>
+            <p:nvSpPr>
+              <p:cNvPr id="209" name="Oval 572"/>
+              <p:cNvSpPr>
+                <a:spLocks noChangeArrowheads="1"/>
+              </p:cNvSpPr>
+              <p:nvPr/>
+            </p:nvSpPr>
+            <p:spPr bwMode="auto">
+              <a:xfrm>
+                <a:off x="7849" y="12045"/>
+                <a:ext cx="501" cy="547"/>
+              </a:xfrm>
+              <a:prstGeom prst="ellipse">
+                <a:avLst/>
+              </a:prstGeom>
+              <a:noFill/>
+              <a:ln w="28575">
+                <a:solidFill>
+                  <a:srgbClr val="000000"/>
+                </a:solidFill>
+                <a:round/>
+                <a:headEnd/>
+                <a:tailEnd/>
+              </a:ln>
+              <a:extLst>
+                <a:ext uri="{909E8E84-426E-40DD-AFC4-6F175D3DCCD1}">
+                  <a14:hiddenFill xmlns:a14="http://schemas.microsoft.com/office/drawing/2010/main">
+                    <a:solidFill>
+                      <a:srgbClr val="FFFFFF"/>
+                    </a:solidFill>
+                  </a14:hiddenFill>
+                </a:ext>
+              </a:extLst>
+            </p:spPr>
+            <p:txBody>
+              <a:bodyPr rot="0" vert="horz" wrap="square" lIns="91440" tIns="45720" rIns="91440" bIns="45720" anchor="t" anchorCtr="0" upright="1">
+                <a:noAutofit/>
+              </a:bodyPr>
+              <a:lstStyle/>
+              <a:p>
+                <a:endParaRPr lang="nl-BE"/>
+              </a:p>
+            </p:txBody>
+          </p:sp>
+        </p:grpSp>
+        <p:grpSp>
+          <p:nvGrpSpPr>
+            <p:cNvPr id="188" name="Group 574"/>
+            <p:cNvGrpSpPr>
+              <a:grpSpLocks/>
+            </p:cNvGrpSpPr>
+            <p:nvPr/>
+          </p:nvGrpSpPr>
+          <p:grpSpPr bwMode="auto">
+            <a:xfrm>
+              <a:off x="3467" y="6073"/>
+              <a:ext cx="501" cy="547"/>
+              <a:chOff x="7849" y="12045"/>
+              <a:chExt cx="501" cy="547"/>
+            </a:xfrm>
+          </p:grpSpPr>
+          <p:grpSp>
+            <p:nvGrpSpPr>
+              <p:cNvPr id="204" name="Group 575"/>
+              <p:cNvGrpSpPr>
+                <a:grpSpLocks/>
+              </p:cNvGrpSpPr>
+              <p:nvPr/>
+            </p:nvGrpSpPr>
+            <p:grpSpPr bwMode="auto">
+              <a:xfrm>
+                <a:off x="7920" y="12137"/>
+                <a:ext cx="353" cy="373"/>
+                <a:chOff x="6060" y="12195"/>
+                <a:chExt cx="330" cy="330"/>
+              </a:xfrm>
+            </p:grpSpPr>
+            <p:cxnSp>
+              <p:nvCxnSpPr>
+                <p:cNvPr id="206" name="AutoShape 576"/>
+                <p:cNvCxnSpPr>
+                  <a:cxnSpLocks noChangeShapeType="1"/>
+                </p:cNvCxnSpPr>
+                <p:nvPr/>
+              </p:nvCxnSpPr>
+              <p:spPr bwMode="auto">
+                <a:xfrm>
+                  <a:off x="6060" y="12195"/>
+                  <a:ext cx="330" cy="330"/>
+                </a:xfrm>
+                <a:prstGeom prst="straightConnector1">
+                  <a:avLst/>
+                </a:prstGeom>
+                <a:noFill/>
+                <a:ln w="31750">
+                  <a:solidFill>
+                    <a:schemeClr val="dk1">
+                      <a:lumMod val="100000"/>
+                      <a:lumOff val="0"/>
+                    </a:schemeClr>
+                  </a:solidFill>
+                  <a:round/>
+                  <a:headEnd/>
+                  <a:tailEnd/>
+                </a:ln>
+                <a:effectLst/>
+                <a:extLst>
+                  <a:ext uri="{909E8E84-426E-40DD-AFC4-6F175D3DCCD1}">
+                    <a14:hiddenFill xmlns:a14="http://schemas.microsoft.com/office/drawing/2010/main">
+                      <a:noFill/>
+                    </a14:hiddenFill>
+                  </a:ext>
+                  <a:ext uri="{AF507438-7753-43E0-B8FC-AC1667EBCBE1}">
+                    <a14:hiddenEffects xmlns:a14="http://schemas.microsoft.com/office/drawing/2010/main">
+                      <a:effectLst>
+                        <a:outerShdw dist="35921" dir="2700000" algn="ctr" rotWithShape="0">
+                          <a:srgbClr val="868686"/>
+                        </a:outerShdw>
+                      </a:effectLst>
+                    </a14:hiddenEffects>
+                  </a:ext>
+                </a:extLst>
+              </p:spPr>
+            </p:cxnSp>
+            <p:cxnSp>
+              <p:nvCxnSpPr>
+                <p:cNvPr id="207" name="AutoShape 577"/>
+                <p:cNvCxnSpPr>
+                  <a:cxnSpLocks noChangeShapeType="1"/>
+                </p:cNvCxnSpPr>
+                <p:nvPr/>
+              </p:nvCxnSpPr>
+              <p:spPr bwMode="auto">
+                <a:xfrm rot="-5400000">
+                  <a:off x="6060" y="12195"/>
+                  <a:ext cx="330" cy="330"/>
+                </a:xfrm>
+                <a:prstGeom prst="straightConnector1">
+                  <a:avLst/>
+                </a:prstGeom>
+                <a:noFill/>
+                <a:ln w="31750">
+                  <a:solidFill>
+                    <a:schemeClr val="dk1">
+                      <a:lumMod val="100000"/>
+                      <a:lumOff val="0"/>
+                    </a:schemeClr>
+                  </a:solidFill>
+                  <a:round/>
+                  <a:headEnd/>
+                  <a:tailEnd/>
+                </a:ln>
+                <a:effectLst/>
+                <a:extLst>
+                  <a:ext uri="{909E8E84-426E-40DD-AFC4-6F175D3DCCD1}">
+                    <a14:hiddenFill xmlns:a14="http://schemas.microsoft.com/office/drawing/2010/main">
+                      <a:noFill/>
+                    </a14:hiddenFill>
+                  </a:ext>
+                  <a:ext uri="{AF507438-7753-43E0-B8FC-AC1667EBCBE1}">
+                    <a14:hiddenEffects xmlns:a14="http://schemas.microsoft.com/office/drawing/2010/main">
+                      <a:effectLst>
+                        <a:outerShdw dist="35921" dir="2700000" algn="ctr" rotWithShape="0">
+                          <a:srgbClr val="868686"/>
+                        </a:outerShdw>
+                      </a:effectLst>
+                    </a14:hiddenEffects>
+                  </a:ext>
+                </a:extLst>
+              </p:spPr>
+            </p:cxnSp>
+          </p:grpSp>
+          <p:sp>
+            <p:nvSpPr>
+              <p:cNvPr id="205" name="Oval 578"/>
+              <p:cNvSpPr>
+                <a:spLocks noChangeArrowheads="1"/>
+              </p:cNvSpPr>
+              <p:nvPr/>
+            </p:nvSpPr>
+            <p:spPr bwMode="auto">
+              <a:xfrm>
+                <a:off x="7849" y="12045"/>
+                <a:ext cx="501" cy="547"/>
+              </a:xfrm>
+              <a:prstGeom prst="ellipse">
+                <a:avLst/>
+              </a:prstGeom>
+              <a:noFill/>
+              <a:ln w="28575">
+                <a:solidFill>
+                  <a:srgbClr val="000000"/>
+                </a:solidFill>
+                <a:round/>
+                <a:headEnd/>
+                <a:tailEnd/>
+              </a:ln>
+              <a:extLst>
+                <a:ext uri="{909E8E84-426E-40DD-AFC4-6F175D3DCCD1}">
+                  <a14:hiddenFill xmlns:a14="http://schemas.microsoft.com/office/drawing/2010/main">
+                    <a:solidFill>
+                      <a:srgbClr val="FFFFFF"/>
+                    </a:solidFill>
+                  </a14:hiddenFill>
+                </a:ext>
+              </a:extLst>
+            </p:spPr>
+            <p:txBody>
+              <a:bodyPr rot="0" vert="horz" wrap="square" lIns="91440" tIns="45720" rIns="91440" bIns="45720" anchor="t" anchorCtr="0" upright="1">
+                <a:noAutofit/>
+              </a:bodyPr>
+              <a:lstStyle/>
+              <a:p>
+                <a:endParaRPr lang="nl-BE"/>
+              </a:p>
+            </p:txBody>
+          </p:sp>
+        </p:grpSp>
+        <p:grpSp>
+          <p:nvGrpSpPr>
+            <p:cNvPr id="189" name="Group 579"/>
+            <p:cNvGrpSpPr>
+              <a:grpSpLocks/>
+            </p:cNvGrpSpPr>
+            <p:nvPr/>
+          </p:nvGrpSpPr>
+          <p:grpSpPr bwMode="auto">
+            <a:xfrm>
+              <a:off x="4165" y="6073"/>
+              <a:ext cx="501" cy="547"/>
+              <a:chOff x="7849" y="12045"/>
+              <a:chExt cx="501" cy="547"/>
+            </a:xfrm>
+          </p:grpSpPr>
+          <p:grpSp>
+            <p:nvGrpSpPr>
+              <p:cNvPr id="200" name="Group 580"/>
+              <p:cNvGrpSpPr>
+                <a:grpSpLocks/>
+              </p:cNvGrpSpPr>
+              <p:nvPr/>
+            </p:nvGrpSpPr>
+            <p:grpSpPr bwMode="auto">
+              <a:xfrm>
+                <a:off x="7920" y="12137"/>
+                <a:ext cx="353" cy="373"/>
+                <a:chOff x="6060" y="12195"/>
+                <a:chExt cx="330" cy="330"/>
+              </a:xfrm>
+            </p:grpSpPr>
+            <p:cxnSp>
+              <p:nvCxnSpPr>
+                <p:cNvPr id="202" name="AutoShape 581"/>
+                <p:cNvCxnSpPr>
+                  <a:cxnSpLocks noChangeShapeType="1"/>
+                </p:cNvCxnSpPr>
+                <p:nvPr/>
+              </p:nvCxnSpPr>
+              <p:spPr bwMode="auto">
+                <a:xfrm>
+                  <a:off x="6060" y="12195"/>
+                  <a:ext cx="330" cy="330"/>
+                </a:xfrm>
+                <a:prstGeom prst="straightConnector1">
+                  <a:avLst/>
+                </a:prstGeom>
+                <a:noFill/>
+                <a:ln w="31750">
+                  <a:solidFill>
+                    <a:schemeClr val="dk1">
+                      <a:lumMod val="100000"/>
+                      <a:lumOff val="0"/>
+                    </a:schemeClr>
+                  </a:solidFill>
+                  <a:round/>
+                  <a:headEnd/>
+                  <a:tailEnd/>
+                </a:ln>
+                <a:effectLst/>
+                <a:extLst>
+                  <a:ext uri="{909E8E84-426E-40DD-AFC4-6F175D3DCCD1}">
+                    <a14:hiddenFill xmlns:a14="http://schemas.microsoft.com/office/drawing/2010/main">
+                      <a:noFill/>
+                    </a14:hiddenFill>
+                  </a:ext>
+                  <a:ext uri="{AF507438-7753-43E0-B8FC-AC1667EBCBE1}">
+                    <a14:hiddenEffects xmlns:a14="http://schemas.microsoft.com/office/drawing/2010/main">
+                      <a:effectLst>
+                        <a:outerShdw dist="35921" dir="2700000" algn="ctr" rotWithShape="0">
+                          <a:srgbClr val="868686"/>
+                        </a:outerShdw>
+                      </a:effectLst>
+                    </a14:hiddenEffects>
+                  </a:ext>
+                </a:extLst>
+              </p:spPr>
+            </p:cxnSp>
+            <p:cxnSp>
+              <p:nvCxnSpPr>
+                <p:cNvPr id="203" name="AutoShape 582"/>
+                <p:cNvCxnSpPr>
+                  <a:cxnSpLocks noChangeShapeType="1"/>
+                </p:cNvCxnSpPr>
+                <p:nvPr/>
+              </p:nvCxnSpPr>
+              <p:spPr bwMode="auto">
+                <a:xfrm rot="-5400000">
+                  <a:off x="6060" y="12195"/>
+                  <a:ext cx="330" cy="330"/>
+                </a:xfrm>
+                <a:prstGeom prst="straightConnector1">
+                  <a:avLst/>
+                </a:prstGeom>
+                <a:noFill/>
+                <a:ln w="31750">
+                  <a:solidFill>
+                    <a:schemeClr val="dk1">
+                      <a:lumMod val="100000"/>
+                      <a:lumOff val="0"/>
+                    </a:schemeClr>
+                  </a:solidFill>
+                  <a:round/>
+                  <a:headEnd/>
+                  <a:tailEnd/>
+                </a:ln>
+                <a:effectLst/>
+                <a:extLst>
+                  <a:ext uri="{909E8E84-426E-40DD-AFC4-6F175D3DCCD1}">
+                    <a14:hiddenFill xmlns:a14="http://schemas.microsoft.com/office/drawing/2010/main">
+                      <a:noFill/>
+                    </a14:hiddenFill>
+                  </a:ext>
+                  <a:ext uri="{AF507438-7753-43E0-B8FC-AC1667EBCBE1}">
+                    <a14:hiddenEffects xmlns:a14="http://schemas.microsoft.com/office/drawing/2010/main">
+                      <a:effectLst>
+                        <a:outerShdw dist="35921" dir="2700000" algn="ctr" rotWithShape="0">
+                          <a:srgbClr val="868686"/>
+                        </a:outerShdw>
+                      </a:effectLst>
+                    </a14:hiddenEffects>
+                  </a:ext>
+                </a:extLst>
+              </p:spPr>
+            </p:cxnSp>
+          </p:grpSp>
+          <p:sp>
+            <p:nvSpPr>
+              <p:cNvPr id="201" name="Oval 583"/>
+              <p:cNvSpPr>
+                <a:spLocks noChangeArrowheads="1"/>
+              </p:cNvSpPr>
+              <p:nvPr/>
+            </p:nvSpPr>
+            <p:spPr bwMode="auto">
+              <a:xfrm>
+                <a:off x="7849" y="12045"/>
+                <a:ext cx="501" cy="547"/>
+              </a:xfrm>
+              <a:prstGeom prst="ellipse">
+                <a:avLst/>
+              </a:prstGeom>
+              <a:noFill/>
+              <a:ln w="28575">
+                <a:solidFill>
+                  <a:srgbClr val="000000"/>
+                </a:solidFill>
+                <a:round/>
+                <a:headEnd/>
+                <a:tailEnd/>
+              </a:ln>
+              <a:extLst>
+                <a:ext uri="{909E8E84-426E-40DD-AFC4-6F175D3DCCD1}">
+                  <a14:hiddenFill xmlns:a14="http://schemas.microsoft.com/office/drawing/2010/main">
+                    <a:solidFill>
+                      <a:srgbClr val="FFFFFF"/>
+                    </a:solidFill>
+                  </a14:hiddenFill>
+                </a:ext>
+              </a:extLst>
+            </p:spPr>
+            <p:txBody>
+              <a:bodyPr rot="0" vert="horz" wrap="square" lIns="91440" tIns="45720" rIns="91440" bIns="45720" anchor="t" anchorCtr="0" upright="1">
+                <a:noAutofit/>
+              </a:bodyPr>
+              <a:lstStyle/>
+              <a:p>
+                <a:endParaRPr lang="nl-BE"/>
+              </a:p>
+            </p:txBody>
+          </p:sp>
+        </p:grpSp>
+        <p:grpSp>
+          <p:nvGrpSpPr>
+            <p:cNvPr id="190" name="Group 584"/>
+            <p:cNvGrpSpPr>
+              <a:grpSpLocks/>
+            </p:cNvGrpSpPr>
+            <p:nvPr/>
+          </p:nvGrpSpPr>
+          <p:grpSpPr bwMode="auto">
+            <a:xfrm>
+              <a:off x="4842" y="6073"/>
+              <a:ext cx="501" cy="547"/>
+              <a:chOff x="7849" y="12045"/>
+              <a:chExt cx="501" cy="547"/>
+            </a:xfrm>
+          </p:grpSpPr>
+          <p:grpSp>
+            <p:nvGrpSpPr>
+              <p:cNvPr id="196" name="Group 585"/>
+              <p:cNvGrpSpPr>
+                <a:grpSpLocks/>
+              </p:cNvGrpSpPr>
+              <p:nvPr/>
+            </p:nvGrpSpPr>
+            <p:grpSpPr bwMode="auto">
+              <a:xfrm>
+                <a:off x="7920" y="12137"/>
+                <a:ext cx="353" cy="373"/>
+                <a:chOff x="6060" y="12195"/>
+                <a:chExt cx="330" cy="330"/>
+              </a:xfrm>
+            </p:grpSpPr>
+            <p:cxnSp>
+              <p:nvCxnSpPr>
+                <p:cNvPr id="198" name="AutoShape 586"/>
+                <p:cNvCxnSpPr>
+                  <a:cxnSpLocks noChangeShapeType="1"/>
+                </p:cNvCxnSpPr>
+                <p:nvPr/>
+              </p:nvCxnSpPr>
+              <p:spPr bwMode="auto">
+                <a:xfrm>
+                  <a:off x="6060" y="12195"/>
+                  <a:ext cx="330" cy="330"/>
+                </a:xfrm>
+                <a:prstGeom prst="straightConnector1">
+                  <a:avLst/>
+                </a:prstGeom>
+                <a:noFill/>
+                <a:ln w="31750">
+                  <a:solidFill>
+                    <a:schemeClr val="dk1">
+                      <a:lumMod val="100000"/>
+                      <a:lumOff val="0"/>
+                    </a:schemeClr>
+                  </a:solidFill>
+                  <a:round/>
+                  <a:headEnd/>
+                  <a:tailEnd/>
+                </a:ln>
+                <a:effectLst/>
+                <a:extLst>
+                  <a:ext uri="{909E8E84-426E-40DD-AFC4-6F175D3DCCD1}">
+                    <a14:hiddenFill xmlns:a14="http://schemas.microsoft.com/office/drawing/2010/main">
+                      <a:noFill/>
+                    </a14:hiddenFill>
+                  </a:ext>
+                  <a:ext uri="{AF507438-7753-43E0-B8FC-AC1667EBCBE1}">
+                    <a14:hiddenEffects xmlns:a14="http://schemas.microsoft.com/office/drawing/2010/main">
+                      <a:effectLst>
+                        <a:outerShdw dist="35921" dir="2700000" algn="ctr" rotWithShape="0">
+                          <a:srgbClr val="868686"/>
+                        </a:outerShdw>
+                      </a:effectLst>
+                    </a14:hiddenEffects>
+                  </a:ext>
+                </a:extLst>
+              </p:spPr>
+            </p:cxnSp>
+            <p:cxnSp>
+              <p:nvCxnSpPr>
+                <p:cNvPr id="199" name="AutoShape 587"/>
+                <p:cNvCxnSpPr>
+                  <a:cxnSpLocks noChangeShapeType="1"/>
+                </p:cNvCxnSpPr>
+                <p:nvPr/>
+              </p:nvCxnSpPr>
+              <p:spPr bwMode="auto">
+                <a:xfrm rot="-5400000">
+                  <a:off x="6060" y="12195"/>
+                  <a:ext cx="330" cy="330"/>
+                </a:xfrm>
+                <a:prstGeom prst="straightConnector1">
+                  <a:avLst/>
+                </a:prstGeom>
+                <a:noFill/>
+                <a:ln w="31750">
+                  <a:solidFill>
+                    <a:schemeClr val="dk1">
+                      <a:lumMod val="100000"/>
+                      <a:lumOff val="0"/>
+                    </a:schemeClr>
+                  </a:solidFill>
+                  <a:round/>
+                  <a:headEnd/>
+                  <a:tailEnd/>
+                </a:ln>
+                <a:effectLst/>
+                <a:extLst>
+                  <a:ext uri="{909E8E84-426E-40DD-AFC4-6F175D3DCCD1}">
+                    <a14:hiddenFill xmlns:a14="http://schemas.microsoft.com/office/drawing/2010/main">
+                      <a:noFill/>
+                    </a14:hiddenFill>
+                  </a:ext>
+                  <a:ext uri="{AF507438-7753-43E0-B8FC-AC1667EBCBE1}">
+                    <a14:hiddenEffects xmlns:a14="http://schemas.microsoft.com/office/drawing/2010/main">
+                      <a:effectLst>
+                        <a:outerShdw dist="35921" dir="2700000" algn="ctr" rotWithShape="0">
+                          <a:srgbClr val="868686"/>
+                        </a:outerShdw>
+                      </a:effectLst>
+                    </a14:hiddenEffects>
+                  </a:ext>
+                </a:extLst>
+              </p:spPr>
+            </p:cxnSp>
+          </p:grpSp>
+          <p:sp>
+            <p:nvSpPr>
+              <p:cNvPr id="197" name="Oval 588"/>
+              <p:cNvSpPr>
+                <a:spLocks noChangeArrowheads="1"/>
+              </p:cNvSpPr>
+              <p:nvPr/>
+            </p:nvSpPr>
+            <p:spPr bwMode="auto">
+              <a:xfrm>
+                <a:off x="7849" y="12045"/>
+                <a:ext cx="501" cy="547"/>
+              </a:xfrm>
+              <a:prstGeom prst="ellipse">
+                <a:avLst/>
+              </a:prstGeom>
+              <a:noFill/>
+              <a:ln w="28575">
+                <a:solidFill>
+                  <a:srgbClr val="000000"/>
+                </a:solidFill>
+                <a:round/>
+                <a:headEnd/>
+                <a:tailEnd/>
+              </a:ln>
+              <a:extLst>
+                <a:ext uri="{909E8E84-426E-40DD-AFC4-6F175D3DCCD1}">
+                  <a14:hiddenFill xmlns:a14="http://schemas.microsoft.com/office/drawing/2010/main">
+                    <a:solidFill>
+                      <a:srgbClr val="FFFFFF"/>
+                    </a:solidFill>
+                  </a14:hiddenFill>
+                </a:ext>
+              </a:extLst>
+            </p:spPr>
+            <p:txBody>
+              <a:bodyPr rot="0" vert="horz" wrap="square" lIns="91440" tIns="45720" rIns="91440" bIns="45720" anchor="t" anchorCtr="0" upright="1">
+                <a:noAutofit/>
+              </a:bodyPr>
+              <a:lstStyle/>
+              <a:p>
+                <a:endParaRPr lang="nl-BE"/>
+              </a:p>
+            </p:txBody>
+          </p:sp>
+        </p:grpSp>
+        <p:grpSp>
+          <p:nvGrpSpPr>
+            <p:cNvPr id="191" name="Group 589"/>
+            <p:cNvGrpSpPr>
+              <a:grpSpLocks/>
+            </p:cNvGrpSpPr>
+            <p:nvPr/>
+          </p:nvGrpSpPr>
+          <p:grpSpPr bwMode="auto">
+            <a:xfrm>
+              <a:off x="5527" y="6073"/>
+              <a:ext cx="501" cy="547"/>
+              <a:chOff x="7849" y="12045"/>
+              <a:chExt cx="501" cy="547"/>
+            </a:xfrm>
+          </p:grpSpPr>
+          <p:grpSp>
+            <p:nvGrpSpPr>
+              <p:cNvPr id="192" name="Group 590"/>
+              <p:cNvGrpSpPr>
+                <a:grpSpLocks/>
+              </p:cNvGrpSpPr>
+              <p:nvPr/>
+            </p:nvGrpSpPr>
+            <p:grpSpPr bwMode="auto">
+              <a:xfrm>
+                <a:off x="7920" y="12137"/>
+                <a:ext cx="353" cy="373"/>
+                <a:chOff x="6060" y="12195"/>
+                <a:chExt cx="330" cy="330"/>
+              </a:xfrm>
+            </p:grpSpPr>
+            <p:cxnSp>
+              <p:nvCxnSpPr>
+                <p:cNvPr id="194" name="AutoShape 591"/>
+                <p:cNvCxnSpPr>
+                  <a:cxnSpLocks noChangeShapeType="1"/>
+                </p:cNvCxnSpPr>
+                <p:nvPr/>
+              </p:nvCxnSpPr>
+              <p:spPr bwMode="auto">
+                <a:xfrm>
+                  <a:off x="6060" y="12195"/>
+                  <a:ext cx="330" cy="330"/>
+                </a:xfrm>
+                <a:prstGeom prst="straightConnector1">
+                  <a:avLst/>
+                </a:prstGeom>
+                <a:noFill/>
+                <a:ln w="31750">
+                  <a:solidFill>
+                    <a:schemeClr val="dk1">
+                      <a:lumMod val="100000"/>
+                      <a:lumOff val="0"/>
+                    </a:schemeClr>
+                  </a:solidFill>
+                  <a:round/>
+                  <a:headEnd/>
+                  <a:tailEnd/>
+                </a:ln>
+                <a:effectLst/>
+                <a:extLst>
+                  <a:ext uri="{909E8E84-426E-40DD-AFC4-6F175D3DCCD1}">
+                    <a14:hiddenFill xmlns:a14="http://schemas.microsoft.com/office/drawing/2010/main">
+                      <a:noFill/>
+                    </a14:hiddenFill>
+                  </a:ext>
+                  <a:ext uri="{AF507438-7753-43E0-B8FC-AC1667EBCBE1}">
+                    <a14:hiddenEffects xmlns:a14="http://schemas.microsoft.com/office/drawing/2010/main">
+                      <a:effectLst>
+                        <a:outerShdw dist="35921" dir="2700000" algn="ctr" rotWithShape="0">
+                          <a:srgbClr val="868686"/>
+                        </a:outerShdw>
+                      </a:effectLst>
+                    </a14:hiddenEffects>
+                  </a:ext>
+                </a:extLst>
+              </p:spPr>
+            </p:cxnSp>
+            <p:cxnSp>
+              <p:nvCxnSpPr>
+                <p:cNvPr id="195" name="AutoShape 592"/>
+                <p:cNvCxnSpPr>
+                  <a:cxnSpLocks noChangeShapeType="1"/>
+                </p:cNvCxnSpPr>
+                <p:nvPr/>
+              </p:nvCxnSpPr>
+              <p:spPr bwMode="auto">
+                <a:xfrm rot="-5400000">
+                  <a:off x="6060" y="12195"/>
+                  <a:ext cx="330" cy="330"/>
+                </a:xfrm>
+                <a:prstGeom prst="straightConnector1">
+                  <a:avLst/>
+                </a:prstGeom>
+                <a:noFill/>
+                <a:ln w="31750">
+                  <a:solidFill>
+                    <a:schemeClr val="dk1">
+                      <a:lumMod val="100000"/>
+                      <a:lumOff val="0"/>
+                    </a:schemeClr>
+                  </a:solidFill>
+                  <a:round/>
+                  <a:headEnd/>
+                  <a:tailEnd/>
+                </a:ln>
+                <a:effectLst/>
+                <a:extLst>
+                  <a:ext uri="{909E8E84-426E-40DD-AFC4-6F175D3DCCD1}">
+                    <a14:hiddenFill xmlns:a14="http://schemas.microsoft.com/office/drawing/2010/main">
+                      <a:noFill/>
+                    </a14:hiddenFill>
+                  </a:ext>
+                  <a:ext uri="{AF507438-7753-43E0-B8FC-AC1667EBCBE1}">
+                    <a14:hiddenEffects xmlns:a14="http://schemas.microsoft.com/office/drawing/2010/main">
+                      <a:effectLst>
+                        <a:outerShdw dist="35921" dir="2700000" algn="ctr" rotWithShape="0">
+                          <a:srgbClr val="868686"/>
+                        </a:outerShdw>
+                      </a:effectLst>
+                    </a14:hiddenEffects>
+                  </a:ext>
+                </a:extLst>
+              </p:spPr>
+            </p:cxnSp>
+          </p:grpSp>
+          <p:sp>
+            <p:nvSpPr>
+              <p:cNvPr id="193" name="Oval 593"/>
+              <p:cNvSpPr>
+                <a:spLocks noChangeArrowheads="1"/>
+              </p:cNvSpPr>
+              <p:nvPr/>
+            </p:nvSpPr>
+            <p:spPr bwMode="auto">
+              <a:xfrm>
+                <a:off x="7849" y="12045"/>
+                <a:ext cx="501" cy="547"/>
+              </a:xfrm>
+              <a:prstGeom prst="ellipse">
+                <a:avLst/>
+              </a:prstGeom>
+              <a:noFill/>
+              <a:ln w="28575">
+                <a:solidFill>
+                  <a:srgbClr val="000000"/>
+                </a:solidFill>
+                <a:round/>
+                <a:headEnd/>
+                <a:tailEnd/>
+              </a:ln>
+              <a:extLst>
+                <a:ext uri="{909E8E84-426E-40DD-AFC4-6F175D3DCCD1}">
+                  <a14:hiddenFill xmlns:a14="http://schemas.microsoft.com/office/drawing/2010/main">
+                    <a:solidFill>
+                      <a:srgbClr val="FFFFFF"/>
+                    </a:solidFill>
+                  </a14:hiddenFill>
+                </a:ext>
+              </a:extLst>
+            </p:spPr>
+            <p:txBody>
+              <a:bodyPr rot="0" vert="horz" wrap="square" lIns="91440" tIns="45720" rIns="91440" bIns="45720" anchor="t" anchorCtr="0" upright="1">
+                <a:noAutofit/>
+              </a:bodyPr>
+              <a:lstStyle/>
+              <a:p>
+                <a:endParaRPr lang="nl-BE"/>
+              </a:p>
+            </p:txBody>
+          </p:sp>
+        </p:grpSp>
+      </p:grpSp>
+      <p:grpSp>
+        <p:nvGrpSpPr>
+          <p:cNvPr id="92" name="Group 595"/>
+          <p:cNvGrpSpPr>
+            <a:grpSpLocks noChangeAspect="1"/>
+          </p:cNvGrpSpPr>
+          <p:nvPr/>
+        </p:nvGrpSpPr>
+        <p:grpSpPr bwMode="auto">
+          <a:xfrm>
+            <a:off x="6690120" y="1563688"/>
+            <a:ext cx="2920411" cy="3052690"/>
+            <a:chOff x="3467" y="3943"/>
+            <a:chExt cx="2561" cy="2677"/>
+          </a:xfrm>
+        </p:grpSpPr>
+        <p:grpSp>
+          <p:nvGrpSpPr>
+            <p:cNvPr id="96" name="Group 596"/>
+            <p:cNvGrpSpPr>
+              <a:grpSpLocks/>
+            </p:cNvGrpSpPr>
+            <p:nvPr/>
+          </p:nvGrpSpPr>
+          <p:grpSpPr bwMode="auto">
+            <a:xfrm>
+              <a:off x="3467" y="3943"/>
+              <a:ext cx="501" cy="547"/>
+              <a:chOff x="7849" y="12045"/>
+              <a:chExt cx="501" cy="547"/>
+            </a:xfrm>
+          </p:grpSpPr>
+          <p:grpSp>
+            <p:nvGrpSpPr>
+              <p:cNvPr id="172" name="Group 597"/>
+              <p:cNvGrpSpPr>
+                <a:grpSpLocks/>
+              </p:cNvGrpSpPr>
+              <p:nvPr/>
+            </p:nvGrpSpPr>
+            <p:grpSpPr bwMode="auto">
+              <a:xfrm>
+                <a:off x="7920" y="12137"/>
+                <a:ext cx="353" cy="373"/>
+                <a:chOff x="6060" y="12195"/>
+                <a:chExt cx="330" cy="330"/>
+              </a:xfrm>
+            </p:grpSpPr>
+            <p:cxnSp>
+              <p:nvCxnSpPr>
+                <p:cNvPr id="174" name="AutoShape 598"/>
+                <p:cNvCxnSpPr>
+                  <a:cxnSpLocks noChangeShapeType="1"/>
+                </p:cNvCxnSpPr>
+                <p:nvPr/>
+              </p:nvCxnSpPr>
+              <p:spPr bwMode="auto">
+                <a:xfrm>
+                  <a:off x="6060" y="12195"/>
+                  <a:ext cx="330" cy="330"/>
+                </a:xfrm>
+                <a:prstGeom prst="straightConnector1">
+                  <a:avLst/>
+                </a:prstGeom>
+                <a:noFill/>
+                <a:ln w="31750">
+                  <a:solidFill>
+                    <a:schemeClr val="dk1">
+                      <a:lumMod val="100000"/>
+                      <a:lumOff val="0"/>
+                    </a:schemeClr>
+                  </a:solidFill>
+                  <a:round/>
+                  <a:headEnd/>
+                  <a:tailEnd/>
+                </a:ln>
+                <a:effectLst/>
+                <a:extLst>
+                  <a:ext uri="{909E8E84-426E-40DD-AFC4-6F175D3DCCD1}">
+                    <a14:hiddenFill xmlns:a14="http://schemas.microsoft.com/office/drawing/2010/main">
+                      <a:noFill/>
+                    </a14:hiddenFill>
+                  </a:ext>
+                  <a:ext uri="{AF507438-7753-43E0-B8FC-AC1667EBCBE1}">
+                    <a14:hiddenEffects xmlns:a14="http://schemas.microsoft.com/office/drawing/2010/main">
+                      <a:effectLst>
+                        <a:outerShdw dist="35921" dir="2700000" algn="ctr" rotWithShape="0">
+                          <a:srgbClr val="868686"/>
+                        </a:outerShdw>
+                      </a:effectLst>
+                    </a14:hiddenEffects>
+                  </a:ext>
+                </a:extLst>
+              </p:spPr>
+            </p:cxnSp>
+            <p:cxnSp>
+              <p:nvCxnSpPr>
+                <p:cNvPr id="175" name="AutoShape 599"/>
+                <p:cNvCxnSpPr>
+                  <a:cxnSpLocks noChangeShapeType="1"/>
+                </p:cNvCxnSpPr>
+                <p:nvPr/>
+              </p:nvCxnSpPr>
+              <p:spPr bwMode="auto">
+                <a:xfrm rot="-5400000">
+                  <a:off x="6060" y="12195"/>
+                  <a:ext cx="330" cy="330"/>
+                </a:xfrm>
+                <a:prstGeom prst="straightConnector1">
+                  <a:avLst/>
+                </a:prstGeom>
+                <a:noFill/>
+                <a:ln w="31750">
+                  <a:solidFill>
+                    <a:schemeClr val="dk1">
+                      <a:lumMod val="100000"/>
+                      <a:lumOff val="0"/>
+                    </a:schemeClr>
+                  </a:solidFill>
+                  <a:round/>
+                  <a:headEnd/>
+                  <a:tailEnd/>
+                </a:ln>
+                <a:effectLst/>
+                <a:extLst>
+                  <a:ext uri="{909E8E84-426E-40DD-AFC4-6F175D3DCCD1}">
+                    <a14:hiddenFill xmlns:a14="http://schemas.microsoft.com/office/drawing/2010/main">
+                      <a:noFill/>
+                    </a14:hiddenFill>
+                  </a:ext>
+                  <a:ext uri="{AF507438-7753-43E0-B8FC-AC1667EBCBE1}">
+                    <a14:hiddenEffects xmlns:a14="http://schemas.microsoft.com/office/drawing/2010/main">
+                      <a:effectLst>
+                        <a:outerShdw dist="35921" dir="2700000" algn="ctr" rotWithShape="0">
+                          <a:srgbClr val="868686"/>
+                        </a:outerShdw>
+                      </a:effectLst>
+                    </a14:hiddenEffects>
+                  </a:ext>
+                </a:extLst>
+              </p:spPr>
+            </p:cxnSp>
+          </p:grpSp>
+          <p:sp>
+            <p:nvSpPr>
+              <p:cNvPr id="173" name="Oval 600"/>
+              <p:cNvSpPr>
+                <a:spLocks noChangeArrowheads="1"/>
+              </p:cNvSpPr>
+              <p:nvPr/>
+            </p:nvSpPr>
+            <p:spPr bwMode="auto">
+              <a:xfrm>
+                <a:off x="7849" y="12045"/>
+                <a:ext cx="501" cy="547"/>
+              </a:xfrm>
+              <a:prstGeom prst="ellipse">
+                <a:avLst/>
+              </a:prstGeom>
+              <a:noFill/>
+              <a:ln w="28575">
+                <a:solidFill>
+                  <a:srgbClr val="000000"/>
+                </a:solidFill>
+                <a:round/>
+                <a:headEnd/>
+                <a:tailEnd/>
+              </a:ln>
+              <a:extLst>
+                <a:ext uri="{909E8E84-426E-40DD-AFC4-6F175D3DCCD1}">
+                  <a14:hiddenFill xmlns:a14="http://schemas.microsoft.com/office/drawing/2010/main">
+                    <a:solidFill>
+                      <a:srgbClr val="FFFFFF"/>
+                    </a:solidFill>
+                  </a14:hiddenFill>
+                </a:ext>
+              </a:extLst>
+            </p:spPr>
+            <p:txBody>
+              <a:bodyPr rot="0" vert="horz" wrap="square" lIns="91440" tIns="45720" rIns="91440" bIns="45720" anchor="t" anchorCtr="0" upright="1">
+                <a:noAutofit/>
+              </a:bodyPr>
+              <a:lstStyle/>
+              <a:p>
+                <a:endParaRPr lang="nl-BE"/>
+              </a:p>
+            </p:txBody>
+          </p:sp>
+        </p:grpSp>
+        <p:grpSp>
+          <p:nvGrpSpPr>
+            <p:cNvPr id="97" name="Group 601"/>
+            <p:cNvGrpSpPr>
+              <a:grpSpLocks/>
+            </p:cNvGrpSpPr>
+            <p:nvPr/>
+          </p:nvGrpSpPr>
+          <p:grpSpPr bwMode="auto">
+            <a:xfrm>
+              <a:off x="4165" y="3943"/>
+              <a:ext cx="501" cy="547"/>
+              <a:chOff x="7849" y="12045"/>
+              <a:chExt cx="501" cy="547"/>
+            </a:xfrm>
+          </p:grpSpPr>
+          <p:grpSp>
+            <p:nvGrpSpPr>
+              <p:cNvPr id="168" name="Group 602"/>
+              <p:cNvGrpSpPr>
+                <a:grpSpLocks/>
+              </p:cNvGrpSpPr>
+              <p:nvPr/>
+            </p:nvGrpSpPr>
+            <p:grpSpPr bwMode="auto">
+              <a:xfrm>
+                <a:off x="7920" y="12137"/>
+                <a:ext cx="353" cy="373"/>
+                <a:chOff x="6060" y="12195"/>
+                <a:chExt cx="330" cy="330"/>
+              </a:xfrm>
+            </p:grpSpPr>
+            <p:cxnSp>
+              <p:nvCxnSpPr>
+                <p:cNvPr id="170" name="AutoShape 603"/>
+                <p:cNvCxnSpPr>
+                  <a:cxnSpLocks noChangeShapeType="1"/>
+                </p:cNvCxnSpPr>
+                <p:nvPr/>
+              </p:nvCxnSpPr>
+              <p:spPr bwMode="auto">
+                <a:xfrm>
+                  <a:off x="6060" y="12195"/>
+                  <a:ext cx="330" cy="330"/>
+                </a:xfrm>
+                <a:prstGeom prst="straightConnector1">
+                  <a:avLst/>
+                </a:prstGeom>
+                <a:noFill/>
+                <a:ln w="31750">
+                  <a:solidFill>
+                    <a:schemeClr val="dk1">
+                      <a:lumMod val="100000"/>
+                      <a:lumOff val="0"/>
+                    </a:schemeClr>
+                  </a:solidFill>
+                  <a:round/>
+                  <a:headEnd/>
+                  <a:tailEnd/>
+                </a:ln>
+                <a:effectLst/>
+                <a:extLst>
+                  <a:ext uri="{909E8E84-426E-40DD-AFC4-6F175D3DCCD1}">
+                    <a14:hiddenFill xmlns:a14="http://schemas.microsoft.com/office/drawing/2010/main">
+                      <a:noFill/>
+                    </a14:hiddenFill>
+                  </a:ext>
+                  <a:ext uri="{AF507438-7753-43E0-B8FC-AC1667EBCBE1}">
+                    <a14:hiddenEffects xmlns:a14="http://schemas.microsoft.com/office/drawing/2010/main">
+                      <a:effectLst>
+                        <a:outerShdw dist="35921" dir="2700000" algn="ctr" rotWithShape="0">
+                          <a:srgbClr val="868686"/>
+                        </a:outerShdw>
+                      </a:effectLst>
+                    </a14:hiddenEffects>
+                  </a:ext>
+                </a:extLst>
+              </p:spPr>
+            </p:cxnSp>
+            <p:cxnSp>
+              <p:nvCxnSpPr>
+                <p:cNvPr id="171" name="AutoShape 604"/>
+                <p:cNvCxnSpPr>
+                  <a:cxnSpLocks noChangeShapeType="1"/>
+                </p:cNvCxnSpPr>
+                <p:nvPr/>
+              </p:nvCxnSpPr>
+              <p:spPr bwMode="auto">
+                <a:xfrm rot="-5400000">
+                  <a:off x="6060" y="12195"/>
+                  <a:ext cx="330" cy="330"/>
+                </a:xfrm>
+                <a:prstGeom prst="straightConnector1">
+                  <a:avLst/>
+                </a:prstGeom>
+                <a:noFill/>
+                <a:ln w="31750">
+                  <a:solidFill>
+                    <a:schemeClr val="dk1">
+                      <a:lumMod val="100000"/>
+                      <a:lumOff val="0"/>
+                    </a:schemeClr>
+                  </a:solidFill>
+                  <a:round/>
+                  <a:headEnd/>
+                  <a:tailEnd/>
+                </a:ln>
+                <a:effectLst/>
+                <a:extLst>
+                  <a:ext uri="{909E8E84-426E-40DD-AFC4-6F175D3DCCD1}">
+                    <a14:hiddenFill xmlns:a14="http://schemas.microsoft.com/office/drawing/2010/main">
+                      <a:noFill/>
+                    </a14:hiddenFill>
+                  </a:ext>
+                  <a:ext uri="{AF507438-7753-43E0-B8FC-AC1667EBCBE1}">
+                    <a14:hiddenEffects xmlns:a14="http://schemas.microsoft.com/office/drawing/2010/main">
+                      <a:effectLst>
+                        <a:outerShdw dist="35921" dir="2700000" algn="ctr" rotWithShape="0">
+                          <a:srgbClr val="868686"/>
+                        </a:outerShdw>
+                      </a:effectLst>
+                    </a14:hiddenEffects>
+                  </a:ext>
+                </a:extLst>
+              </p:spPr>
+            </p:cxnSp>
+          </p:grpSp>
+          <p:sp>
+            <p:nvSpPr>
+              <p:cNvPr id="169" name="Oval 605"/>
+              <p:cNvSpPr>
+                <a:spLocks noChangeArrowheads="1"/>
+              </p:cNvSpPr>
+              <p:nvPr/>
+            </p:nvSpPr>
+            <p:spPr bwMode="auto">
+              <a:xfrm>
+                <a:off x="7849" y="12045"/>
+                <a:ext cx="501" cy="547"/>
+              </a:xfrm>
+              <a:prstGeom prst="ellipse">
+                <a:avLst/>
+              </a:prstGeom>
+              <a:noFill/>
+              <a:ln w="28575">
+                <a:solidFill>
+                  <a:srgbClr val="000000"/>
+                </a:solidFill>
+                <a:round/>
+                <a:headEnd/>
+                <a:tailEnd/>
+              </a:ln>
+              <a:extLst>
+                <a:ext uri="{909E8E84-426E-40DD-AFC4-6F175D3DCCD1}">
+                  <a14:hiddenFill xmlns:a14="http://schemas.microsoft.com/office/drawing/2010/main">
+                    <a:solidFill>
+                      <a:srgbClr val="FFFFFF"/>
+                    </a:solidFill>
+                  </a14:hiddenFill>
+                </a:ext>
+              </a:extLst>
+            </p:spPr>
+            <p:txBody>
+              <a:bodyPr rot="0" vert="horz" wrap="square" lIns="91440" tIns="45720" rIns="91440" bIns="45720" anchor="t" anchorCtr="0" upright="1">
+                <a:noAutofit/>
+              </a:bodyPr>
+              <a:lstStyle/>
+              <a:p>
+                <a:endParaRPr lang="nl-BE"/>
+              </a:p>
+            </p:txBody>
+          </p:sp>
+        </p:grpSp>
+        <p:grpSp>
+          <p:nvGrpSpPr>
+            <p:cNvPr id="98" name="Group 606"/>
+            <p:cNvGrpSpPr>
+              <a:grpSpLocks/>
+            </p:cNvGrpSpPr>
+            <p:nvPr/>
+          </p:nvGrpSpPr>
+          <p:grpSpPr bwMode="auto">
+            <a:xfrm>
+              <a:off x="4842" y="3943"/>
+              <a:ext cx="501" cy="547"/>
+              <a:chOff x="7849" y="12045"/>
+              <a:chExt cx="501" cy="547"/>
+            </a:xfrm>
+          </p:grpSpPr>
+          <p:grpSp>
+            <p:nvGrpSpPr>
+              <p:cNvPr id="164" name="Group 607"/>
+              <p:cNvGrpSpPr>
+                <a:grpSpLocks/>
+              </p:cNvGrpSpPr>
+              <p:nvPr/>
+            </p:nvGrpSpPr>
+            <p:grpSpPr bwMode="auto">
+              <a:xfrm>
+                <a:off x="7920" y="12137"/>
+                <a:ext cx="353" cy="373"/>
+                <a:chOff x="6060" y="12195"/>
+                <a:chExt cx="330" cy="330"/>
+              </a:xfrm>
+            </p:grpSpPr>
+            <p:cxnSp>
+              <p:nvCxnSpPr>
+                <p:cNvPr id="166" name="AutoShape 608"/>
+                <p:cNvCxnSpPr>
+                  <a:cxnSpLocks noChangeShapeType="1"/>
+                </p:cNvCxnSpPr>
+                <p:nvPr/>
+              </p:nvCxnSpPr>
+              <p:spPr bwMode="auto">
+                <a:xfrm>
+                  <a:off x="6060" y="12195"/>
+                  <a:ext cx="330" cy="330"/>
+                </a:xfrm>
+                <a:prstGeom prst="straightConnector1">
+                  <a:avLst/>
+                </a:prstGeom>
+                <a:noFill/>
+                <a:ln w="31750">
+                  <a:solidFill>
+                    <a:schemeClr val="dk1">
+                      <a:lumMod val="100000"/>
+                      <a:lumOff val="0"/>
+                    </a:schemeClr>
+                  </a:solidFill>
+                  <a:round/>
+                  <a:headEnd/>
+                  <a:tailEnd/>
+                </a:ln>
+                <a:effectLst/>
+                <a:extLst>
+                  <a:ext uri="{909E8E84-426E-40DD-AFC4-6F175D3DCCD1}">
+                    <a14:hiddenFill xmlns:a14="http://schemas.microsoft.com/office/drawing/2010/main">
+                      <a:noFill/>
+                    </a14:hiddenFill>
+                  </a:ext>
+                  <a:ext uri="{AF507438-7753-43E0-B8FC-AC1667EBCBE1}">
+                    <a14:hiddenEffects xmlns:a14="http://schemas.microsoft.com/office/drawing/2010/main">
+                      <a:effectLst>
+                        <a:outerShdw dist="35921" dir="2700000" algn="ctr" rotWithShape="0">
+                          <a:srgbClr val="868686"/>
+                        </a:outerShdw>
+                      </a:effectLst>
+                    </a14:hiddenEffects>
+                  </a:ext>
+                </a:extLst>
+              </p:spPr>
+            </p:cxnSp>
+            <p:cxnSp>
+              <p:nvCxnSpPr>
+                <p:cNvPr id="167" name="AutoShape 609"/>
+                <p:cNvCxnSpPr>
+                  <a:cxnSpLocks noChangeShapeType="1"/>
+                </p:cNvCxnSpPr>
+                <p:nvPr/>
+              </p:nvCxnSpPr>
+              <p:spPr bwMode="auto">
+                <a:xfrm rot="-5400000">
+                  <a:off x="6060" y="12195"/>
+                  <a:ext cx="330" cy="330"/>
+                </a:xfrm>
+                <a:prstGeom prst="straightConnector1">
+                  <a:avLst/>
+                </a:prstGeom>
+                <a:noFill/>
+                <a:ln w="31750">
+                  <a:solidFill>
+                    <a:schemeClr val="dk1">
+                      <a:lumMod val="100000"/>
+                      <a:lumOff val="0"/>
+                    </a:schemeClr>
+                  </a:solidFill>
+                  <a:round/>
+                  <a:headEnd/>
+                  <a:tailEnd/>
+                </a:ln>
+                <a:effectLst/>
+                <a:extLst>
+                  <a:ext uri="{909E8E84-426E-40DD-AFC4-6F175D3DCCD1}">
+                    <a14:hiddenFill xmlns:a14="http://schemas.microsoft.com/office/drawing/2010/main">
+                      <a:noFill/>
+                    </a14:hiddenFill>
+                  </a:ext>
+                  <a:ext uri="{AF507438-7753-43E0-B8FC-AC1667EBCBE1}">
+                    <a14:hiddenEffects xmlns:a14="http://schemas.microsoft.com/office/drawing/2010/main">
+                      <a:effectLst>
+                        <a:outerShdw dist="35921" dir="2700000" algn="ctr" rotWithShape="0">
+                          <a:srgbClr val="868686"/>
+                        </a:outerShdw>
+                      </a:effectLst>
+                    </a14:hiddenEffects>
+                  </a:ext>
+                </a:extLst>
+              </p:spPr>
+            </p:cxnSp>
+          </p:grpSp>
+          <p:sp>
+            <p:nvSpPr>
+              <p:cNvPr id="165" name="Oval 610"/>
+              <p:cNvSpPr>
+                <a:spLocks noChangeArrowheads="1"/>
+              </p:cNvSpPr>
+              <p:nvPr/>
+            </p:nvSpPr>
+            <p:spPr bwMode="auto">
+              <a:xfrm>
+                <a:off x="7849" y="12045"/>
+                <a:ext cx="501" cy="547"/>
+              </a:xfrm>
+              <a:prstGeom prst="ellipse">
+                <a:avLst/>
+              </a:prstGeom>
+              <a:noFill/>
+              <a:ln w="28575">
+                <a:solidFill>
+                  <a:srgbClr val="000000"/>
+                </a:solidFill>
+                <a:round/>
+                <a:headEnd/>
+                <a:tailEnd/>
+              </a:ln>
+              <a:extLst>
+                <a:ext uri="{909E8E84-426E-40DD-AFC4-6F175D3DCCD1}">
+                  <a14:hiddenFill xmlns:a14="http://schemas.microsoft.com/office/drawing/2010/main">
+                    <a:solidFill>
+                      <a:srgbClr val="FFFFFF"/>
+                    </a:solidFill>
+                  </a14:hiddenFill>
+                </a:ext>
+              </a:extLst>
+            </p:spPr>
+            <p:txBody>
+              <a:bodyPr rot="0" vert="horz" wrap="square" lIns="91440" tIns="45720" rIns="91440" bIns="45720" anchor="t" anchorCtr="0" upright="1">
+                <a:noAutofit/>
+              </a:bodyPr>
+              <a:lstStyle/>
+              <a:p>
+                <a:endParaRPr lang="nl-BE"/>
+              </a:p>
+            </p:txBody>
+          </p:sp>
+        </p:grpSp>
+        <p:grpSp>
+          <p:nvGrpSpPr>
+            <p:cNvPr id="99" name="Group 611"/>
+            <p:cNvGrpSpPr>
+              <a:grpSpLocks/>
+            </p:cNvGrpSpPr>
+            <p:nvPr/>
+          </p:nvGrpSpPr>
+          <p:grpSpPr bwMode="auto">
+            <a:xfrm>
+              <a:off x="5527" y="3943"/>
+              <a:ext cx="501" cy="547"/>
+              <a:chOff x="7849" y="12045"/>
+              <a:chExt cx="501" cy="547"/>
+            </a:xfrm>
+          </p:grpSpPr>
+          <p:grpSp>
+            <p:nvGrpSpPr>
+              <p:cNvPr id="160" name="Group 612"/>
+              <p:cNvGrpSpPr>
+                <a:grpSpLocks/>
+              </p:cNvGrpSpPr>
+              <p:nvPr/>
+            </p:nvGrpSpPr>
+            <p:grpSpPr bwMode="auto">
+              <a:xfrm>
+                <a:off x="7920" y="12137"/>
+                <a:ext cx="353" cy="373"/>
+                <a:chOff x="6060" y="12195"/>
+                <a:chExt cx="330" cy="330"/>
+              </a:xfrm>
+            </p:grpSpPr>
+            <p:cxnSp>
+              <p:nvCxnSpPr>
+                <p:cNvPr id="162" name="AutoShape 613"/>
+                <p:cNvCxnSpPr>
+                  <a:cxnSpLocks noChangeShapeType="1"/>
+                </p:cNvCxnSpPr>
+                <p:nvPr/>
+              </p:nvCxnSpPr>
+              <p:spPr bwMode="auto">
+                <a:xfrm>
+                  <a:off x="6060" y="12195"/>
+                  <a:ext cx="330" cy="330"/>
+                </a:xfrm>
+                <a:prstGeom prst="straightConnector1">
+                  <a:avLst/>
+                </a:prstGeom>
+                <a:noFill/>
+                <a:ln w="31750">
+                  <a:solidFill>
+                    <a:schemeClr val="dk1">
+                      <a:lumMod val="100000"/>
+                      <a:lumOff val="0"/>
+                    </a:schemeClr>
+                  </a:solidFill>
+                  <a:round/>
+                  <a:headEnd/>
+                  <a:tailEnd/>
+                </a:ln>
+                <a:effectLst/>
+                <a:extLst>
+                  <a:ext uri="{909E8E84-426E-40DD-AFC4-6F175D3DCCD1}">
+                    <a14:hiddenFill xmlns:a14="http://schemas.microsoft.com/office/drawing/2010/main">
+                      <a:noFill/>
+                    </a14:hiddenFill>
+                  </a:ext>
+                  <a:ext uri="{AF507438-7753-43E0-B8FC-AC1667EBCBE1}">
+                    <a14:hiddenEffects xmlns:a14="http://schemas.microsoft.com/office/drawing/2010/main">
+                      <a:effectLst>
+                        <a:outerShdw dist="35921" dir="2700000" algn="ctr" rotWithShape="0">
+                          <a:srgbClr val="868686"/>
+                        </a:outerShdw>
+                      </a:effectLst>
+                    </a14:hiddenEffects>
+                  </a:ext>
+                </a:extLst>
+              </p:spPr>
+            </p:cxnSp>
+            <p:cxnSp>
+              <p:nvCxnSpPr>
+                <p:cNvPr id="163" name="AutoShape 614"/>
+                <p:cNvCxnSpPr>
+                  <a:cxnSpLocks noChangeShapeType="1"/>
+                </p:cNvCxnSpPr>
+                <p:nvPr/>
+              </p:nvCxnSpPr>
+              <p:spPr bwMode="auto">
+                <a:xfrm rot="-5400000">
+                  <a:off x="6060" y="12195"/>
+                  <a:ext cx="330" cy="330"/>
+                </a:xfrm>
+                <a:prstGeom prst="straightConnector1">
+                  <a:avLst/>
+                </a:prstGeom>
+                <a:noFill/>
+                <a:ln w="31750">
+                  <a:solidFill>
+                    <a:schemeClr val="dk1">
+                      <a:lumMod val="100000"/>
+                      <a:lumOff val="0"/>
+                    </a:schemeClr>
+                  </a:solidFill>
+                  <a:round/>
+                  <a:headEnd/>
+                  <a:tailEnd/>
+                </a:ln>
+                <a:effectLst/>
+                <a:extLst>
+                  <a:ext uri="{909E8E84-426E-40DD-AFC4-6F175D3DCCD1}">
+                    <a14:hiddenFill xmlns:a14="http://schemas.microsoft.com/office/drawing/2010/main">
+                      <a:noFill/>
+                    </a14:hiddenFill>
+                  </a:ext>
+                  <a:ext uri="{AF507438-7753-43E0-B8FC-AC1667EBCBE1}">
+                    <a14:hiddenEffects xmlns:a14="http://schemas.microsoft.com/office/drawing/2010/main">
+                      <a:effectLst>
+                        <a:outerShdw dist="35921" dir="2700000" algn="ctr" rotWithShape="0">
+                          <a:srgbClr val="868686"/>
+                        </a:outerShdw>
+                      </a:effectLst>
+                    </a14:hiddenEffects>
+                  </a:ext>
+                </a:extLst>
+              </p:spPr>
+            </p:cxnSp>
+          </p:grpSp>
+          <p:sp>
+            <p:nvSpPr>
+              <p:cNvPr id="161" name="Oval 615"/>
+              <p:cNvSpPr>
+                <a:spLocks noChangeArrowheads="1"/>
+              </p:cNvSpPr>
+              <p:nvPr/>
+            </p:nvSpPr>
+            <p:spPr bwMode="auto">
+              <a:xfrm>
+                <a:off x="7849" y="12045"/>
+                <a:ext cx="501" cy="547"/>
+              </a:xfrm>
+              <a:prstGeom prst="ellipse">
+                <a:avLst/>
+              </a:prstGeom>
+              <a:noFill/>
+              <a:ln w="28575">
+                <a:solidFill>
+                  <a:srgbClr val="000000"/>
+                </a:solidFill>
+                <a:round/>
+                <a:headEnd/>
+                <a:tailEnd/>
+              </a:ln>
+              <a:extLst>
+                <a:ext uri="{909E8E84-426E-40DD-AFC4-6F175D3DCCD1}">
+                  <a14:hiddenFill xmlns:a14="http://schemas.microsoft.com/office/drawing/2010/main">
+                    <a:solidFill>
+                      <a:srgbClr val="FFFFFF"/>
+                    </a:solidFill>
+                  </a14:hiddenFill>
+                </a:ext>
+              </a:extLst>
+            </p:spPr>
+            <p:txBody>
+              <a:bodyPr rot="0" vert="horz" wrap="square" lIns="91440" tIns="45720" rIns="91440" bIns="45720" anchor="t" anchorCtr="0" upright="1">
+                <a:noAutofit/>
+              </a:bodyPr>
+              <a:lstStyle/>
+              <a:p>
+                <a:endParaRPr lang="nl-BE"/>
+              </a:p>
+            </p:txBody>
+          </p:sp>
+        </p:grpSp>
+        <p:grpSp>
+          <p:nvGrpSpPr>
+            <p:cNvPr id="100" name="Group 616"/>
+            <p:cNvGrpSpPr>
+              <a:grpSpLocks/>
+            </p:cNvGrpSpPr>
+            <p:nvPr/>
+          </p:nvGrpSpPr>
+          <p:grpSpPr bwMode="auto">
+            <a:xfrm>
+              <a:off x="3467" y="4630"/>
+              <a:ext cx="501" cy="547"/>
+              <a:chOff x="7849" y="12045"/>
+              <a:chExt cx="501" cy="547"/>
+            </a:xfrm>
+          </p:grpSpPr>
+          <p:grpSp>
+            <p:nvGrpSpPr>
+              <p:cNvPr id="156" name="Group 617"/>
+              <p:cNvGrpSpPr>
+                <a:grpSpLocks/>
+              </p:cNvGrpSpPr>
+              <p:nvPr/>
+            </p:nvGrpSpPr>
+            <p:grpSpPr bwMode="auto">
+              <a:xfrm>
+                <a:off x="7920" y="12137"/>
+                <a:ext cx="353" cy="373"/>
+                <a:chOff x="6060" y="12195"/>
+                <a:chExt cx="330" cy="330"/>
+              </a:xfrm>
+            </p:grpSpPr>
+            <p:cxnSp>
+              <p:nvCxnSpPr>
+                <p:cNvPr id="158" name="AutoShape 618"/>
+                <p:cNvCxnSpPr>
+                  <a:cxnSpLocks noChangeShapeType="1"/>
+                </p:cNvCxnSpPr>
+                <p:nvPr/>
+              </p:nvCxnSpPr>
+              <p:spPr bwMode="auto">
+                <a:xfrm>
+                  <a:off x="6060" y="12195"/>
+                  <a:ext cx="330" cy="330"/>
+                </a:xfrm>
+                <a:prstGeom prst="straightConnector1">
+                  <a:avLst/>
+                </a:prstGeom>
+                <a:noFill/>
+                <a:ln w="31750">
+                  <a:solidFill>
+                    <a:schemeClr val="dk1">
+                      <a:lumMod val="100000"/>
+                      <a:lumOff val="0"/>
+                    </a:schemeClr>
+                  </a:solidFill>
+                  <a:round/>
+                  <a:headEnd/>
+                  <a:tailEnd/>
+                </a:ln>
+                <a:effectLst/>
+                <a:extLst>
+                  <a:ext uri="{909E8E84-426E-40DD-AFC4-6F175D3DCCD1}">
+                    <a14:hiddenFill xmlns:a14="http://schemas.microsoft.com/office/drawing/2010/main">
+                      <a:noFill/>
+                    </a14:hiddenFill>
+                  </a:ext>
+                  <a:ext uri="{AF507438-7753-43E0-B8FC-AC1667EBCBE1}">
+                    <a14:hiddenEffects xmlns:a14="http://schemas.microsoft.com/office/drawing/2010/main">
+                      <a:effectLst>
+                        <a:outerShdw dist="35921" dir="2700000" algn="ctr" rotWithShape="0">
+                          <a:srgbClr val="868686"/>
+                        </a:outerShdw>
+                      </a:effectLst>
+                    </a14:hiddenEffects>
+                  </a:ext>
+                </a:extLst>
+              </p:spPr>
+            </p:cxnSp>
+            <p:cxnSp>
+              <p:nvCxnSpPr>
+                <p:cNvPr id="159" name="AutoShape 619"/>
+                <p:cNvCxnSpPr>
+                  <a:cxnSpLocks noChangeShapeType="1"/>
+                </p:cNvCxnSpPr>
+                <p:nvPr/>
+              </p:nvCxnSpPr>
+              <p:spPr bwMode="auto">
+                <a:xfrm rot="-5400000">
+                  <a:off x="6060" y="12195"/>
+                  <a:ext cx="330" cy="330"/>
+                </a:xfrm>
+                <a:prstGeom prst="straightConnector1">
+                  <a:avLst/>
+                </a:prstGeom>
+                <a:noFill/>
+                <a:ln w="31750">
+                  <a:solidFill>
+                    <a:schemeClr val="dk1">
+                      <a:lumMod val="100000"/>
+                      <a:lumOff val="0"/>
+                    </a:schemeClr>
+                  </a:solidFill>
+                  <a:round/>
+                  <a:headEnd/>
+                  <a:tailEnd/>
+                </a:ln>
+                <a:effectLst/>
+                <a:extLst>
+                  <a:ext uri="{909E8E84-426E-40DD-AFC4-6F175D3DCCD1}">
+                    <a14:hiddenFill xmlns:a14="http://schemas.microsoft.com/office/drawing/2010/main">
+                      <a:noFill/>
+                    </a14:hiddenFill>
+                  </a:ext>
+                  <a:ext uri="{AF507438-7753-43E0-B8FC-AC1667EBCBE1}">
+                    <a14:hiddenEffects xmlns:a14="http://schemas.microsoft.com/office/drawing/2010/main">
+                      <a:effectLst>
+                        <a:outerShdw dist="35921" dir="2700000" algn="ctr" rotWithShape="0">
+                          <a:srgbClr val="868686"/>
+                        </a:outerShdw>
+                      </a:effectLst>
+                    </a14:hiddenEffects>
+                  </a:ext>
+                </a:extLst>
+              </p:spPr>
+            </p:cxnSp>
+          </p:grpSp>
+          <p:sp>
+            <p:nvSpPr>
+              <p:cNvPr id="157" name="Oval 620"/>
+              <p:cNvSpPr>
+                <a:spLocks noChangeArrowheads="1"/>
+              </p:cNvSpPr>
+              <p:nvPr/>
+            </p:nvSpPr>
+            <p:spPr bwMode="auto">
+              <a:xfrm>
+                <a:off x="7849" y="12045"/>
+                <a:ext cx="501" cy="547"/>
+              </a:xfrm>
+              <a:prstGeom prst="ellipse">
+                <a:avLst/>
+              </a:prstGeom>
+              <a:noFill/>
+              <a:ln w="28575">
+                <a:solidFill>
+                  <a:srgbClr val="000000"/>
+                </a:solidFill>
+                <a:round/>
+                <a:headEnd/>
+                <a:tailEnd/>
+              </a:ln>
+              <a:extLst>
+                <a:ext uri="{909E8E84-426E-40DD-AFC4-6F175D3DCCD1}">
+                  <a14:hiddenFill xmlns:a14="http://schemas.microsoft.com/office/drawing/2010/main">
+                    <a:solidFill>
+                      <a:srgbClr val="FFFFFF"/>
+                    </a:solidFill>
+                  </a14:hiddenFill>
+                </a:ext>
+              </a:extLst>
+            </p:spPr>
+            <p:txBody>
+              <a:bodyPr rot="0" vert="horz" wrap="square" lIns="91440" tIns="45720" rIns="91440" bIns="45720" anchor="t" anchorCtr="0" upright="1">
+                <a:noAutofit/>
+              </a:bodyPr>
+              <a:lstStyle/>
+              <a:p>
+                <a:endParaRPr lang="nl-BE"/>
+              </a:p>
+            </p:txBody>
+          </p:sp>
+        </p:grpSp>
+        <p:grpSp>
+          <p:nvGrpSpPr>
+            <p:cNvPr id="101" name="Group 621"/>
+            <p:cNvGrpSpPr>
+              <a:grpSpLocks/>
+            </p:cNvGrpSpPr>
+            <p:nvPr/>
+          </p:nvGrpSpPr>
+          <p:grpSpPr bwMode="auto">
+            <a:xfrm>
+              <a:off x="4165" y="4630"/>
+              <a:ext cx="501" cy="547"/>
+              <a:chOff x="7849" y="12045"/>
+              <a:chExt cx="501" cy="547"/>
+            </a:xfrm>
+          </p:grpSpPr>
+          <p:grpSp>
+            <p:nvGrpSpPr>
+              <p:cNvPr id="152" name="Group 622"/>
+              <p:cNvGrpSpPr>
+                <a:grpSpLocks/>
+              </p:cNvGrpSpPr>
+              <p:nvPr/>
+            </p:nvGrpSpPr>
+            <p:grpSpPr bwMode="auto">
+              <a:xfrm>
+                <a:off x="7920" y="12137"/>
+                <a:ext cx="353" cy="373"/>
+                <a:chOff x="6060" y="12195"/>
+                <a:chExt cx="330" cy="330"/>
+              </a:xfrm>
+            </p:grpSpPr>
+            <p:cxnSp>
+              <p:nvCxnSpPr>
+                <p:cNvPr id="154" name="AutoShape 623"/>
+                <p:cNvCxnSpPr>
+                  <a:cxnSpLocks noChangeShapeType="1"/>
+                </p:cNvCxnSpPr>
+                <p:nvPr/>
+              </p:nvCxnSpPr>
+              <p:spPr bwMode="auto">
+                <a:xfrm>
+                  <a:off x="6060" y="12195"/>
+                  <a:ext cx="330" cy="330"/>
+                </a:xfrm>
+                <a:prstGeom prst="straightConnector1">
+                  <a:avLst/>
+                </a:prstGeom>
+                <a:noFill/>
+                <a:ln w="31750">
+                  <a:solidFill>
+                    <a:schemeClr val="dk1">
+                      <a:lumMod val="100000"/>
+                      <a:lumOff val="0"/>
+                    </a:schemeClr>
+                  </a:solidFill>
+                  <a:round/>
+                  <a:headEnd/>
+                  <a:tailEnd/>
+                </a:ln>
+                <a:effectLst/>
+                <a:extLst>
+                  <a:ext uri="{909E8E84-426E-40DD-AFC4-6F175D3DCCD1}">
+                    <a14:hiddenFill xmlns:a14="http://schemas.microsoft.com/office/drawing/2010/main">
+                      <a:noFill/>
+                    </a14:hiddenFill>
+                  </a:ext>
+                  <a:ext uri="{AF507438-7753-43E0-B8FC-AC1667EBCBE1}">
+                    <a14:hiddenEffects xmlns:a14="http://schemas.microsoft.com/office/drawing/2010/main">
+                      <a:effectLst>
+                        <a:outerShdw dist="35921" dir="2700000" algn="ctr" rotWithShape="0">
+                          <a:srgbClr val="868686"/>
+                        </a:outerShdw>
+                      </a:effectLst>
+                    </a14:hiddenEffects>
+                  </a:ext>
+                </a:extLst>
+              </p:spPr>
+            </p:cxnSp>
+            <p:cxnSp>
+              <p:nvCxnSpPr>
+                <p:cNvPr id="155" name="AutoShape 624"/>
+                <p:cNvCxnSpPr>
+                  <a:cxnSpLocks noChangeShapeType="1"/>
+                </p:cNvCxnSpPr>
+                <p:nvPr/>
+              </p:nvCxnSpPr>
+              <p:spPr bwMode="auto">
+                <a:xfrm rot="-5400000">
+                  <a:off x="6060" y="12195"/>
+                  <a:ext cx="330" cy="330"/>
+                </a:xfrm>
+                <a:prstGeom prst="straightConnector1">
+                  <a:avLst/>
+                </a:prstGeom>
+                <a:noFill/>
+                <a:ln w="31750">
+                  <a:solidFill>
+                    <a:schemeClr val="dk1">
+                      <a:lumMod val="100000"/>
+                      <a:lumOff val="0"/>
+                    </a:schemeClr>
+                  </a:solidFill>
+                  <a:round/>
+                  <a:headEnd/>
+                  <a:tailEnd/>
+                </a:ln>
+                <a:effectLst/>
+                <a:extLst>
+                  <a:ext uri="{909E8E84-426E-40DD-AFC4-6F175D3DCCD1}">
+                    <a14:hiddenFill xmlns:a14="http://schemas.microsoft.com/office/drawing/2010/main">
+                      <a:noFill/>
+                    </a14:hiddenFill>
+                  </a:ext>
+                  <a:ext uri="{AF507438-7753-43E0-B8FC-AC1667EBCBE1}">
+                    <a14:hiddenEffects xmlns:a14="http://schemas.microsoft.com/office/drawing/2010/main">
+                      <a:effectLst>
+                        <a:outerShdw dist="35921" dir="2700000" algn="ctr" rotWithShape="0">
+                          <a:srgbClr val="868686"/>
+                        </a:outerShdw>
+                      </a:effectLst>
+                    </a14:hiddenEffects>
+                  </a:ext>
+                </a:extLst>
+              </p:spPr>
+            </p:cxnSp>
+          </p:grpSp>
+          <p:sp>
+            <p:nvSpPr>
+              <p:cNvPr id="153" name="Oval 625"/>
+              <p:cNvSpPr>
+                <a:spLocks noChangeArrowheads="1"/>
+              </p:cNvSpPr>
+              <p:nvPr/>
+            </p:nvSpPr>
+            <p:spPr bwMode="auto">
+              <a:xfrm>
+                <a:off x="7849" y="12045"/>
+                <a:ext cx="501" cy="547"/>
+              </a:xfrm>
+              <a:prstGeom prst="ellipse">
+                <a:avLst/>
+              </a:prstGeom>
+              <a:noFill/>
+              <a:ln w="28575">
+                <a:solidFill>
+                  <a:srgbClr val="000000"/>
+                </a:solidFill>
+                <a:round/>
+                <a:headEnd/>
+                <a:tailEnd/>
+              </a:ln>
+              <a:extLst>
+                <a:ext uri="{909E8E84-426E-40DD-AFC4-6F175D3DCCD1}">
+                  <a14:hiddenFill xmlns:a14="http://schemas.microsoft.com/office/drawing/2010/main">
+                    <a:solidFill>
+                      <a:srgbClr val="FFFFFF"/>
+                    </a:solidFill>
+                  </a14:hiddenFill>
+                </a:ext>
+              </a:extLst>
+            </p:spPr>
+            <p:txBody>
+              <a:bodyPr rot="0" vert="horz" wrap="square" lIns="91440" tIns="45720" rIns="91440" bIns="45720" anchor="t" anchorCtr="0" upright="1">
+                <a:noAutofit/>
+              </a:bodyPr>
+              <a:lstStyle/>
+              <a:p>
+                <a:endParaRPr lang="nl-BE"/>
+              </a:p>
+            </p:txBody>
+          </p:sp>
+        </p:grpSp>
+        <p:grpSp>
+          <p:nvGrpSpPr>
+            <p:cNvPr id="102" name="Group 626"/>
+            <p:cNvGrpSpPr>
+              <a:grpSpLocks/>
+            </p:cNvGrpSpPr>
+            <p:nvPr/>
+          </p:nvGrpSpPr>
+          <p:grpSpPr bwMode="auto">
+            <a:xfrm>
+              <a:off x="4842" y="4630"/>
+              <a:ext cx="501" cy="547"/>
+              <a:chOff x="7849" y="12045"/>
+              <a:chExt cx="501" cy="547"/>
+            </a:xfrm>
+          </p:grpSpPr>
+          <p:grpSp>
+            <p:nvGrpSpPr>
+              <p:cNvPr id="148" name="Group 627"/>
+              <p:cNvGrpSpPr>
+                <a:grpSpLocks/>
+              </p:cNvGrpSpPr>
+              <p:nvPr/>
+            </p:nvGrpSpPr>
+            <p:grpSpPr bwMode="auto">
+              <a:xfrm>
+                <a:off x="7920" y="12137"/>
+                <a:ext cx="353" cy="373"/>
+                <a:chOff x="6060" y="12195"/>
+                <a:chExt cx="330" cy="330"/>
+              </a:xfrm>
+            </p:grpSpPr>
+            <p:cxnSp>
+              <p:nvCxnSpPr>
+                <p:cNvPr id="150" name="AutoShape 628"/>
+                <p:cNvCxnSpPr>
+                  <a:cxnSpLocks noChangeShapeType="1"/>
+                </p:cNvCxnSpPr>
+                <p:nvPr/>
+              </p:nvCxnSpPr>
+              <p:spPr bwMode="auto">
+                <a:xfrm>
+                  <a:off x="6060" y="12195"/>
+                  <a:ext cx="330" cy="330"/>
+                </a:xfrm>
+                <a:prstGeom prst="straightConnector1">
+                  <a:avLst/>
+                </a:prstGeom>
+                <a:noFill/>
+                <a:ln w="31750">
+                  <a:solidFill>
+                    <a:schemeClr val="dk1">
+                      <a:lumMod val="100000"/>
+                      <a:lumOff val="0"/>
+                    </a:schemeClr>
+                  </a:solidFill>
+                  <a:round/>
+                  <a:headEnd/>
+                  <a:tailEnd/>
+                </a:ln>
+                <a:effectLst/>
+                <a:extLst>
+                  <a:ext uri="{909E8E84-426E-40DD-AFC4-6F175D3DCCD1}">
+                    <a14:hiddenFill xmlns:a14="http://schemas.microsoft.com/office/drawing/2010/main">
+                      <a:noFill/>
+                    </a14:hiddenFill>
+                  </a:ext>
+                  <a:ext uri="{AF507438-7753-43E0-B8FC-AC1667EBCBE1}">
+                    <a14:hiddenEffects xmlns:a14="http://schemas.microsoft.com/office/drawing/2010/main">
+                      <a:effectLst>
+                        <a:outerShdw dist="35921" dir="2700000" algn="ctr" rotWithShape="0">
+                          <a:srgbClr val="868686"/>
+                        </a:outerShdw>
+                      </a:effectLst>
+                    </a14:hiddenEffects>
+                  </a:ext>
+                </a:extLst>
+              </p:spPr>
+            </p:cxnSp>
+            <p:cxnSp>
+              <p:nvCxnSpPr>
+                <p:cNvPr id="151" name="AutoShape 629"/>
+                <p:cNvCxnSpPr>
+                  <a:cxnSpLocks noChangeShapeType="1"/>
+                </p:cNvCxnSpPr>
+                <p:nvPr/>
+              </p:nvCxnSpPr>
+              <p:spPr bwMode="auto">
+                <a:xfrm rot="-5400000">
+                  <a:off x="6060" y="12195"/>
+                  <a:ext cx="330" cy="330"/>
+                </a:xfrm>
+                <a:prstGeom prst="straightConnector1">
+                  <a:avLst/>
+                </a:prstGeom>
+                <a:noFill/>
+                <a:ln w="31750">
+                  <a:solidFill>
+                    <a:schemeClr val="dk1">
+                      <a:lumMod val="100000"/>
+                      <a:lumOff val="0"/>
+                    </a:schemeClr>
+                  </a:solidFill>
+                  <a:round/>
+                  <a:headEnd/>
+                  <a:tailEnd/>
+                </a:ln>
+                <a:effectLst/>
+                <a:extLst>
+                  <a:ext uri="{909E8E84-426E-40DD-AFC4-6F175D3DCCD1}">
+                    <a14:hiddenFill xmlns:a14="http://schemas.microsoft.com/office/drawing/2010/main">
+                      <a:noFill/>
+                    </a14:hiddenFill>
+                  </a:ext>
+                  <a:ext uri="{AF507438-7753-43E0-B8FC-AC1667EBCBE1}">
+                    <a14:hiddenEffects xmlns:a14="http://schemas.microsoft.com/office/drawing/2010/main">
+                      <a:effectLst>
+                        <a:outerShdw dist="35921" dir="2700000" algn="ctr" rotWithShape="0">
+                          <a:srgbClr val="868686"/>
+                        </a:outerShdw>
+                      </a:effectLst>
+                    </a14:hiddenEffects>
+                  </a:ext>
+                </a:extLst>
+              </p:spPr>
+            </p:cxnSp>
+          </p:grpSp>
+          <p:sp>
+            <p:nvSpPr>
+              <p:cNvPr id="149" name="Oval 630"/>
+              <p:cNvSpPr>
+                <a:spLocks noChangeArrowheads="1"/>
+              </p:cNvSpPr>
+              <p:nvPr/>
+            </p:nvSpPr>
+            <p:spPr bwMode="auto">
+              <a:xfrm>
+                <a:off x="7849" y="12045"/>
+                <a:ext cx="501" cy="547"/>
+              </a:xfrm>
+              <a:prstGeom prst="ellipse">
+                <a:avLst/>
+              </a:prstGeom>
+              <a:noFill/>
+              <a:ln w="28575">
+                <a:solidFill>
+                  <a:srgbClr val="000000"/>
+                </a:solidFill>
+                <a:round/>
+                <a:headEnd/>
+                <a:tailEnd/>
+              </a:ln>
+              <a:extLst>
+                <a:ext uri="{909E8E84-426E-40DD-AFC4-6F175D3DCCD1}">
+                  <a14:hiddenFill xmlns:a14="http://schemas.microsoft.com/office/drawing/2010/main">
+                    <a:solidFill>
+                      <a:srgbClr val="FFFFFF"/>
+                    </a:solidFill>
+                  </a14:hiddenFill>
+                </a:ext>
+              </a:extLst>
+            </p:spPr>
+            <p:txBody>
+              <a:bodyPr rot="0" vert="horz" wrap="square" lIns="91440" tIns="45720" rIns="91440" bIns="45720" anchor="t" anchorCtr="0" upright="1">
+                <a:noAutofit/>
+              </a:bodyPr>
+              <a:lstStyle/>
+              <a:p>
+                <a:endParaRPr lang="nl-BE"/>
+              </a:p>
+            </p:txBody>
+          </p:sp>
+        </p:grpSp>
+        <p:grpSp>
+          <p:nvGrpSpPr>
+            <p:cNvPr id="103" name="Group 631"/>
+            <p:cNvGrpSpPr>
+              <a:grpSpLocks/>
+            </p:cNvGrpSpPr>
+            <p:nvPr/>
+          </p:nvGrpSpPr>
+          <p:grpSpPr bwMode="auto">
+            <a:xfrm>
+              <a:off x="5527" y="4630"/>
+              <a:ext cx="501" cy="547"/>
+              <a:chOff x="7849" y="12045"/>
+              <a:chExt cx="501" cy="547"/>
+            </a:xfrm>
+          </p:grpSpPr>
+          <p:grpSp>
+            <p:nvGrpSpPr>
+              <p:cNvPr id="144" name="Group 632"/>
+              <p:cNvGrpSpPr>
+                <a:grpSpLocks/>
+              </p:cNvGrpSpPr>
+              <p:nvPr/>
+            </p:nvGrpSpPr>
+            <p:grpSpPr bwMode="auto">
+              <a:xfrm>
+                <a:off x="7920" y="12137"/>
+                <a:ext cx="353" cy="373"/>
+                <a:chOff x="6060" y="12195"/>
+                <a:chExt cx="330" cy="330"/>
+              </a:xfrm>
+            </p:grpSpPr>
+            <p:cxnSp>
+              <p:nvCxnSpPr>
+                <p:cNvPr id="146" name="AutoShape 633"/>
+                <p:cNvCxnSpPr>
+                  <a:cxnSpLocks noChangeShapeType="1"/>
+                </p:cNvCxnSpPr>
+                <p:nvPr/>
+              </p:nvCxnSpPr>
+              <p:spPr bwMode="auto">
+                <a:xfrm>
+                  <a:off x="6060" y="12195"/>
+                  <a:ext cx="330" cy="330"/>
+                </a:xfrm>
+                <a:prstGeom prst="straightConnector1">
+                  <a:avLst/>
+                </a:prstGeom>
+                <a:noFill/>
+                <a:ln w="31750">
+                  <a:solidFill>
+                    <a:schemeClr val="dk1">
+                      <a:lumMod val="100000"/>
+                      <a:lumOff val="0"/>
+                    </a:schemeClr>
+                  </a:solidFill>
+                  <a:round/>
+                  <a:headEnd/>
+                  <a:tailEnd/>
+                </a:ln>
+                <a:effectLst/>
+                <a:extLst>
+                  <a:ext uri="{909E8E84-426E-40DD-AFC4-6F175D3DCCD1}">
+                    <a14:hiddenFill xmlns:a14="http://schemas.microsoft.com/office/drawing/2010/main">
+                      <a:noFill/>
+                    </a14:hiddenFill>
+                  </a:ext>
+                  <a:ext uri="{AF507438-7753-43E0-B8FC-AC1667EBCBE1}">
+                    <a14:hiddenEffects xmlns:a14="http://schemas.microsoft.com/office/drawing/2010/main">
+                      <a:effectLst>
+                        <a:outerShdw dist="35921" dir="2700000" algn="ctr" rotWithShape="0">
+                          <a:srgbClr val="868686"/>
+                        </a:outerShdw>
+                      </a:effectLst>
+                    </a14:hiddenEffects>
+                  </a:ext>
+                </a:extLst>
+              </p:spPr>
+            </p:cxnSp>
+            <p:cxnSp>
+              <p:nvCxnSpPr>
+                <p:cNvPr id="147" name="AutoShape 634"/>
+                <p:cNvCxnSpPr>
+                  <a:cxnSpLocks noChangeShapeType="1"/>
+                </p:cNvCxnSpPr>
+                <p:nvPr/>
+              </p:nvCxnSpPr>
+              <p:spPr bwMode="auto">
+                <a:xfrm rot="-5400000">
+                  <a:off x="6060" y="12195"/>
+                  <a:ext cx="330" cy="330"/>
+                </a:xfrm>
+                <a:prstGeom prst="straightConnector1">
+                  <a:avLst/>
+                </a:prstGeom>
+                <a:noFill/>
+                <a:ln w="31750">
+                  <a:solidFill>
+                    <a:schemeClr val="dk1">
+                      <a:lumMod val="100000"/>
+                      <a:lumOff val="0"/>
+                    </a:schemeClr>
+                  </a:solidFill>
+                  <a:round/>
+                  <a:headEnd/>
+                  <a:tailEnd/>
+                </a:ln>
+                <a:effectLst/>
+                <a:extLst>
+                  <a:ext uri="{909E8E84-426E-40DD-AFC4-6F175D3DCCD1}">
+                    <a14:hiddenFill xmlns:a14="http://schemas.microsoft.com/office/drawing/2010/main">
+                      <a:noFill/>
+                    </a14:hiddenFill>
+                  </a:ext>
+                  <a:ext uri="{AF507438-7753-43E0-B8FC-AC1667EBCBE1}">
+                    <a14:hiddenEffects xmlns:a14="http://schemas.microsoft.com/office/drawing/2010/main">
+                      <a:effectLst>
+                        <a:outerShdw dist="35921" dir="2700000" algn="ctr" rotWithShape="0">
+                          <a:srgbClr val="868686"/>
+                        </a:outerShdw>
+                      </a:effectLst>
+                    </a14:hiddenEffects>
+                  </a:ext>
+                </a:extLst>
+              </p:spPr>
+            </p:cxnSp>
+          </p:grpSp>
+          <p:sp>
+            <p:nvSpPr>
+              <p:cNvPr id="145" name="Oval 635"/>
+              <p:cNvSpPr>
+                <a:spLocks noChangeArrowheads="1"/>
+              </p:cNvSpPr>
+              <p:nvPr/>
+            </p:nvSpPr>
+            <p:spPr bwMode="auto">
+              <a:xfrm>
+                <a:off x="7849" y="12045"/>
+                <a:ext cx="501" cy="547"/>
+              </a:xfrm>
+              <a:prstGeom prst="ellipse">
+                <a:avLst/>
+              </a:prstGeom>
+              <a:noFill/>
+              <a:ln w="28575">
+                <a:solidFill>
+                  <a:srgbClr val="000000"/>
+                </a:solidFill>
+                <a:round/>
+                <a:headEnd/>
+                <a:tailEnd/>
+              </a:ln>
+              <a:extLst>
+                <a:ext uri="{909E8E84-426E-40DD-AFC4-6F175D3DCCD1}">
+                  <a14:hiddenFill xmlns:a14="http://schemas.microsoft.com/office/drawing/2010/main">
+                    <a:solidFill>
+                      <a:srgbClr val="FFFFFF"/>
+                    </a:solidFill>
+                  </a14:hiddenFill>
+                </a:ext>
+              </a:extLst>
+            </p:spPr>
+            <p:txBody>
+              <a:bodyPr rot="0" vert="horz" wrap="square" lIns="91440" tIns="45720" rIns="91440" bIns="45720" anchor="t" anchorCtr="0" upright="1">
+                <a:noAutofit/>
+              </a:bodyPr>
+              <a:lstStyle/>
+              <a:p>
+                <a:endParaRPr lang="nl-BE"/>
+              </a:p>
+            </p:txBody>
+          </p:sp>
+        </p:grpSp>
+        <p:grpSp>
+          <p:nvGrpSpPr>
+            <p:cNvPr id="104" name="Group 636"/>
+            <p:cNvGrpSpPr>
+              <a:grpSpLocks/>
+            </p:cNvGrpSpPr>
+            <p:nvPr/>
+          </p:nvGrpSpPr>
+          <p:grpSpPr bwMode="auto">
+            <a:xfrm>
+              <a:off x="3467" y="5336"/>
+              <a:ext cx="501" cy="547"/>
+              <a:chOff x="7849" y="12045"/>
+              <a:chExt cx="501" cy="547"/>
+            </a:xfrm>
+          </p:grpSpPr>
+          <p:grpSp>
+            <p:nvGrpSpPr>
+              <p:cNvPr id="140" name="Group 637"/>
+              <p:cNvGrpSpPr>
+                <a:grpSpLocks/>
+              </p:cNvGrpSpPr>
+              <p:nvPr/>
+            </p:nvGrpSpPr>
+            <p:grpSpPr bwMode="auto">
+              <a:xfrm>
+                <a:off x="7920" y="12137"/>
+                <a:ext cx="353" cy="373"/>
+                <a:chOff x="6060" y="12195"/>
+                <a:chExt cx="330" cy="330"/>
+              </a:xfrm>
+            </p:grpSpPr>
+            <p:cxnSp>
+              <p:nvCxnSpPr>
+                <p:cNvPr id="142" name="AutoShape 638"/>
+                <p:cNvCxnSpPr>
+                  <a:cxnSpLocks noChangeShapeType="1"/>
+                </p:cNvCxnSpPr>
+                <p:nvPr/>
+              </p:nvCxnSpPr>
+              <p:spPr bwMode="auto">
+                <a:xfrm>
+                  <a:off x="6060" y="12195"/>
+                  <a:ext cx="330" cy="330"/>
+                </a:xfrm>
+                <a:prstGeom prst="straightConnector1">
+                  <a:avLst/>
+                </a:prstGeom>
+                <a:noFill/>
+                <a:ln w="31750">
+                  <a:solidFill>
+                    <a:schemeClr val="dk1">
+                      <a:lumMod val="100000"/>
+                      <a:lumOff val="0"/>
+                    </a:schemeClr>
+                  </a:solidFill>
+                  <a:round/>
+                  <a:headEnd/>
+                  <a:tailEnd/>
+                </a:ln>
+                <a:effectLst/>
+                <a:extLst>
+                  <a:ext uri="{909E8E84-426E-40DD-AFC4-6F175D3DCCD1}">
+                    <a14:hiddenFill xmlns:a14="http://schemas.microsoft.com/office/drawing/2010/main">
+                      <a:noFill/>
+                    </a14:hiddenFill>
+                  </a:ext>
+                  <a:ext uri="{AF507438-7753-43E0-B8FC-AC1667EBCBE1}">
+                    <a14:hiddenEffects xmlns:a14="http://schemas.microsoft.com/office/drawing/2010/main">
+                      <a:effectLst>
+                        <a:outerShdw dist="35921" dir="2700000" algn="ctr" rotWithShape="0">
+                          <a:srgbClr val="868686"/>
+                        </a:outerShdw>
+                      </a:effectLst>
+                    </a14:hiddenEffects>
+                  </a:ext>
+                </a:extLst>
+              </p:spPr>
+            </p:cxnSp>
+            <p:cxnSp>
+              <p:nvCxnSpPr>
+                <p:cNvPr id="143" name="AutoShape 639"/>
+                <p:cNvCxnSpPr>
+                  <a:cxnSpLocks noChangeShapeType="1"/>
+                </p:cNvCxnSpPr>
+                <p:nvPr/>
+              </p:nvCxnSpPr>
+              <p:spPr bwMode="auto">
+                <a:xfrm rot="-5400000">
+                  <a:off x="6060" y="12195"/>
+                  <a:ext cx="330" cy="330"/>
+                </a:xfrm>
+                <a:prstGeom prst="straightConnector1">
+                  <a:avLst/>
+                </a:prstGeom>
+                <a:noFill/>
+                <a:ln w="31750">
+                  <a:solidFill>
+                    <a:schemeClr val="dk1">
+                      <a:lumMod val="100000"/>
+                      <a:lumOff val="0"/>
+                    </a:schemeClr>
+                  </a:solidFill>
+                  <a:round/>
+                  <a:headEnd/>
+                  <a:tailEnd/>
+                </a:ln>
+                <a:effectLst/>
+                <a:extLst>
+                  <a:ext uri="{909E8E84-426E-40DD-AFC4-6F175D3DCCD1}">
+                    <a14:hiddenFill xmlns:a14="http://schemas.microsoft.com/office/drawing/2010/main">
+                      <a:noFill/>
+                    </a14:hiddenFill>
+                  </a:ext>
+                  <a:ext uri="{AF507438-7753-43E0-B8FC-AC1667EBCBE1}">
+                    <a14:hiddenEffects xmlns:a14="http://schemas.microsoft.com/office/drawing/2010/main">
+                      <a:effectLst>
+                        <a:outerShdw dist="35921" dir="2700000" algn="ctr" rotWithShape="0">
+                          <a:srgbClr val="868686"/>
+                        </a:outerShdw>
+                      </a:effectLst>
+                    </a14:hiddenEffects>
+                  </a:ext>
+                </a:extLst>
+              </p:spPr>
+            </p:cxnSp>
+          </p:grpSp>
+          <p:sp>
+            <p:nvSpPr>
+              <p:cNvPr id="141" name="Oval 640"/>
+              <p:cNvSpPr>
+                <a:spLocks noChangeArrowheads="1"/>
+              </p:cNvSpPr>
+              <p:nvPr/>
+            </p:nvSpPr>
+            <p:spPr bwMode="auto">
+              <a:xfrm>
+                <a:off x="7849" y="12045"/>
+                <a:ext cx="501" cy="547"/>
+              </a:xfrm>
+              <a:prstGeom prst="ellipse">
+                <a:avLst/>
+              </a:prstGeom>
+              <a:noFill/>
+              <a:ln w="28575">
+                <a:solidFill>
+                  <a:srgbClr val="000000"/>
+                </a:solidFill>
+                <a:round/>
+                <a:headEnd/>
+                <a:tailEnd/>
+              </a:ln>
+              <a:extLst>
+                <a:ext uri="{909E8E84-426E-40DD-AFC4-6F175D3DCCD1}">
+                  <a14:hiddenFill xmlns:a14="http://schemas.microsoft.com/office/drawing/2010/main">
+                    <a:solidFill>
+                      <a:srgbClr val="FFFFFF"/>
+                    </a:solidFill>
+                  </a14:hiddenFill>
+                </a:ext>
+              </a:extLst>
+            </p:spPr>
+            <p:txBody>
+              <a:bodyPr rot="0" vert="horz" wrap="square" lIns="91440" tIns="45720" rIns="91440" bIns="45720" anchor="t" anchorCtr="0" upright="1">
+                <a:noAutofit/>
+              </a:bodyPr>
+              <a:lstStyle/>
+              <a:p>
+                <a:endParaRPr lang="nl-BE"/>
+              </a:p>
+            </p:txBody>
+          </p:sp>
+        </p:grpSp>
+        <p:grpSp>
+          <p:nvGrpSpPr>
+            <p:cNvPr id="105" name="Group 641"/>
+            <p:cNvGrpSpPr>
+              <a:grpSpLocks/>
+            </p:cNvGrpSpPr>
+            <p:nvPr/>
+          </p:nvGrpSpPr>
+          <p:grpSpPr bwMode="auto">
+            <a:xfrm>
+              <a:off x="4165" y="5336"/>
+              <a:ext cx="501" cy="547"/>
+              <a:chOff x="7849" y="12045"/>
+              <a:chExt cx="501" cy="547"/>
+            </a:xfrm>
+          </p:grpSpPr>
+          <p:grpSp>
+            <p:nvGrpSpPr>
+              <p:cNvPr id="136" name="Group 642"/>
+              <p:cNvGrpSpPr>
+                <a:grpSpLocks/>
+              </p:cNvGrpSpPr>
+              <p:nvPr/>
+            </p:nvGrpSpPr>
+            <p:grpSpPr bwMode="auto">
+              <a:xfrm>
+                <a:off x="7920" y="12137"/>
+                <a:ext cx="353" cy="373"/>
+                <a:chOff x="6060" y="12195"/>
+                <a:chExt cx="330" cy="330"/>
+              </a:xfrm>
+            </p:grpSpPr>
+            <p:cxnSp>
+              <p:nvCxnSpPr>
+                <p:cNvPr id="138" name="AutoShape 643"/>
+                <p:cNvCxnSpPr>
+                  <a:cxnSpLocks noChangeShapeType="1"/>
+                </p:cNvCxnSpPr>
+                <p:nvPr/>
+              </p:nvCxnSpPr>
+              <p:spPr bwMode="auto">
+                <a:xfrm>
+                  <a:off x="6060" y="12195"/>
+                  <a:ext cx="330" cy="330"/>
+                </a:xfrm>
+                <a:prstGeom prst="straightConnector1">
+                  <a:avLst/>
+                </a:prstGeom>
+                <a:noFill/>
+                <a:ln w="31750">
+                  <a:solidFill>
+                    <a:schemeClr val="dk1">
+                      <a:lumMod val="100000"/>
+                      <a:lumOff val="0"/>
+                    </a:schemeClr>
+                  </a:solidFill>
+                  <a:round/>
+                  <a:headEnd/>
+                  <a:tailEnd/>
+                </a:ln>
+                <a:effectLst/>
+                <a:extLst>
+                  <a:ext uri="{909E8E84-426E-40DD-AFC4-6F175D3DCCD1}">
+                    <a14:hiddenFill xmlns:a14="http://schemas.microsoft.com/office/drawing/2010/main">
+                      <a:noFill/>
+                    </a14:hiddenFill>
+                  </a:ext>
+                  <a:ext uri="{AF507438-7753-43E0-B8FC-AC1667EBCBE1}">
+                    <a14:hiddenEffects xmlns:a14="http://schemas.microsoft.com/office/drawing/2010/main">
+                      <a:effectLst>
+                        <a:outerShdw dist="35921" dir="2700000" algn="ctr" rotWithShape="0">
+                          <a:srgbClr val="868686"/>
+                        </a:outerShdw>
+                      </a:effectLst>
+                    </a14:hiddenEffects>
+                  </a:ext>
+                </a:extLst>
+              </p:spPr>
+            </p:cxnSp>
+            <p:cxnSp>
+              <p:nvCxnSpPr>
+                <p:cNvPr id="139" name="AutoShape 644"/>
+                <p:cNvCxnSpPr>
+                  <a:cxnSpLocks noChangeShapeType="1"/>
+                </p:cNvCxnSpPr>
+                <p:nvPr/>
+              </p:nvCxnSpPr>
+              <p:spPr bwMode="auto">
+                <a:xfrm rot="-5400000">
+                  <a:off x="6060" y="12195"/>
+                  <a:ext cx="330" cy="330"/>
+                </a:xfrm>
+                <a:prstGeom prst="straightConnector1">
+                  <a:avLst/>
+                </a:prstGeom>
+                <a:noFill/>
+                <a:ln w="31750">
+                  <a:solidFill>
+                    <a:schemeClr val="dk1">
+                      <a:lumMod val="100000"/>
+                      <a:lumOff val="0"/>
+                    </a:schemeClr>
+                  </a:solidFill>
+                  <a:round/>
+                  <a:headEnd/>
+                  <a:tailEnd/>
+                </a:ln>
+                <a:effectLst/>
+                <a:extLst>
+                  <a:ext uri="{909E8E84-426E-40DD-AFC4-6F175D3DCCD1}">
+                    <a14:hiddenFill xmlns:a14="http://schemas.microsoft.com/office/drawing/2010/main">
+                      <a:noFill/>
+                    </a14:hiddenFill>
+                  </a:ext>
+                  <a:ext uri="{AF507438-7753-43E0-B8FC-AC1667EBCBE1}">
+                    <a14:hiddenEffects xmlns:a14="http://schemas.microsoft.com/office/drawing/2010/main">
+                      <a:effectLst>
+                        <a:outerShdw dist="35921" dir="2700000" algn="ctr" rotWithShape="0">
+                          <a:srgbClr val="868686"/>
+                        </a:outerShdw>
+                      </a:effectLst>
+                    </a14:hiddenEffects>
+                  </a:ext>
+                </a:extLst>
+              </p:spPr>
+            </p:cxnSp>
+          </p:grpSp>
+          <p:sp>
+            <p:nvSpPr>
+              <p:cNvPr id="137" name="Oval 645"/>
+              <p:cNvSpPr>
+                <a:spLocks noChangeArrowheads="1"/>
+              </p:cNvSpPr>
+              <p:nvPr/>
+            </p:nvSpPr>
+            <p:spPr bwMode="auto">
+              <a:xfrm>
+                <a:off x="7849" y="12045"/>
+                <a:ext cx="501" cy="547"/>
+              </a:xfrm>
+              <a:prstGeom prst="ellipse">
+                <a:avLst/>
+              </a:prstGeom>
+              <a:noFill/>
+              <a:ln w="28575">
+                <a:solidFill>
+                  <a:srgbClr val="000000"/>
+                </a:solidFill>
+                <a:round/>
+                <a:headEnd/>
+                <a:tailEnd/>
+              </a:ln>
+              <a:extLst>
+                <a:ext uri="{909E8E84-426E-40DD-AFC4-6F175D3DCCD1}">
+                  <a14:hiddenFill xmlns:a14="http://schemas.microsoft.com/office/drawing/2010/main">
+                    <a:solidFill>
+                      <a:srgbClr val="FFFFFF"/>
+                    </a:solidFill>
+                  </a14:hiddenFill>
+                </a:ext>
+              </a:extLst>
+            </p:spPr>
+            <p:txBody>
+              <a:bodyPr rot="0" vert="horz" wrap="square" lIns="91440" tIns="45720" rIns="91440" bIns="45720" anchor="t" anchorCtr="0" upright="1">
+                <a:noAutofit/>
+              </a:bodyPr>
+              <a:lstStyle/>
+              <a:p>
+                <a:endParaRPr lang="nl-BE"/>
+              </a:p>
+            </p:txBody>
+          </p:sp>
+        </p:grpSp>
+        <p:grpSp>
+          <p:nvGrpSpPr>
+            <p:cNvPr id="106" name="Group 646"/>
+            <p:cNvGrpSpPr>
+              <a:grpSpLocks/>
+            </p:cNvGrpSpPr>
+            <p:nvPr/>
+          </p:nvGrpSpPr>
+          <p:grpSpPr bwMode="auto">
+            <a:xfrm>
+              <a:off x="4842" y="5336"/>
+              <a:ext cx="501" cy="547"/>
+              <a:chOff x="7849" y="12045"/>
+              <a:chExt cx="501" cy="547"/>
+            </a:xfrm>
+          </p:grpSpPr>
+          <p:grpSp>
+            <p:nvGrpSpPr>
+              <p:cNvPr id="132" name="Group 647"/>
+              <p:cNvGrpSpPr>
+                <a:grpSpLocks/>
+              </p:cNvGrpSpPr>
+              <p:nvPr/>
+            </p:nvGrpSpPr>
+            <p:grpSpPr bwMode="auto">
+              <a:xfrm>
+                <a:off x="7920" y="12137"/>
+                <a:ext cx="353" cy="373"/>
+                <a:chOff x="6060" y="12195"/>
+                <a:chExt cx="330" cy="330"/>
+              </a:xfrm>
+            </p:grpSpPr>
+            <p:cxnSp>
+              <p:nvCxnSpPr>
+                <p:cNvPr id="134" name="AutoShape 648"/>
+                <p:cNvCxnSpPr>
+                  <a:cxnSpLocks noChangeShapeType="1"/>
+                </p:cNvCxnSpPr>
+                <p:nvPr/>
+              </p:nvCxnSpPr>
+              <p:spPr bwMode="auto">
+                <a:xfrm>
+                  <a:off x="6060" y="12195"/>
+                  <a:ext cx="330" cy="330"/>
+                </a:xfrm>
+                <a:prstGeom prst="straightConnector1">
+                  <a:avLst/>
+                </a:prstGeom>
+                <a:noFill/>
+                <a:ln w="31750">
+                  <a:solidFill>
+                    <a:schemeClr val="dk1">
+                      <a:lumMod val="100000"/>
+                      <a:lumOff val="0"/>
+                    </a:schemeClr>
+                  </a:solidFill>
+                  <a:round/>
+                  <a:headEnd/>
+                  <a:tailEnd/>
+                </a:ln>
+                <a:effectLst/>
+                <a:extLst>
+                  <a:ext uri="{909E8E84-426E-40DD-AFC4-6F175D3DCCD1}">
+                    <a14:hiddenFill xmlns:a14="http://schemas.microsoft.com/office/drawing/2010/main">
+                      <a:noFill/>
+                    </a14:hiddenFill>
+                  </a:ext>
+                  <a:ext uri="{AF507438-7753-43E0-B8FC-AC1667EBCBE1}">
+                    <a14:hiddenEffects xmlns:a14="http://schemas.microsoft.com/office/drawing/2010/main">
+                      <a:effectLst>
+                        <a:outerShdw dist="35921" dir="2700000" algn="ctr" rotWithShape="0">
+                          <a:srgbClr val="868686"/>
+                        </a:outerShdw>
+                      </a:effectLst>
+                    </a14:hiddenEffects>
+                  </a:ext>
+                </a:extLst>
+              </p:spPr>
+            </p:cxnSp>
+            <p:cxnSp>
+              <p:nvCxnSpPr>
+                <p:cNvPr id="135" name="AutoShape 649"/>
+                <p:cNvCxnSpPr>
+                  <a:cxnSpLocks noChangeShapeType="1"/>
+                </p:cNvCxnSpPr>
+                <p:nvPr/>
+              </p:nvCxnSpPr>
+              <p:spPr bwMode="auto">
+                <a:xfrm rot="-5400000">
+                  <a:off x="6060" y="12195"/>
+                  <a:ext cx="330" cy="330"/>
+                </a:xfrm>
+                <a:prstGeom prst="straightConnector1">
+                  <a:avLst/>
+                </a:prstGeom>
+                <a:noFill/>
+                <a:ln w="31750">
+                  <a:solidFill>
+                    <a:schemeClr val="dk1">
+                      <a:lumMod val="100000"/>
+                      <a:lumOff val="0"/>
+                    </a:schemeClr>
+                  </a:solidFill>
+                  <a:round/>
+                  <a:headEnd/>
+                  <a:tailEnd/>
+                </a:ln>
+                <a:effectLst/>
+                <a:extLst>
+                  <a:ext uri="{909E8E84-426E-40DD-AFC4-6F175D3DCCD1}">
+                    <a14:hiddenFill xmlns:a14="http://schemas.microsoft.com/office/drawing/2010/main">
+                      <a:noFill/>
+                    </a14:hiddenFill>
+                  </a:ext>
+                  <a:ext uri="{AF507438-7753-43E0-B8FC-AC1667EBCBE1}">
+                    <a14:hiddenEffects xmlns:a14="http://schemas.microsoft.com/office/drawing/2010/main">
+                      <a:effectLst>
+                        <a:outerShdw dist="35921" dir="2700000" algn="ctr" rotWithShape="0">
+                          <a:srgbClr val="868686"/>
+                        </a:outerShdw>
+                      </a:effectLst>
+                    </a14:hiddenEffects>
+                  </a:ext>
+                </a:extLst>
+              </p:spPr>
+            </p:cxnSp>
+          </p:grpSp>
+          <p:sp>
+            <p:nvSpPr>
+              <p:cNvPr id="133" name="Oval 650"/>
+              <p:cNvSpPr>
+                <a:spLocks noChangeArrowheads="1"/>
+              </p:cNvSpPr>
+              <p:nvPr/>
+            </p:nvSpPr>
+            <p:spPr bwMode="auto">
+              <a:xfrm>
+                <a:off x="7849" y="12045"/>
+                <a:ext cx="501" cy="547"/>
+              </a:xfrm>
+              <a:prstGeom prst="ellipse">
+                <a:avLst/>
+              </a:prstGeom>
+              <a:noFill/>
+              <a:ln w="28575">
+                <a:solidFill>
+                  <a:srgbClr val="000000"/>
+                </a:solidFill>
+                <a:round/>
+                <a:headEnd/>
+                <a:tailEnd/>
+              </a:ln>
+              <a:extLst>
+                <a:ext uri="{909E8E84-426E-40DD-AFC4-6F175D3DCCD1}">
+                  <a14:hiddenFill xmlns:a14="http://schemas.microsoft.com/office/drawing/2010/main">
+                    <a:solidFill>
+                      <a:srgbClr val="FFFFFF"/>
+                    </a:solidFill>
+                  </a14:hiddenFill>
+                </a:ext>
+              </a:extLst>
+            </p:spPr>
+            <p:txBody>
+              <a:bodyPr rot="0" vert="horz" wrap="square" lIns="91440" tIns="45720" rIns="91440" bIns="45720" anchor="t" anchorCtr="0" upright="1">
+                <a:noAutofit/>
+              </a:bodyPr>
+              <a:lstStyle/>
+              <a:p>
+                <a:endParaRPr lang="nl-BE"/>
+              </a:p>
+            </p:txBody>
+          </p:sp>
+        </p:grpSp>
+        <p:grpSp>
+          <p:nvGrpSpPr>
+            <p:cNvPr id="107" name="Group 651"/>
+            <p:cNvGrpSpPr>
+              <a:grpSpLocks/>
+            </p:cNvGrpSpPr>
+            <p:nvPr/>
+          </p:nvGrpSpPr>
+          <p:grpSpPr bwMode="auto">
+            <a:xfrm>
+              <a:off x="5527" y="5336"/>
+              <a:ext cx="501" cy="547"/>
+              <a:chOff x="7849" y="12045"/>
+              <a:chExt cx="501" cy="547"/>
+            </a:xfrm>
+          </p:grpSpPr>
+          <p:grpSp>
+            <p:nvGrpSpPr>
+              <p:cNvPr id="128" name="Group 652"/>
+              <p:cNvGrpSpPr>
+                <a:grpSpLocks/>
+              </p:cNvGrpSpPr>
+              <p:nvPr/>
+            </p:nvGrpSpPr>
+            <p:grpSpPr bwMode="auto">
+              <a:xfrm>
+                <a:off x="7920" y="12137"/>
+                <a:ext cx="353" cy="373"/>
+                <a:chOff x="6060" y="12195"/>
+                <a:chExt cx="330" cy="330"/>
+              </a:xfrm>
+            </p:grpSpPr>
+            <p:cxnSp>
+              <p:nvCxnSpPr>
+                <p:cNvPr id="130" name="AutoShape 653"/>
+                <p:cNvCxnSpPr>
+                  <a:cxnSpLocks noChangeShapeType="1"/>
+                </p:cNvCxnSpPr>
+                <p:nvPr/>
+              </p:nvCxnSpPr>
+              <p:spPr bwMode="auto">
+                <a:xfrm>
+                  <a:off x="6060" y="12195"/>
+                  <a:ext cx="330" cy="330"/>
+                </a:xfrm>
+                <a:prstGeom prst="straightConnector1">
+                  <a:avLst/>
+                </a:prstGeom>
+                <a:noFill/>
+                <a:ln w="31750">
+                  <a:solidFill>
+                    <a:schemeClr val="dk1">
+                      <a:lumMod val="100000"/>
+                      <a:lumOff val="0"/>
+                    </a:schemeClr>
+                  </a:solidFill>
+                  <a:round/>
+                  <a:headEnd/>
+                  <a:tailEnd/>
+                </a:ln>
+                <a:effectLst/>
+                <a:extLst>
+                  <a:ext uri="{909E8E84-426E-40DD-AFC4-6F175D3DCCD1}">
+                    <a14:hiddenFill xmlns:a14="http://schemas.microsoft.com/office/drawing/2010/main">
+                      <a:noFill/>
+                    </a14:hiddenFill>
+                  </a:ext>
+                  <a:ext uri="{AF507438-7753-43E0-B8FC-AC1667EBCBE1}">
+                    <a14:hiddenEffects xmlns:a14="http://schemas.microsoft.com/office/drawing/2010/main">
+                      <a:effectLst>
+                        <a:outerShdw dist="35921" dir="2700000" algn="ctr" rotWithShape="0">
+                          <a:srgbClr val="868686"/>
+                        </a:outerShdw>
+                      </a:effectLst>
+                    </a14:hiddenEffects>
+                  </a:ext>
+                </a:extLst>
+              </p:spPr>
+            </p:cxnSp>
+            <p:cxnSp>
+              <p:nvCxnSpPr>
+                <p:cNvPr id="131" name="AutoShape 654"/>
+                <p:cNvCxnSpPr>
+                  <a:cxnSpLocks noChangeShapeType="1"/>
+                </p:cNvCxnSpPr>
+                <p:nvPr/>
+              </p:nvCxnSpPr>
+              <p:spPr bwMode="auto">
+                <a:xfrm rot="-5400000">
+                  <a:off x="6060" y="12195"/>
+                  <a:ext cx="330" cy="330"/>
+                </a:xfrm>
+                <a:prstGeom prst="straightConnector1">
+                  <a:avLst/>
+                </a:prstGeom>
+                <a:noFill/>
+                <a:ln w="31750">
+                  <a:solidFill>
+                    <a:schemeClr val="dk1">
+                      <a:lumMod val="100000"/>
+                      <a:lumOff val="0"/>
+                    </a:schemeClr>
+                  </a:solidFill>
+                  <a:round/>
+                  <a:headEnd/>
+                  <a:tailEnd/>
+                </a:ln>
+                <a:effectLst/>
+                <a:extLst>
+                  <a:ext uri="{909E8E84-426E-40DD-AFC4-6F175D3DCCD1}">
+                    <a14:hiddenFill xmlns:a14="http://schemas.microsoft.com/office/drawing/2010/main">
+                      <a:noFill/>
+                    </a14:hiddenFill>
+                  </a:ext>
+                  <a:ext uri="{AF507438-7753-43E0-B8FC-AC1667EBCBE1}">
+                    <a14:hiddenEffects xmlns:a14="http://schemas.microsoft.com/office/drawing/2010/main">
+                      <a:effectLst>
+                        <a:outerShdw dist="35921" dir="2700000" algn="ctr" rotWithShape="0">
+                          <a:srgbClr val="868686"/>
+                        </a:outerShdw>
+                      </a:effectLst>
+                    </a14:hiddenEffects>
+                  </a:ext>
+                </a:extLst>
+              </p:spPr>
+            </p:cxnSp>
+          </p:grpSp>
+          <p:sp>
+            <p:nvSpPr>
+              <p:cNvPr id="129" name="Oval 655"/>
+              <p:cNvSpPr>
+                <a:spLocks noChangeArrowheads="1"/>
+              </p:cNvSpPr>
+              <p:nvPr/>
+            </p:nvSpPr>
+            <p:spPr bwMode="auto">
+              <a:xfrm>
+                <a:off x="7849" y="12045"/>
+                <a:ext cx="501" cy="547"/>
+              </a:xfrm>
+              <a:prstGeom prst="ellipse">
+                <a:avLst/>
+              </a:prstGeom>
+              <a:noFill/>
+              <a:ln w="28575">
+                <a:solidFill>
+                  <a:srgbClr val="000000"/>
+                </a:solidFill>
+                <a:round/>
+                <a:headEnd/>
+                <a:tailEnd/>
+              </a:ln>
+              <a:extLst>
+                <a:ext uri="{909E8E84-426E-40DD-AFC4-6F175D3DCCD1}">
+                  <a14:hiddenFill xmlns:a14="http://schemas.microsoft.com/office/drawing/2010/main">
+                    <a:solidFill>
+                      <a:srgbClr val="FFFFFF"/>
+                    </a:solidFill>
+                  </a14:hiddenFill>
+                </a:ext>
+              </a:extLst>
+            </p:spPr>
+            <p:txBody>
+              <a:bodyPr rot="0" vert="horz" wrap="square" lIns="91440" tIns="45720" rIns="91440" bIns="45720" anchor="t" anchorCtr="0" upright="1">
+                <a:noAutofit/>
+              </a:bodyPr>
+              <a:lstStyle/>
+              <a:p>
+                <a:endParaRPr lang="nl-BE"/>
+              </a:p>
+            </p:txBody>
+          </p:sp>
+        </p:grpSp>
+        <p:grpSp>
+          <p:nvGrpSpPr>
+            <p:cNvPr id="108" name="Group 656"/>
+            <p:cNvGrpSpPr>
+              <a:grpSpLocks/>
+            </p:cNvGrpSpPr>
+            <p:nvPr/>
+          </p:nvGrpSpPr>
+          <p:grpSpPr bwMode="auto">
+            <a:xfrm>
+              <a:off x="3467" y="6073"/>
+              <a:ext cx="501" cy="547"/>
+              <a:chOff x="7849" y="12045"/>
+              <a:chExt cx="501" cy="547"/>
+            </a:xfrm>
+          </p:grpSpPr>
+          <p:grpSp>
+            <p:nvGrpSpPr>
+              <p:cNvPr id="124" name="Group 657"/>
+              <p:cNvGrpSpPr>
+                <a:grpSpLocks/>
+              </p:cNvGrpSpPr>
+              <p:nvPr/>
+            </p:nvGrpSpPr>
+            <p:grpSpPr bwMode="auto">
+              <a:xfrm>
+                <a:off x="7920" y="12137"/>
+                <a:ext cx="353" cy="373"/>
+                <a:chOff x="6060" y="12195"/>
+                <a:chExt cx="330" cy="330"/>
+              </a:xfrm>
+            </p:grpSpPr>
+            <p:cxnSp>
+              <p:nvCxnSpPr>
+                <p:cNvPr id="126" name="AutoShape 658"/>
+                <p:cNvCxnSpPr>
+                  <a:cxnSpLocks noChangeShapeType="1"/>
+                </p:cNvCxnSpPr>
+                <p:nvPr/>
+              </p:nvCxnSpPr>
+              <p:spPr bwMode="auto">
+                <a:xfrm>
+                  <a:off x="6060" y="12195"/>
+                  <a:ext cx="330" cy="330"/>
+                </a:xfrm>
+                <a:prstGeom prst="straightConnector1">
+                  <a:avLst/>
+                </a:prstGeom>
+                <a:noFill/>
+                <a:ln w="31750">
+                  <a:solidFill>
+                    <a:schemeClr val="dk1">
+                      <a:lumMod val="100000"/>
+                      <a:lumOff val="0"/>
+                    </a:schemeClr>
+                  </a:solidFill>
+                  <a:round/>
+                  <a:headEnd/>
+                  <a:tailEnd/>
+                </a:ln>
+                <a:effectLst/>
+                <a:extLst>
+                  <a:ext uri="{909E8E84-426E-40DD-AFC4-6F175D3DCCD1}">
+                    <a14:hiddenFill xmlns:a14="http://schemas.microsoft.com/office/drawing/2010/main">
+                      <a:noFill/>
+                    </a14:hiddenFill>
+                  </a:ext>
+                  <a:ext uri="{AF507438-7753-43E0-B8FC-AC1667EBCBE1}">
+                    <a14:hiddenEffects xmlns:a14="http://schemas.microsoft.com/office/drawing/2010/main">
+                      <a:effectLst>
+                        <a:outerShdw dist="35921" dir="2700000" algn="ctr" rotWithShape="0">
+                          <a:srgbClr val="868686"/>
+                        </a:outerShdw>
+                      </a:effectLst>
+                    </a14:hiddenEffects>
+                  </a:ext>
+                </a:extLst>
+              </p:spPr>
+            </p:cxnSp>
+            <p:cxnSp>
+              <p:nvCxnSpPr>
+                <p:cNvPr id="127" name="AutoShape 659"/>
+                <p:cNvCxnSpPr>
+                  <a:cxnSpLocks noChangeShapeType="1"/>
+                </p:cNvCxnSpPr>
+                <p:nvPr/>
+              </p:nvCxnSpPr>
+              <p:spPr bwMode="auto">
+                <a:xfrm rot="-5400000">
+                  <a:off x="6060" y="12195"/>
+                  <a:ext cx="330" cy="330"/>
+                </a:xfrm>
+                <a:prstGeom prst="straightConnector1">
+                  <a:avLst/>
+                </a:prstGeom>
+                <a:noFill/>
+                <a:ln w="31750">
+                  <a:solidFill>
+                    <a:schemeClr val="dk1">
+                      <a:lumMod val="100000"/>
+                      <a:lumOff val="0"/>
+                    </a:schemeClr>
+                  </a:solidFill>
+                  <a:round/>
+                  <a:headEnd/>
+                  <a:tailEnd/>
+                </a:ln>
+                <a:effectLst/>
+                <a:extLst>
+                  <a:ext uri="{909E8E84-426E-40DD-AFC4-6F175D3DCCD1}">
+                    <a14:hiddenFill xmlns:a14="http://schemas.microsoft.com/office/drawing/2010/main">
+                      <a:noFill/>
+                    </a14:hiddenFill>
+                  </a:ext>
+                  <a:ext uri="{AF507438-7753-43E0-B8FC-AC1667EBCBE1}">
+                    <a14:hiddenEffects xmlns:a14="http://schemas.microsoft.com/office/drawing/2010/main">
+                      <a:effectLst>
+                        <a:outerShdw dist="35921" dir="2700000" algn="ctr" rotWithShape="0">
+                          <a:srgbClr val="868686"/>
+                        </a:outerShdw>
+                      </a:effectLst>
+                    </a14:hiddenEffects>
+                  </a:ext>
+                </a:extLst>
+              </p:spPr>
+            </p:cxnSp>
+          </p:grpSp>
+          <p:sp>
+            <p:nvSpPr>
+              <p:cNvPr id="125" name="Oval 660"/>
+              <p:cNvSpPr>
+                <a:spLocks noChangeArrowheads="1"/>
+              </p:cNvSpPr>
+              <p:nvPr/>
+            </p:nvSpPr>
+            <p:spPr bwMode="auto">
+              <a:xfrm>
+                <a:off x="7849" y="12045"/>
+                <a:ext cx="501" cy="547"/>
+              </a:xfrm>
+              <a:prstGeom prst="ellipse">
+                <a:avLst/>
+              </a:prstGeom>
+              <a:noFill/>
+              <a:ln w="28575">
+                <a:solidFill>
+                  <a:srgbClr val="000000"/>
+                </a:solidFill>
+                <a:round/>
+                <a:headEnd/>
+                <a:tailEnd/>
+              </a:ln>
+              <a:extLst>
+                <a:ext uri="{909E8E84-426E-40DD-AFC4-6F175D3DCCD1}">
+                  <a14:hiddenFill xmlns:a14="http://schemas.microsoft.com/office/drawing/2010/main">
+                    <a:solidFill>
+                      <a:srgbClr val="FFFFFF"/>
+                    </a:solidFill>
+                  </a14:hiddenFill>
+                </a:ext>
+              </a:extLst>
+            </p:spPr>
+            <p:txBody>
+              <a:bodyPr rot="0" vert="horz" wrap="square" lIns="91440" tIns="45720" rIns="91440" bIns="45720" anchor="t" anchorCtr="0" upright="1">
+                <a:noAutofit/>
+              </a:bodyPr>
+              <a:lstStyle/>
+              <a:p>
+                <a:endParaRPr lang="nl-BE"/>
+              </a:p>
+            </p:txBody>
+          </p:sp>
+        </p:grpSp>
+        <p:grpSp>
+          <p:nvGrpSpPr>
+            <p:cNvPr id="109" name="Group 661"/>
+            <p:cNvGrpSpPr>
+              <a:grpSpLocks/>
+            </p:cNvGrpSpPr>
+            <p:nvPr/>
+          </p:nvGrpSpPr>
+          <p:grpSpPr bwMode="auto">
+            <a:xfrm>
+              <a:off x="4165" y="6073"/>
+              <a:ext cx="501" cy="547"/>
+              <a:chOff x="7849" y="12045"/>
+              <a:chExt cx="501" cy="547"/>
+            </a:xfrm>
+          </p:grpSpPr>
+          <p:grpSp>
+            <p:nvGrpSpPr>
+              <p:cNvPr id="120" name="Group 662"/>
+              <p:cNvGrpSpPr>
+                <a:grpSpLocks/>
+              </p:cNvGrpSpPr>
+              <p:nvPr/>
+            </p:nvGrpSpPr>
+            <p:grpSpPr bwMode="auto">
+              <a:xfrm>
+                <a:off x="7920" y="12137"/>
+                <a:ext cx="353" cy="373"/>
+                <a:chOff x="6060" y="12195"/>
+                <a:chExt cx="330" cy="330"/>
+              </a:xfrm>
+            </p:grpSpPr>
+            <p:cxnSp>
+              <p:nvCxnSpPr>
+                <p:cNvPr id="122" name="AutoShape 663"/>
+                <p:cNvCxnSpPr>
+                  <a:cxnSpLocks noChangeShapeType="1"/>
+                </p:cNvCxnSpPr>
+                <p:nvPr/>
+              </p:nvCxnSpPr>
+              <p:spPr bwMode="auto">
+                <a:xfrm>
+                  <a:off x="6060" y="12195"/>
+                  <a:ext cx="330" cy="330"/>
+                </a:xfrm>
+                <a:prstGeom prst="straightConnector1">
+                  <a:avLst/>
+                </a:prstGeom>
+                <a:noFill/>
+                <a:ln w="31750">
+                  <a:solidFill>
+                    <a:schemeClr val="dk1">
+                      <a:lumMod val="100000"/>
+                      <a:lumOff val="0"/>
+                    </a:schemeClr>
+                  </a:solidFill>
+                  <a:round/>
+                  <a:headEnd/>
+                  <a:tailEnd/>
+                </a:ln>
+                <a:effectLst/>
+                <a:extLst>
+                  <a:ext uri="{909E8E84-426E-40DD-AFC4-6F175D3DCCD1}">
+                    <a14:hiddenFill xmlns:a14="http://schemas.microsoft.com/office/drawing/2010/main">
+                      <a:noFill/>
+                    </a14:hiddenFill>
+                  </a:ext>
+                  <a:ext uri="{AF507438-7753-43E0-B8FC-AC1667EBCBE1}">
+                    <a14:hiddenEffects xmlns:a14="http://schemas.microsoft.com/office/drawing/2010/main">
+                      <a:effectLst>
+                        <a:outerShdw dist="35921" dir="2700000" algn="ctr" rotWithShape="0">
+                          <a:srgbClr val="868686"/>
+                        </a:outerShdw>
+                      </a:effectLst>
+                    </a14:hiddenEffects>
+                  </a:ext>
+                </a:extLst>
+              </p:spPr>
+            </p:cxnSp>
+            <p:cxnSp>
+              <p:nvCxnSpPr>
+                <p:cNvPr id="123" name="AutoShape 664"/>
+                <p:cNvCxnSpPr>
+                  <a:cxnSpLocks noChangeShapeType="1"/>
+                </p:cNvCxnSpPr>
+                <p:nvPr/>
+              </p:nvCxnSpPr>
+              <p:spPr bwMode="auto">
+                <a:xfrm rot="-5400000">
+                  <a:off x="6060" y="12195"/>
+                  <a:ext cx="330" cy="330"/>
+                </a:xfrm>
+                <a:prstGeom prst="straightConnector1">
+                  <a:avLst/>
+                </a:prstGeom>
+                <a:noFill/>
+                <a:ln w="31750">
+                  <a:solidFill>
+                    <a:schemeClr val="dk1">
+                      <a:lumMod val="100000"/>
+                      <a:lumOff val="0"/>
+                    </a:schemeClr>
+                  </a:solidFill>
+                  <a:round/>
+                  <a:headEnd/>
+                  <a:tailEnd/>
+                </a:ln>
+                <a:effectLst/>
+                <a:extLst>
+                  <a:ext uri="{909E8E84-426E-40DD-AFC4-6F175D3DCCD1}">
+                    <a14:hiddenFill xmlns:a14="http://schemas.microsoft.com/office/drawing/2010/main">
+                      <a:noFill/>
+                    </a14:hiddenFill>
+                  </a:ext>
+                  <a:ext uri="{AF507438-7753-43E0-B8FC-AC1667EBCBE1}">
+                    <a14:hiddenEffects xmlns:a14="http://schemas.microsoft.com/office/drawing/2010/main">
+                      <a:effectLst>
+                        <a:outerShdw dist="35921" dir="2700000" algn="ctr" rotWithShape="0">
+                          <a:srgbClr val="868686"/>
+                        </a:outerShdw>
+                      </a:effectLst>
+                    </a14:hiddenEffects>
+                  </a:ext>
+                </a:extLst>
+              </p:spPr>
+            </p:cxnSp>
+          </p:grpSp>
+          <p:sp>
+            <p:nvSpPr>
+              <p:cNvPr id="121" name="Oval 665"/>
+              <p:cNvSpPr>
+                <a:spLocks noChangeArrowheads="1"/>
+              </p:cNvSpPr>
+              <p:nvPr/>
+            </p:nvSpPr>
+            <p:spPr bwMode="auto">
+              <a:xfrm>
+                <a:off x="7849" y="12045"/>
+                <a:ext cx="501" cy="547"/>
+              </a:xfrm>
+              <a:prstGeom prst="ellipse">
+                <a:avLst/>
+              </a:prstGeom>
+              <a:noFill/>
+              <a:ln w="28575">
+                <a:solidFill>
+                  <a:srgbClr val="000000"/>
+                </a:solidFill>
+                <a:round/>
+                <a:headEnd/>
+                <a:tailEnd/>
+              </a:ln>
+              <a:extLst>
+                <a:ext uri="{909E8E84-426E-40DD-AFC4-6F175D3DCCD1}">
+                  <a14:hiddenFill xmlns:a14="http://schemas.microsoft.com/office/drawing/2010/main">
+                    <a:solidFill>
+                      <a:srgbClr val="FFFFFF"/>
+                    </a:solidFill>
+                  </a14:hiddenFill>
+                </a:ext>
+              </a:extLst>
+            </p:spPr>
+            <p:txBody>
+              <a:bodyPr rot="0" vert="horz" wrap="square" lIns="91440" tIns="45720" rIns="91440" bIns="45720" anchor="t" anchorCtr="0" upright="1">
+                <a:noAutofit/>
+              </a:bodyPr>
+              <a:lstStyle/>
+              <a:p>
+                <a:endParaRPr lang="nl-BE"/>
+              </a:p>
+            </p:txBody>
+          </p:sp>
+        </p:grpSp>
+        <p:grpSp>
+          <p:nvGrpSpPr>
+            <p:cNvPr id="110" name="Group 666"/>
+            <p:cNvGrpSpPr>
+              <a:grpSpLocks/>
+            </p:cNvGrpSpPr>
+            <p:nvPr/>
+          </p:nvGrpSpPr>
+          <p:grpSpPr bwMode="auto">
+            <a:xfrm>
+              <a:off x="4842" y="6073"/>
+              <a:ext cx="501" cy="547"/>
+              <a:chOff x="7849" y="12045"/>
+              <a:chExt cx="501" cy="547"/>
+            </a:xfrm>
+          </p:grpSpPr>
+          <p:grpSp>
+            <p:nvGrpSpPr>
+              <p:cNvPr id="116" name="Group 667"/>
+              <p:cNvGrpSpPr>
+                <a:grpSpLocks/>
+              </p:cNvGrpSpPr>
+              <p:nvPr/>
+            </p:nvGrpSpPr>
+            <p:grpSpPr bwMode="auto">
+              <a:xfrm>
+                <a:off x="7920" y="12137"/>
+                <a:ext cx="353" cy="373"/>
+                <a:chOff x="6060" y="12195"/>
+                <a:chExt cx="330" cy="330"/>
+              </a:xfrm>
+            </p:grpSpPr>
+            <p:cxnSp>
+              <p:nvCxnSpPr>
+                <p:cNvPr id="118" name="AutoShape 668"/>
+                <p:cNvCxnSpPr>
+                  <a:cxnSpLocks noChangeShapeType="1"/>
+                </p:cNvCxnSpPr>
+                <p:nvPr/>
+              </p:nvCxnSpPr>
+              <p:spPr bwMode="auto">
+                <a:xfrm>
+                  <a:off x="6060" y="12195"/>
+                  <a:ext cx="330" cy="330"/>
+                </a:xfrm>
+                <a:prstGeom prst="straightConnector1">
+                  <a:avLst/>
+                </a:prstGeom>
+                <a:noFill/>
+                <a:ln w="31750">
+                  <a:solidFill>
+                    <a:schemeClr val="dk1">
+                      <a:lumMod val="100000"/>
+                      <a:lumOff val="0"/>
+                    </a:schemeClr>
+                  </a:solidFill>
+                  <a:round/>
+                  <a:headEnd/>
+                  <a:tailEnd/>
+                </a:ln>
+                <a:effectLst/>
+                <a:extLst>
+                  <a:ext uri="{909E8E84-426E-40DD-AFC4-6F175D3DCCD1}">
+                    <a14:hiddenFill xmlns:a14="http://schemas.microsoft.com/office/drawing/2010/main">
+                      <a:noFill/>
+                    </a14:hiddenFill>
+                  </a:ext>
+                  <a:ext uri="{AF507438-7753-43E0-B8FC-AC1667EBCBE1}">
+                    <a14:hiddenEffects xmlns:a14="http://schemas.microsoft.com/office/drawing/2010/main">
+                      <a:effectLst>
+                        <a:outerShdw dist="35921" dir="2700000" algn="ctr" rotWithShape="0">
+                          <a:srgbClr val="868686"/>
+                        </a:outerShdw>
+                      </a:effectLst>
+                    </a14:hiddenEffects>
+                  </a:ext>
+                </a:extLst>
+              </p:spPr>
+            </p:cxnSp>
+            <p:cxnSp>
+              <p:nvCxnSpPr>
+                <p:cNvPr id="119" name="AutoShape 669"/>
+                <p:cNvCxnSpPr>
+                  <a:cxnSpLocks noChangeShapeType="1"/>
+                </p:cNvCxnSpPr>
+                <p:nvPr/>
+              </p:nvCxnSpPr>
+              <p:spPr bwMode="auto">
+                <a:xfrm rot="-5400000">
+                  <a:off x="6060" y="12195"/>
+                  <a:ext cx="330" cy="330"/>
+                </a:xfrm>
+                <a:prstGeom prst="straightConnector1">
+                  <a:avLst/>
+                </a:prstGeom>
+                <a:noFill/>
+                <a:ln w="31750">
+                  <a:solidFill>
+                    <a:schemeClr val="dk1">
+                      <a:lumMod val="100000"/>
+                      <a:lumOff val="0"/>
+                    </a:schemeClr>
+                  </a:solidFill>
+                  <a:round/>
+                  <a:headEnd/>
+                  <a:tailEnd/>
+                </a:ln>
+                <a:effectLst/>
+                <a:extLst>
+                  <a:ext uri="{909E8E84-426E-40DD-AFC4-6F175D3DCCD1}">
+                    <a14:hiddenFill xmlns:a14="http://schemas.microsoft.com/office/drawing/2010/main">
+                      <a:noFill/>
+                    </a14:hiddenFill>
+                  </a:ext>
+                  <a:ext uri="{AF507438-7753-43E0-B8FC-AC1667EBCBE1}">
+                    <a14:hiddenEffects xmlns:a14="http://schemas.microsoft.com/office/drawing/2010/main">
+                      <a:effectLst>
+                        <a:outerShdw dist="35921" dir="2700000" algn="ctr" rotWithShape="0">
+                          <a:srgbClr val="868686"/>
+                        </a:outerShdw>
+                      </a:effectLst>
+                    </a14:hiddenEffects>
+                  </a:ext>
+                </a:extLst>
+              </p:spPr>
+            </p:cxnSp>
+          </p:grpSp>
+          <p:sp>
+            <p:nvSpPr>
+              <p:cNvPr id="117" name="Oval 670"/>
+              <p:cNvSpPr>
+                <a:spLocks noChangeArrowheads="1"/>
+              </p:cNvSpPr>
+              <p:nvPr/>
+            </p:nvSpPr>
+            <p:spPr bwMode="auto">
+              <a:xfrm>
+                <a:off x="7849" y="12045"/>
+                <a:ext cx="501" cy="547"/>
+              </a:xfrm>
+              <a:prstGeom prst="ellipse">
+                <a:avLst/>
+              </a:prstGeom>
+              <a:noFill/>
+              <a:ln w="28575">
+                <a:solidFill>
+                  <a:srgbClr val="000000"/>
+                </a:solidFill>
+                <a:round/>
+                <a:headEnd/>
+                <a:tailEnd/>
+              </a:ln>
+              <a:extLst>
+                <a:ext uri="{909E8E84-426E-40DD-AFC4-6F175D3DCCD1}">
+                  <a14:hiddenFill xmlns:a14="http://schemas.microsoft.com/office/drawing/2010/main">
+                    <a:solidFill>
+                      <a:srgbClr val="FFFFFF"/>
+                    </a:solidFill>
+                  </a14:hiddenFill>
+                </a:ext>
+              </a:extLst>
+            </p:spPr>
+            <p:txBody>
+              <a:bodyPr rot="0" vert="horz" wrap="square" lIns="91440" tIns="45720" rIns="91440" bIns="45720" anchor="t" anchorCtr="0" upright="1">
+                <a:noAutofit/>
+              </a:bodyPr>
+              <a:lstStyle/>
+              <a:p>
+                <a:endParaRPr lang="nl-BE"/>
+              </a:p>
+            </p:txBody>
+          </p:sp>
+        </p:grpSp>
+        <p:grpSp>
+          <p:nvGrpSpPr>
+            <p:cNvPr id="111" name="Group 671"/>
+            <p:cNvGrpSpPr>
+              <a:grpSpLocks/>
+            </p:cNvGrpSpPr>
+            <p:nvPr/>
+          </p:nvGrpSpPr>
+          <p:grpSpPr bwMode="auto">
+            <a:xfrm>
+              <a:off x="5527" y="6073"/>
+              <a:ext cx="501" cy="547"/>
+              <a:chOff x="7849" y="12045"/>
+              <a:chExt cx="501" cy="547"/>
+            </a:xfrm>
+          </p:grpSpPr>
+          <p:grpSp>
+            <p:nvGrpSpPr>
+              <p:cNvPr id="112" name="Group 672"/>
+              <p:cNvGrpSpPr>
+                <a:grpSpLocks/>
+              </p:cNvGrpSpPr>
+              <p:nvPr/>
+            </p:nvGrpSpPr>
+            <p:grpSpPr bwMode="auto">
+              <a:xfrm>
+                <a:off x="7920" y="12137"/>
+                <a:ext cx="353" cy="373"/>
+                <a:chOff x="6060" y="12195"/>
+                <a:chExt cx="330" cy="330"/>
+              </a:xfrm>
+            </p:grpSpPr>
+            <p:cxnSp>
+              <p:nvCxnSpPr>
+                <p:cNvPr id="114" name="AutoShape 673"/>
+                <p:cNvCxnSpPr>
+                  <a:cxnSpLocks noChangeShapeType="1"/>
+                </p:cNvCxnSpPr>
+                <p:nvPr/>
+              </p:nvCxnSpPr>
+              <p:spPr bwMode="auto">
+                <a:xfrm>
+                  <a:off x="6060" y="12195"/>
+                  <a:ext cx="330" cy="330"/>
+                </a:xfrm>
+                <a:prstGeom prst="straightConnector1">
+                  <a:avLst/>
+                </a:prstGeom>
+                <a:noFill/>
+                <a:ln w="31750">
+                  <a:solidFill>
+                    <a:schemeClr val="dk1">
+                      <a:lumMod val="100000"/>
+                      <a:lumOff val="0"/>
+                    </a:schemeClr>
+                  </a:solidFill>
+                  <a:round/>
+                  <a:headEnd/>
+                  <a:tailEnd/>
+                </a:ln>
+                <a:effectLst/>
+                <a:extLst>
+                  <a:ext uri="{909E8E84-426E-40DD-AFC4-6F175D3DCCD1}">
+                    <a14:hiddenFill xmlns:a14="http://schemas.microsoft.com/office/drawing/2010/main">
+                      <a:noFill/>
+                    </a14:hiddenFill>
+                  </a:ext>
+                  <a:ext uri="{AF507438-7753-43E0-B8FC-AC1667EBCBE1}">
+                    <a14:hiddenEffects xmlns:a14="http://schemas.microsoft.com/office/drawing/2010/main">
+                      <a:effectLst>
+                        <a:outerShdw dist="35921" dir="2700000" algn="ctr" rotWithShape="0">
+                          <a:srgbClr val="868686"/>
+                        </a:outerShdw>
+                      </a:effectLst>
+                    </a14:hiddenEffects>
+                  </a:ext>
+                </a:extLst>
+              </p:spPr>
+            </p:cxnSp>
+            <p:cxnSp>
+              <p:nvCxnSpPr>
+                <p:cNvPr id="115" name="AutoShape 674"/>
+                <p:cNvCxnSpPr>
+                  <a:cxnSpLocks noChangeShapeType="1"/>
+                </p:cNvCxnSpPr>
+                <p:nvPr/>
+              </p:nvCxnSpPr>
+              <p:spPr bwMode="auto">
+                <a:xfrm rot="-5400000">
+                  <a:off x="6060" y="12195"/>
+                  <a:ext cx="330" cy="330"/>
+                </a:xfrm>
+                <a:prstGeom prst="straightConnector1">
+                  <a:avLst/>
+                </a:prstGeom>
+                <a:noFill/>
+                <a:ln w="31750">
+                  <a:solidFill>
+                    <a:schemeClr val="dk1">
+                      <a:lumMod val="100000"/>
+                      <a:lumOff val="0"/>
+                    </a:schemeClr>
+                  </a:solidFill>
+                  <a:round/>
+                  <a:headEnd/>
+                  <a:tailEnd/>
+                </a:ln>
+                <a:effectLst/>
+                <a:extLst>
+                  <a:ext uri="{909E8E84-426E-40DD-AFC4-6F175D3DCCD1}">
+                    <a14:hiddenFill xmlns:a14="http://schemas.microsoft.com/office/drawing/2010/main">
+                      <a:noFill/>
+                    </a14:hiddenFill>
+                  </a:ext>
+                  <a:ext uri="{AF507438-7753-43E0-B8FC-AC1667EBCBE1}">
+                    <a14:hiddenEffects xmlns:a14="http://schemas.microsoft.com/office/drawing/2010/main">
+                      <a:effectLst>
+                        <a:outerShdw dist="35921" dir="2700000" algn="ctr" rotWithShape="0">
+                          <a:srgbClr val="868686"/>
+                        </a:outerShdw>
+                      </a:effectLst>
+                    </a14:hiddenEffects>
+                  </a:ext>
+                </a:extLst>
+              </p:spPr>
+            </p:cxnSp>
+          </p:grpSp>
+          <p:sp>
+            <p:nvSpPr>
+              <p:cNvPr id="113" name="Oval 675"/>
+              <p:cNvSpPr>
+                <a:spLocks noChangeArrowheads="1"/>
+              </p:cNvSpPr>
+              <p:nvPr/>
+            </p:nvSpPr>
+            <p:spPr bwMode="auto">
+              <a:xfrm>
+                <a:off x="7849" y="12045"/>
+                <a:ext cx="501" cy="547"/>
+              </a:xfrm>
+              <a:prstGeom prst="ellipse">
+                <a:avLst/>
+              </a:prstGeom>
+              <a:noFill/>
+              <a:ln w="28575">
+                <a:solidFill>
+                  <a:srgbClr val="000000"/>
+                </a:solidFill>
+                <a:round/>
+                <a:headEnd/>
+                <a:tailEnd/>
+              </a:ln>
+              <a:extLst>
+                <a:ext uri="{909E8E84-426E-40DD-AFC4-6F175D3DCCD1}">
+                  <a14:hiddenFill xmlns:a14="http://schemas.microsoft.com/office/drawing/2010/main">
+                    <a:solidFill>
+                      <a:srgbClr val="FFFFFF"/>
+                    </a:solidFill>
+                  </a14:hiddenFill>
+                </a:ext>
+              </a:extLst>
+            </p:spPr>
+            <p:txBody>
+              <a:bodyPr rot="0" vert="horz" wrap="square" lIns="91440" tIns="45720" rIns="91440" bIns="45720" anchor="t" anchorCtr="0" upright="1">
+                <a:noAutofit/>
+              </a:bodyPr>
+              <a:lstStyle/>
+              <a:p>
+                <a:endParaRPr lang="nl-BE"/>
+              </a:p>
+            </p:txBody>
+          </p:sp>
+        </p:grpSp>
+      </p:grpSp>
+      <p:sp>
+        <p:nvSpPr>
+          <p:cNvPr id="93" name="AutoShape 676"/>
+          <p:cNvSpPr>
+            <a:spLocks noChangeAspect="1" noChangeArrowheads="1"/>
+          </p:cNvSpPr>
+          <p:nvPr/>
+        </p:nvSpPr>
+        <p:spPr bwMode="auto">
+          <a:xfrm>
+            <a:off x="2073887" y="1901448"/>
+            <a:ext cx="2423469" cy="2422332"/>
+          </a:xfrm>
+          <a:prstGeom prst="donut">
+            <a:avLst>
+              <a:gd name="adj" fmla="val 7604"/>
+            </a:avLst>
+          </a:prstGeom>
+          <a:solidFill>
+            <a:srgbClr val="FFFFFF"/>
+          </a:solidFill>
+          <a:ln w="9525">
+            <a:solidFill>
+              <a:srgbClr val="000000"/>
+            </a:solidFill>
+            <a:round/>
+            <a:headEnd/>
+            <a:tailEnd/>
+          </a:ln>
+        </p:spPr>
+        <p:txBody>
+          <a:bodyPr rot="0" vert="horz" wrap="square" lIns="91440" tIns="45720" rIns="91440" bIns="45720" anchor="t" anchorCtr="0" upright="1">
+            <a:noAutofit/>
+          </a:bodyPr>
+          <a:lstStyle/>
+          <a:p>
+            <a:endParaRPr lang="nl-BE"/>
+          </a:p>
+        </p:txBody>
+      </p:sp>
+      <p:sp>
+        <p:nvSpPr>
+          <p:cNvPr id="94" name="AutoShape 678"/>
+          <p:cNvSpPr>
+            <a:spLocks noChangeAspect="1" noChangeArrowheads="1"/>
+          </p:cNvSpPr>
+          <p:nvPr/>
+        </p:nvSpPr>
+        <p:spPr bwMode="auto">
+          <a:xfrm>
+            <a:off x="6690119" y="1594476"/>
+            <a:ext cx="2994533" cy="3021901"/>
+          </a:xfrm>
+          <a:prstGeom prst="donut">
+            <a:avLst>
+              <a:gd name="adj" fmla="val 6581"/>
+            </a:avLst>
+          </a:prstGeom>
+          <a:solidFill>
+            <a:srgbClr val="FFFFFF"/>
+          </a:solidFill>
+          <a:ln w="9525">
+            <a:solidFill>
+              <a:srgbClr val="000000"/>
+            </a:solidFill>
+            <a:round/>
+            <a:headEnd/>
+            <a:tailEnd/>
+          </a:ln>
+        </p:spPr>
+        <p:txBody>
+          <a:bodyPr rot="0" vert="horz" wrap="square" lIns="91440" tIns="45720" rIns="91440" bIns="45720" anchor="t" anchorCtr="0" upright="1">
+            <a:noAutofit/>
+          </a:bodyPr>
+          <a:lstStyle/>
+          <a:p>
+            <a:endParaRPr lang="nl-BE"/>
+          </a:p>
+        </p:txBody>
+      </p:sp>
+      <p:sp>
+        <p:nvSpPr>
+          <p:cNvPr id="95" name="AutoShape 679"/>
+          <p:cNvSpPr>
+            <a:spLocks noChangeAspect="1" noChangeArrowheads="1"/>
+          </p:cNvSpPr>
+          <p:nvPr/>
+        </p:nvSpPr>
+        <p:spPr bwMode="auto">
+          <a:xfrm>
+            <a:off x="7381166" y="2273558"/>
+            <a:ext cx="1553143" cy="1585073"/>
+          </a:xfrm>
+          <a:prstGeom prst="donut">
+            <a:avLst>
+              <a:gd name="adj" fmla="val 11238"/>
+            </a:avLst>
+          </a:prstGeom>
+          <a:solidFill>
+            <a:srgbClr val="FFFFFF"/>
+          </a:solidFill>
+          <a:ln w="9525">
+            <a:solidFill>
+              <a:srgbClr val="000000"/>
+            </a:solidFill>
+            <a:round/>
+            <a:headEnd/>
+            <a:tailEnd/>
+          </a:ln>
+        </p:spPr>
+        <p:txBody>
+          <a:bodyPr rot="0" vert="horz" wrap="square" lIns="91440" tIns="45720" rIns="91440" bIns="45720" anchor="t" anchorCtr="0" upright="1">
+            <a:noAutofit/>
+          </a:bodyPr>
+          <a:lstStyle/>
+          <a:p>
+            <a:endParaRPr lang="nl-BE"/>
+          </a:p>
+        </p:txBody>
+      </p:sp>
+    </p:spTree>
+    <p:extLst>
+      <p:ext uri="{BB962C8B-B14F-4D97-AF65-F5344CB8AC3E}">
+        <p14:creationId xmlns:p14="http://schemas.microsoft.com/office/powerpoint/2010/main" val="208640370"/>
+      </p:ext>
+    </p:extLst>
+  </p:cSld>
+  <p:clrMapOvr>
+    <a:masterClrMapping/>
+  </p:clrMapOvr>
+</p:sld>
+</file>
+
 <file path=ppt/theme/theme1.xml><?xml version="1.0" encoding="utf-8"?>
 <a:theme xmlns:a="http://schemas.openxmlformats.org/drawingml/2006/main" name="Kantoorthema">
   <a:themeElements>
